--- a/translations/pt-br/beginner/PortView.pptx
+++ b/translations/pt-br/beginner/PortView.pptx
@@ -2,24 +2,25 @@
 <file path=ppt/presentation.xml><?xml version="1.0" encoding="utf-8"?>
 <p:presentation xmlns:a="http://schemas.openxmlformats.org/drawingml/2006/main" xmlns:r="http://schemas.openxmlformats.org/officeDocument/2006/relationships" xmlns:p="http://schemas.openxmlformats.org/presentationml/2006/main" showSpecialPlsOnTitleSld="0" saveSubsetFonts="1" autoCompressPictures="0">
   <p:sldMasterIdLst>
-    <p:sldMasterId id="2147483714" r:id="rId1"/>
+    <p:sldMasterId id="2147483726" r:id="rId1"/>
+    <p:sldMasterId id="2147483738" r:id="rId2"/>
   </p:sldMasterIdLst>
   <p:notesMasterIdLst>
-    <p:notesMasterId r:id="rId11"/>
+    <p:notesMasterId r:id="rId12"/>
   </p:notesMasterIdLst>
   <p:handoutMasterIdLst>
-    <p:handoutMasterId r:id="rId12"/>
+    <p:handoutMasterId r:id="rId13"/>
   </p:handoutMasterIdLst>
   <p:sldIdLst>
-    <p:sldId id="403" r:id="rId2"/>
-    <p:sldId id="407" r:id="rId3"/>
-    <p:sldId id="408" r:id="rId4"/>
-    <p:sldId id="409" r:id="rId5"/>
-    <p:sldId id="410" r:id="rId6"/>
-    <p:sldId id="413" r:id="rId7"/>
-    <p:sldId id="414" r:id="rId8"/>
-    <p:sldId id="411" r:id="rId9"/>
-    <p:sldId id="404" r:id="rId10"/>
+    <p:sldId id="416" r:id="rId3"/>
+    <p:sldId id="407" r:id="rId4"/>
+    <p:sldId id="408" r:id="rId5"/>
+    <p:sldId id="409" r:id="rId6"/>
+    <p:sldId id="410" r:id="rId7"/>
+    <p:sldId id="413" r:id="rId8"/>
+    <p:sldId id="414" r:id="rId9"/>
+    <p:sldId id="411" r:id="rId10"/>
+    <p:sldId id="415" r:id="rId11"/>
   </p:sldIdLst>
   <p:sldSz cx="9144000" cy="6858000" type="screen4x3"/>
   <p:notesSz cx="6858000" cy="9144000"/>
@@ -219,7 +220,7 @@
           <a:p>
             <a:fld id="{F8D9B3D7-15CB-9343-AA49-EFB5A8F33F18}" type="datetimeFigureOut">
               <a:rPr lang="en-US" smtClean="0"/>
-              <a:t>11/4/2015</a:t>
+              <a:t>2/11/17</a:t>
             </a:fld>
             <a:endParaRPr lang="en-US"/>
           </a:p>
@@ -385,7 +386,7 @@
           <a:p>
             <a:fld id="{FD3EFF1E-85A1-6640-AFB9-C38833E80A84}" type="datetimeFigureOut">
               <a:rPr lang="en-US" smtClean="0"/>
-              <a:t>11/4/2015</a:t>
+              <a:t>2/11/17</a:t>
             </a:fld>
             <a:endParaRPr lang="en-US"/>
           </a:p>
@@ -673,7 +674,7 @@
       </p:grpSpPr>
       <p:sp>
         <p:nvSpPr>
-          <p:cNvPr id="2" name="Slide Image Placeholder 1"/>
+          <p:cNvPr id="2" name="Espaço Reservado para Imagem de Slide 1"/>
           <p:cNvSpPr>
             <a:spLocks noGrp="1" noRot="1" noChangeAspect="1"/>
           </p:cNvSpPr>
@@ -685,7 +686,7 @@
       </p:sp>
       <p:sp>
         <p:nvSpPr>
-          <p:cNvPr id="3" name="Notes Placeholder 2"/>
+          <p:cNvPr id="3" name="Espaço Reservado para Anotações 2"/>
           <p:cNvSpPr>
             <a:spLocks noGrp="1"/>
           </p:cNvSpPr>
@@ -698,13 +699,13 @@
           <a:bodyPr/>
           <a:lstStyle/>
           <a:p>
-            <a:endParaRPr lang="en-US"/>
-          </a:p>
-        </p:txBody>
-      </p:sp>
-      <p:sp>
-        <p:nvSpPr>
-          <p:cNvPr id="4" name="Slide Number Placeholder 3"/>
+            <a:endParaRPr lang="pt-BR" dirty="0"/>
+          </a:p>
+        </p:txBody>
+      </p:sp>
+      <p:sp>
+        <p:nvSpPr>
+          <p:cNvPr id="4" name="Espaço Reservado para Número de Slide 3"/>
           <p:cNvSpPr>
             <a:spLocks noGrp="1"/>
           </p:cNvSpPr>
@@ -719,7 +720,7 @@
           <a:p>
             <a:fld id="{13967457-1E83-1040-AFF7-8D09C473DBD5}" type="slidenum">
               <a:rPr lang="en-US" smtClean="0"/>
-              <a:t>1</a:t>
+              <a:t>3</a:t>
             </a:fld>
             <a:endParaRPr lang="en-US"/>
           </a:p>
@@ -728,7 +729,7 @@
     </p:spTree>
     <p:extLst>
       <p:ext uri="{BB962C8B-B14F-4D97-AF65-F5344CB8AC3E}">
-        <p14:creationId xmlns:p14="http://schemas.microsoft.com/office/powerpoint/2010/main" val="4203131312"/>
+        <p14:creationId xmlns:p14="http://schemas.microsoft.com/office/powerpoint/2010/main" val="1260017092"/>
       </p:ext>
     </p:extLst>
   </p:cSld>
@@ -757,7 +758,7 @@
       </p:grpSpPr>
       <p:sp>
         <p:nvSpPr>
-          <p:cNvPr id="2" name="Espaço Reservado para Imagem de Slide 1"/>
+          <p:cNvPr id="2" name="Slide Image Placeholder 1"/>
           <p:cNvSpPr>
             <a:spLocks noGrp="1" noRot="1" noChangeAspect="1"/>
           </p:cNvSpPr>
@@ -769,7 +770,7 @@
       </p:sp>
       <p:sp>
         <p:nvSpPr>
-          <p:cNvPr id="3" name="Espaço Reservado para Anotações 2"/>
+          <p:cNvPr id="3" name="Notes Placeholder 2"/>
           <p:cNvSpPr>
             <a:spLocks noGrp="1"/>
           </p:cNvSpPr>
@@ -782,13 +783,13 @@
           <a:bodyPr/>
           <a:lstStyle/>
           <a:p>
-            <a:endParaRPr lang="pt-BR" dirty="0"/>
-          </a:p>
-        </p:txBody>
-      </p:sp>
-      <p:sp>
-        <p:nvSpPr>
-          <p:cNvPr id="4" name="Espaço Reservado para Número de Slide 3"/>
+            <a:endParaRPr lang="en-US"/>
+          </a:p>
+        </p:txBody>
+      </p:sp>
+      <p:sp>
+        <p:nvSpPr>
+          <p:cNvPr id="4" name="Slide Number Placeholder 3"/>
           <p:cNvSpPr>
             <a:spLocks noGrp="1"/>
           </p:cNvSpPr>
@@ -803,7 +804,7 @@
           <a:p>
             <a:fld id="{13967457-1E83-1040-AFF7-8D09C473DBD5}" type="slidenum">
               <a:rPr lang="en-US" smtClean="0"/>
-              <a:t>3</a:t>
+              <a:t>4</a:t>
             </a:fld>
             <a:endParaRPr lang="en-US"/>
           </a:p>
@@ -812,7 +813,7 @@
     </p:spTree>
     <p:extLst>
       <p:ext uri="{BB962C8B-B14F-4D97-AF65-F5344CB8AC3E}">
-        <p14:creationId xmlns:p14="http://schemas.microsoft.com/office/powerpoint/2010/main" val="1260017092"/>
+        <p14:creationId xmlns:p14="http://schemas.microsoft.com/office/powerpoint/2010/main" val="1088053181"/>
       </p:ext>
     </p:extLst>
   </p:cSld>
@@ -887,7 +888,7 @@
           <a:p>
             <a:fld id="{13967457-1E83-1040-AFF7-8D09C473DBD5}" type="slidenum">
               <a:rPr lang="en-US" smtClean="0"/>
-              <a:t>4</a:t>
+              <a:t>8</a:t>
             </a:fld>
             <a:endParaRPr lang="en-US"/>
           </a:p>
@@ -896,7 +897,7 @@
     </p:spTree>
     <p:extLst>
       <p:ext uri="{BB962C8B-B14F-4D97-AF65-F5344CB8AC3E}">
-        <p14:creationId xmlns:p14="http://schemas.microsoft.com/office/powerpoint/2010/main" val="1088053181"/>
+        <p14:creationId xmlns:p14="http://schemas.microsoft.com/office/powerpoint/2010/main" val="447597870"/>
       </p:ext>
     </p:extLst>
   </p:cSld>
@@ -971,7 +972,7 @@
           <a:p>
             <a:fld id="{13967457-1E83-1040-AFF7-8D09C473DBD5}" type="slidenum">
               <a:rPr lang="en-US" smtClean="0"/>
-              <a:t>8</a:t>
+              <a:t>9</a:t>
             </a:fld>
             <a:endParaRPr lang="en-US"/>
           </a:p>
@@ -980,7 +981,7 @@
     </p:spTree>
     <p:extLst>
       <p:ext uri="{BB962C8B-B14F-4D97-AF65-F5344CB8AC3E}">
-        <p14:creationId xmlns:p14="http://schemas.microsoft.com/office/powerpoint/2010/main" val="447597870"/>
+        <p14:creationId xmlns:p14="http://schemas.microsoft.com/office/powerpoint/2010/main" val="964628163"/>
       </p:ext>
     </p:extLst>
   </p:cSld>
@@ -991,7 +992,7 @@
 </file>
 
 <file path=ppt/slideLayouts/slideLayout1.xml><?xml version="1.0" encoding="utf-8"?>
-<p:sldLayout xmlns:a="http://schemas.openxmlformats.org/drawingml/2006/main" xmlns:r="http://schemas.openxmlformats.org/officeDocument/2006/relationships" xmlns:p="http://schemas.openxmlformats.org/presentationml/2006/main" showMasterSp="0" type="title" preserve="1">
+<p:sldLayout xmlns:a="http://schemas.openxmlformats.org/drawingml/2006/main" xmlns:r="http://schemas.openxmlformats.org/officeDocument/2006/relationships" xmlns:p="http://schemas.openxmlformats.org/presentationml/2006/main" showMasterSp="0" preserve="1">
   <p:cSld name="Title Slide">
     <p:spTree>
       <p:nvGrpSpPr>
@@ -1009,67 +1010,26 @@
       </p:grpSpPr>
       <p:sp>
         <p:nvSpPr>
-          <p:cNvPr id="2" name="Title 1"/>
-          <p:cNvSpPr>
-            <a:spLocks noGrp="1"/>
-          </p:cNvSpPr>
-          <p:nvPr>
-            <p:ph type="ctrTitle"/>
+          <p:cNvPr id="3" name="Subtitle 2"/>
+          <p:cNvSpPr>
+            <a:spLocks noGrp="1"/>
+          </p:cNvSpPr>
+          <p:nvPr>
+            <p:ph type="subTitle" idx="1"/>
           </p:nvPr>
         </p:nvSpPr>
         <p:spPr>
           <a:xfrm>
-            <a:off x="457200" y="228600"/>
-            <a:ext cx="7772400" cy="4571999"/>
-          </a:xfrm>
-        </p:spPr>
-        <p:txBody>
-          <a:bodyPr anchor="ctr">
-            <a:noAutofit/>
-          </a:bodyPr>
-          <a:lstStyle>
-            <a:lvl1pPr>
-              <a:lnSpc>
-                <a:spcPct val="100000"/>
-              </a:lnSpc>
-              <a:defRPr sz="8800" spc="-80" baseline="0">
-                <a:solidFill>
-                  <a:schemeClr val="tx1"/>
-                </a:solidFill>
-              </a:defRPr>
-            </a:lvl1pPr>
-          </a:lstStyle>
-          <a:p>
-            <a:r>
-              <a:rPr lang="en-US" smtClean="0"/>
-              <a:t>Click to edit Master title style</a:t>
-            </a:r>
-            <a:endParaRPr lang="en-US" dirty="0"/>
-          </a:p>
-        </p:txBody>
-      </p:sp>
-      <p:sp>
-        <p:nvSpPr>
-          <p:cNvPr id="3" name="Subtitle 2"/>
-          <p:cNvSpPr>
-            <a:spLocks noGrp="1"/>
-          </p:cNvSpPr>
-          <p:nvPr>
-            <p:ph type="subTitle" idx="1"/>
-          </p:nvPr>
-        </p:nvSpPr>
-        <p:spPr>
-          <a:xfrm>
-            <a:off x="457200" y="4800600"/>
+            <a:off x="1132517" y="3427224"/>
             <a:ext cx="6858000" cy="914400"/>
           </a:xfrm>
         </p:spPr>
         <p:txBody>
           <a:bodyPr/>
           <a:lstStyle>
-            <a:lvl1pPr marL="0" indent="0" algn="l">
+            <a:lvl1pPr marL="0" indent="0" algn="ctr">
               <a:buNone/>
-              <a:defRPr b="0" cap="all" spc="120" baseline="0">
+              <a:defRPr b="0" cap="none" spc="120" baseline="0">
                 <a:solidFill>
                   <a:schemeClr val="tx2"/>
                 </a:solidFill>
@@ -1183,7 +1143,7 @@
           <a:p>
             <a:fld id="{A1B1CCAE-787B-5544-8FC9-55643455A7D7}" type="datetime1">
               <a:rPr lang="en-US" smtClean="0"/>
-              <a:t>11/4/2015</a:t>
+              <a:t>2/11/17</a:t>
             </a:fld>
             <a:endParaRPr lang="en-US"/>
           </a:p>
@@ -1199,34 +1159,42 @@
             <p:ph type="ftr" sz="quarter" idx="11"/>
           </p:nvPr>
         </p:nvSpPr>
-        <p:spPr/>
-        <p:txBody>
-          <a:bodyPr/>
-          <a:lstStyle/>
-          <a:p>
-            <a:r>
-              <a:rPr lang="en-US" smtClean="0"/>
-              <a:t>© EV3Lessons.com, 2015, (Last edit: 11/04/2015)</a:t>
-            </a:r>
-            <a:endParaRPr lang="en-US"/>
-          </a:p>
-        </p:txBody>
-      </p:sp>
-      <p:sp>
-        <p:nvSpPr>
-          <p:cNvPr id="6" name="Slide Number Placeholder 5"/>
-          <p:cNvSpPr>
-            <a:spLocks noGrp="1"/>
-          </p:cNvSpPr>
-          <p:nvPr>
-            <p:ph type="sldNum" sz="quarter" idx="12"/>
-          </p:nvPr>
-        </p:nvSpPr>
         <p:spPr>
           <a:xfrm>
-            <a:off x="8338268" y="6477001"/>
-            <a:ext cx="574937" cy="283931"/>
+            <a:off x="457200" y="6492875"/>
+            <a:ext cx="3945988" cy="282095"/>
           </a:xfrm>
+        </p:spPr>
+        <p:txBody>
+          <a:bodyPr/>
+          <a:lstStyle/>
+          <a:p>
+            <a:r>
+              <a:rPr lang="en-US" smtClean="0"/>
+              <a:t>© EV3Lessons.com, 2015, (Last edit: 11/04/2015)</a:t>
+            </a:r>
+            <a:endParaRPr lang="en-US"/>
+          </a:p>
+        </p:txBody>
+      </p:sp>
+      <p:sp>
+        <p:nvSpPr>
+          <p:cNvPr id="6" name="Slide Number Placeholder 5"/>
+          <p:cNvSpPr>
+            <a:spLocks noGrp="1"/>
+          </p:cNvSpPr>
+          <p:nvPr>
+            <p:ph type="sldNum" sz="quarter" idx="12"/>
+          </p:nvPr>
+        </p:nvSpPr>
+        <p:spPr>
+          <a:xfrm>
+            <a:off x="8484242" y="6341733"/>
+            <a:ext cx="588319" cy="365125"/>
+          </a:xfrm>
+          <a:prstGeom prst="rect">
+            <a:avLst/>
+          </a:prstGeom>
         </p:spPr>
         <p:txBody>
           <a:bodyPr/>
@@ -1251,6 +1219,231 @@
       <p:sp>
         <p:nvSpPr>
           <p:cNvPr id="11" name="Rectangle 10"/>
+          <p:cNvSpPr/>
+          <p:nvPr/>
+        </p:nvSpPr>
+        <p:spPr>
+          <a:xfrm>
+            <a:off x="8996106" y="2895600"/>
+            <a:ext cx="147895" cy="3962400"/>
+          </a:xfrm>
+          <a:prstGeom prst="rect">
+            <a:avLst/>
+          </a:prstGeom>
+          <a:solidFill>
+            <a:srgbClr val="92D050"/>
+          </a:solidFill>
+          <a:ln>
+            <a:noFill/>
+          </a:ln>
+        </p:spPr>
+        <p:style>
+          <a:lnRef idx="2">
+            <a:schemeClr val="accent1">
+              <a:shade val="50000"/>
+            </a:schemeClr>
+          </a:lnRef>
+          <a:fillRef idx="1">
+            <a:schemeClr val="accent1"/>
+          </a:fillRef>
+          <a:effectRef idx="0">
+            <a:schemeClr val="accent1"/>
+          </a:effectRef>
+          <a:fontRef idx="minor">
+            <a:schemeClr val="lt1"/>
+          </a:fontRef>
+        </p:style>
+      </p:sp>
+      <p:sp>
+        <p:nvSpPr>
+          <p:cNvPr id="12" name="Rectangle 11"/>
+          <p:cNvSpPr/>
+          <p:nvPr/>
+        </p:nvSpPr>
+        <p:spPr>
+          <a:xfrm>
+            <a:off x="8959042" y="0"/>
+            <a:ext cx="184958" cy="2895600"/>
+          </a:xfrm>
+          <a:prstGeom prst="rect">
+            <a:avLst/>
+          </a:prstGeom>
+          <a:solidFill>
+            <a:srgbClr val="7030A0"/>
+          </a:solidFill>
+          <a:ln>
+            <a:noFill/>
+          </a:ln>
+        </p:spPr>
+        <p:style>
+          <a:lnRef idx="2">
+            <a:schemeClr val="accent1">
+              <a:shade val="50000"/>
+            </a:schemeClr>
+          </a:lnRef>
+          <a:fillRef idx="1">
+            <a:schemeClr val="accent1"/>
+          </a:fillRef>
+          <a:effectRef idx="0">
+            <a:schemeClr val="accent1"/>
+          </a:effectRef>
+          <a:fontRef idx="minor">
+            <a:schemeClr val="lt1"/>
+          </a:fontRef>
+        </p:style>
+      </p:sp>
+      <p:sp>
+        <p:nvSpPr>
+          <p:cNvPr id="13" name="Rectangle 12"/>
+          <p:cNvSpPr/>
+          <p:nvPr/>
+        </p:nvSpPr>
+        <p:spPr>
+          <a:xfrm>
+            <a:off x="8904666" y="0"/>
+            <a:ext cx="91440" cy="6858000"/>
+          </a:xfrm>
+          <a:prstGeom prst="rect">
+            <a:avLst/>
+          </a:prstGeom>
+          <a:solidFill>
+            <a:srgbClr val="0070C0"/>
+          </a:solidFill>
+          <a:ln>
+            <a:noFill/>
+          </a:ln>
+        </p:spPr>
+        <p:style>
+          <a:lnRef idx="2">
+            <a:schemeClr val="accent1">
+              <a:shade val="50000"/>
+            </a:schemeClr>
+          </a:lnRef>
+          <a:fillRef idx="1">
+            <a:schemeClr val="accent1"/>
+          </a:fillRef>
+          <a:effectRef idx="0">
+            <a:schemeClr val="accent1"/>
+          </a:effectRef>
+          <a:fontRef idx="minor">
+            <a:schemeClr val="lt1"/>
+          </a:fontRef>
+        </p:style>
+      </p:sp>
+      <p:pic>
+        <p:nvPicPr>
+          <p:cNvPr id="10" name="Picture 2" descr="EV3Lessons.com"/>
+          <p:cNvPicPr>
+            <a:picLocks noChangeAspect="1" noChangeArrowheads="1"/>
+          </p:cNvPicPr>
+          <p:nvPr/>
+        </p:nvPicPr>
+        <p:blipFill>
+          <a:blip r:embed="rId2">
+            <a:extLst>
+              <a:ext uri="{28A0092B-C50C-407E-A947-70E740481C1C}">
+                <a14:useLocalDpi xmlns:a14="http://schemas.microsoft.com/office/drawing/2010/main" val="0"/>
+              </a:ext>
+            </a:extLst>
+          </a:blip>
+          <a:srcRect/>
+          <a:stretch>
+            <a:fillRect/>
+          </a:stretch>
+        </p:blipFill>
+        <p:spPr bwMode="auto">
+          <a:xfrm>
+            <a:off x="690896" y="400415"/>
+            <a:ext cx="7741243" cy="2875320"/>
+          </a:xfrm>
+          <a:prstGeom prst="rect">
+            <a:avLst/>
+          </a:prstGeom>
+          <a:noFill/>
+          <a:extLst>
+            <a:ext uri="{909E8E84-426E-40dd-AFC4-6F175D3DCCD1}">
+              <a14:hiddenFill xmlns="" xmlns:a14="http://schemas.microsoft.com/office/drawing/2010/main">
+                <a:solidFill>
+                  <a:srgbClr val="FFFFFF"/>
+                </a:solidFill>
+              </a14:hiddenFill>
+            </a:ext>
+          </a:extLst>
+        </p:spPr>
+      </p:pic>
+      <p:sp>
+        <p:nvSpPr>
+          <p:cNvPr id="14" name="Title 1"/>
+          <p:cNvSpPr>
+            <a:spLocks noGrp="1"/>
+          </p:cNvSpPr>
+          <p:nvPr>
+            <p:ph type="ctrTitle" hasCustomPrompt="1"/>
+          </p:nvPr>
+        </p:nvSpPr>
+        <p:spPr>
+          <a:xfrm>
+            <a:off x="502903" y="5741850"/>
+            <a:ext cx="8117227" cy="602769"/>
+          </a:xfrm>
+        </p:spPr>
+        <p:txBody>
+          <a:bodyPr>
+            <a:noAutofit/>
+          </a:bodyPr>
+          <a:lstStyle>
+            <a:lvl1pPr>
+              <a:defRPr sz="2800"/>
+            </a:lvl1pPr>
+          </a:lstStyle>
+          <a:p>
+            <a:pPr algn="ctr"/>
+            <a:r>
+              <a:rPr lang="en-US" sz="3200" dirty="0" smtClean="0"/>
+              <a:t>BEGINNER PROGRAMMING LESSON</a:t>
+            </a:r>
+            <a:endParaRPr lang="en-US" sz="3200" dirty="0"/>
+          </a:p>
+        </p:txBody>
+      </p:sp>
+      <p:sp>
+        <p:nvSpPr>
+          <p:cNvPr id="15" name="TextBox 14"/>
+          <p:cNvSpPr txBox="1"/>
+          <p:nvPr/>
+        </p:nvSpPr>
+        <p:spPr>
+          <a:xfrm>
+            <a:off x="2078568" y="4119917"/>
+            <a:ext cx="4965896" cy="369332"/>
+          </a:xfrm>
+          <a:prstGeom prst="rect">
+            <a:avLst/>
+          </a:prstGeom>
+          <a:noFill/>
+        </p:spPr>
+        <p:txBody>
+          <a:bodyPr wrap="square" rtlCol="0">
+            <a:spAutoFit/>
+          </a:bodyPr>
+          <a:lstStyle/>
+          <a:p>
+            <a:pPr algn="ctr"/>
+            <a:r>
+              <a:rPr lang="en-US" dirty="0" smtClean="0"/>
+              <a:t>By Sanjay and Arvind </a:t>
+            </a:r>
+            <a:r>
+              <a:rPr lang="en-US" dirty="0" err="1" smtClean="0"/>
+              <a:t>Seshan</a:t>
+            </a:r>
+            <a:endParaRPr lang="en-US" dirty="0"/>
+          </a:p>
+        </p:txBody>
+      </p:sp>
+      <p:sp>
+        <p:nvSpPr>
+          <p:cNvPr id="16" name="Rectangle 15"/>
           <p:cNvSpPr/>
           <p:nvPr userDrawn="1"/>
         </p:nvSpPr>
@@ -1295,7 +1488,7 @@
       </p:sp>
       <p:sp>
         <p:nvSpPr>
-          <p:cNvPr id="12" name="Rectangle 11"/>
+          <p:cNvPr id="17" name="Rectangle 16"/>
           <p:cNvSpPr/>
           <p:nvPr userDrawn="1"/>
         </p:nvSpPr>
@@ -1340,7 +1533,7 @@
       </p:sp>
       <p:sp>
         <p:nvSpPr>
-          <p:cNvPr id="13" name="Rectangle 12"/>
+          <p:cNvPr id="18" name="Rectangle 17"/>
           <p:cNvSpPr/>
           <p:nvPr userDrawn="1"/>
         </p:nvSpPr>
@@ -1388,6 +1581,13 @@
   <p:clrMapOvr>
     <a:masterClrMapping/>
   </p:clrMapOvr>
+  <p:timing>
+    <p:tnLst>
+      <p:par>
+        <p:cTn id="1" dur="indefinite" restart="never" nodeType="tmRoot"/>
+      </p:par>
+    </p:tnLst>
+  </p:timing>
 </p:sldLayout>
 </file>
 
@@ -1500,7 +1700,7 @@
           <a:p>
             <a:fld id="{F4FAEEB4-AFDD-814F-A366-0DAEAF3E51E6}" type="datetime1">
               <a:rPr lang="en-US" smtClean="0"/>
-              <a:t>11/4/2015</a:t>
+              <a:t>2/11/17</a:t>
             </a:fld>
             <a:endParaRPr lang="en-US"/>
           </a:p>
@@ -1539,7 +1739,15 @@
             <p:ph type="sldNum" sz="quarter" idx="12"/>
           </p:nvPr>
         </p:nvSpPr>
-        <p:spPr/>
+        <p:spPr>
+          <a:xfrm rot="16200000">
+            <a:off x="8227377" y="5885497"/>
+            <a:ext cx="1315721" cy="365125"/>
+          </a:xfrm>
+          <a:prstGeom prst="rect">
+            <a:avLst/>
+          </a:prstGeom>
+        </p:spPr>
         <p:txBody>
           <a:bodyPr/>
           <a:lstStyle/>
@@ -1679,7 +1887,7 @@
           <a:p>
             <a:fld id="{0364111A-4600-2D40-8CC5-2D6DFDE14F11}" type="datetime1">
               <a:rPr lang="en-US" smtClean="0"/>
-              <a:t>11/4/2015</a:t>
+              <a:t>2/11/17</a:t>
             </a:fld>
             <a:endParaRPr lang="en-US"/>
           </a:p>
@@ -1718,7 +1926,15 @@
             <p:ph type="sldNum" sz="quarter" idx="12"/>
           </p:nvPr>
         </p:nvSpPr>
-        <p:spPr/>
+        <p:spPr>
+          <a:xfrm rot="16200000">
+            <a:off x="8227377" y="5885497"/>
+            <a:ext cx="1315721" cy="365125"/>
+          </a:xfrm>
+          <a:prstGeom prst="rect">
+            <a:avLst/>
+          </a:prstGeom>
+        </p:spPr>
         <p:txBody>
           <a:bodyPr/>
           <a:lstStyle/>
@@ -1732,6 +1948,1703 @@
         </p:txBody>
       </p:sp>
     </p:spTree>
+  </p:cSld>
+  <p:clrMapOvr>
+    <a:masterClrMapping/>
+  </p:clrMapOvr>
+</p:sldLayout>
+</file>
+
+<file path=ppt/slideLayouts/slideLayout12.xml><?xml version="1.0" encoding="utf-8"?>
+<p:sldLayout xmlns:a="http://schemas.openxmlformats.org/drawingml/2006/main" xmlns:r="http://schemas.openxmlformats.org/officeDocument/2006/relationships" xmlns:p="http://schemas.openxmlformats.org/presentationml/2006/main" type="title" preserve="1">
+  <p:cSld name="Title Slide">
+    <p:spTree>
+      <p:nvGrpSpPr>
+        <p:cNvPr id="1" name=""/>
+        <p:cNvGrpSpPr/>
+        <p:nvPr/>
+      </p:nvGrpSpPr>
+      <p:grpSpPr>
+        <a:xfrm>
+          <a:off x="0" y="0"/>
+          <a:ext cx="0" cy="0"/>
+          <a:chOff x="0" y="0"/>
+          <a:chExt cx="0" cy="0"/>
+        </a:xfrm>
+      </p:grpSpPr>
+      <p:sp>
+        <p:nvSpPr>
+          <p:cNvPr id="2" name="Title 1"/>
+          <p:cNvSpPr>
+            <a:spLocks noGrp="1"/>
+          </p:cNvSpPr>
+          <p:nvPr>
+            <p:ph type="ctrTitle"/>
+          </p:nvPr>
+        </p:nvSpPr>
+        <p:spPr>
+          <a:xfrm>
+            <a:off x="1143000" y="1122363"/>
+            <a:ext cx="6858000" cy="2387600"/>
+          </a:xfrm>
+        </p:spPr>
+        <p:txBody>
+          <a:bodyPr anchor="b"/>
+          <a:lstStyle>
+            <a:lvl1pPr algn="ctr">
+              <a:defRPr sz="6000"/>
+            </a:lvl1pPr>
+          </a:lstStyle>
+          <a:p>
+            <a:r>
+              <a:rPr lang="en-US" smtClean="0"/>
+              <a:t>Click to edit Master title style</a:t>
+            </a:r>
+            <a:endParaRPr lang="en-US"/>
+          </a:p>
+        </p:txBody>
+      </p:sp>
+      <p:sp>
+        <p:nvSpPr>
+          <p:cNvPr id="3" name="Subtitle 2"/>
+          <p:cNvSpPr>
+            <a:spLocks noGrp="1"/>
+          </p:cNvSpPr>
+          <p:nvPr>
+            <p:ph type="subTitle" idx="1"/>
+          </p:nvPr>
+        </p:nvSpPr>
+        <p:spPr>
+          <a:xfrm>
+            <a:off x="1143000" y="3602038"/>
+            <a:ext cx="6858000" cy="1655762"/>
+          </a:xfrm>
+        </p:spPr>
+        <p:txBody>
+          <a:bodyPr/>
+          <a:lstStyle>
+            <a:lvl1pPr marL="0" indent="0" algn="ctr">
+              <a:buNone/>
+              <a:defRPr sz="2400"/>
+            </a:lvl1pPr>
+            <a:lvl2pPr marL="457200" indent="0" algn="ctr">
+              <a:buNone/>
+              <a:defRPr sz="2000"/>
+            </a:lvl2pPr>
+            <a:lvl3pPr marL="914400" indent="0" algn="ctr">
+              <a:buNone/>
+              <a:defRPr sz="1800"/>
+            </a:lvl3pPr>
+            <a:lvl4pPr marL="1371600" indent="0" algn="ctr">
+              <a:buNone/>
+              <a:defRPr sz="1600"/>
+            </a:lvl4pPr>
+            <a:lvl5pPr marL="1828800" indent="0" algn="ctr">
+              <a:buNone/>
+              <a:defRPr sz="1600"/>
+            </a:lvl5pPr>
+            <a:lvl6pPr marL="2286000" indent="0" algn="ctr">
+              <a:buNone/>
+              <a:defRPr sz="1600"/>
+            </a:lvl6pPr>
+            <a:lvl7pPr marL="2743200" indent="0" algn="ctr">
+              <a:buNone/>
+              <a:defRPr sz="1600"/>
+            </a:lvl7pPr>
+            <a:lvl8pPr marL="3200400" indent="0" algn="ctr">
+              <a:buNone/>
+              <a:defRPr sz="1600"/>
+            </a:lvl8pPr>
+            <a:lvl9pPr marL="3657600" indent="0" algn="ctr">
+              <a:buNone/>
+              <a:defRPr sz="1600"/>
+            </a:lvl9pPr>
+          </a:lstStyle>
+          <a:p>
+            <a:r>
+              <a:rPr lang="en-US" smtClean="0"/>
+              <a:t>Click to edit Master subtitle style</a:t>
+            </a:r>
+            <a:endParaRPr lang="en-US"/>
+          </a:p>
+        </p:txBody>
+      </p:sp>
+      <p:sp>
+        <p:nvSpPr>
+          <p:cNvPr id="4" name="Date Placeholder 3"/>
+          <p:cNvSpPr>
+            <a:spLocks noGrp="1"/>
+          </p:cNvSpPr>
+          <p:nvPr>
+            <p:ph type="dt" sz="half" idx="10"/>
+          </p:nvPr>
+        </p:nvSpPr>
+        <p:spPr/>
+        <p:txBody>
+          <a:bodyPr/>
+          <a:lstStyle/>
+          <a:p>
+            <a:fld id="{132E8F0C-F690-984D-97A5-2A1A1F38CA45}" type="datetime1">
+              <a:rPr lang="en-US" smtClean="0"/>
+              <a:t>2/11/17</a:t>
+            </a:fld>
+            <a:endParaRPr lang="en-US"/>
+          </a:p>
+        </p:txBody>
+      </p:sp>
+      <p:sp>
+        <p:nvSpPr>
+          <p:cNvPr id="5" name="Footer Placeholder 4"/>
+          <p:cNvSpPr>
+            <a:spLocks noGrp="1"/>
+          </p:cNvSpPr>
+          <p:nvPr>
+            <p:ph type="ftr" sz="quarter" idx="11"/>
+          </p:nvPr>
+        </p:nvSpPr>
+        <p:spPr/>
+        <p:txBody>
+          <a:bodyPr/>
+          <a:lstStyle/>
+          <a:p>
+            <a:r>
+              <a:rPr lang="en-US" smtClean="0"/>
+              <a:t>Copyright © EV3Lessons.com 2016 (Last edit: 07/04/2016)</a:t>
+            </a:r>
+            <a:endParaRPr lang="en-US"/>
+          </a:p>
+        </p:txBody>
+      </p:sp>
+      <p:sp>
+        <p:nvSpPr>
+          <p:cNvPr id="6" name="Slide Number Placeholder 5"/>
+          <p:cNvSpPr>
+            <a:spLocks noGrp="1"/>
+          </p:cNvSpPr>
+          <p:nvPr>
+            <p:ph type="sldNum" sz="quarter" idx="12"/>
+          </p:nvPr>
+        </p:nvSpPr>
+        <p:spPr/>
+        <p:txBody>
+          <a:bodyPr/>
+          <a:lstStyle/>
+          <a:p>
+            <a:fld id="{DE42E464-3EB8-43C8-8768-9E2AD4F497B7}" type="slidenum">
+              <a:rPr lang="en-US" smtClean="0"/>
+              <a:t>‹#›</a:t>
+            </a:fld>
+            <a:endParaRPr lang="en-US"/>
+          </a:p>
+        </p:txBody>
+      </p:sp>
+    </p:spTree>
+    <p:extLst/>
+  </p:cSld>
+  <p:clrMapOvr>
+    <a:masterClrMapping/>
+  </p:clrMapOvr>
+</p:sldLayout>
+</file>
+
+<file path=ppt/slideLayouts/slideLayout13.xml><?xml version="1.0" encoding="utf-8"?>
+<p:sldLayout xmlns:a="http://schemas.openxmlformats.org/drawingml/2006/main" xmlns:r="http://schemas.openxmlformats.org/officeDocument/2006/relationships" xmlns:p="http://schemas.openxmlformats.org/presentationml/2006/main" type="obj" preserve="1">
+  <p:cSld name="Title and Content">
+    <p:spTree>
+      <p:nvGrpSpPr>
+        <p:cNvPr id="1" name=""/>
+        <p:cNvGrpSpPr/>
+        <p:nvPr/>
+      </p:nvGrpSpPr>
+      <p:grpSpPr>
+        <a:xfrm>
+          <a:off x="0" y="0"/>
+          <a:ext cx="0" cy="0"/>
+          <a:chOff x="0" y="0"/>
+          <a:chExt cx="0" cy="0"/>
+        </a:xfrm>
+      </p:grpSpPr>
+      <p:sp>
+        <p:nvSpPr>
+          <p:cNvPr id="2" name="Title 1"/>
+          <p:cNvSpPr>
+            <a:spLocks noGrp="1"/>
+          </p:cNvSpPr>
+          <p:nvPr>
+            <p:ph type="title"/>
+          </p:nvPr>
+        </p:nvSpPr>
+        <p:spPr/>
+        <p:txBody>
+          <a:bodyPr/>
+          <a:lstStyle/>
+          <a:p>
+            <a:r>
+              <a:rPr lang="en-US" smtClean="0"/>
+              <a:t>Click to edit Master title style</a:t>
+            </a:r>
+            <a:endParaRPr lang="en-US"/>
+          </a:p>
+        </p:txBody>
+      </p:sp>
+      <p:sp>
+        <p:nvSpPr>
+          <p:cNvPr id="3" name="Content Placeholder 2"/>
+          <p:cNvSpPr>
+            <a:spLocks noGrp="1"/>
+          </p:cNvSpPr>
+          <p:nvPr>
+            <p:ph idx="1"/>
+          </p:nvPr>
+        </p:nvSpPr>
+        <p:spPr/>
+        <p:txBody>
+          <a:bodyPr/>
+          <a:lstStyle/>
+          <a:p>
+            <a:pPr lvl="0"/>
+            <a:r>
+              <a:rPr lang="en-US" smtClean="0"/>
+              <a:t>Click to edit Master text styles</a:t>
+            </a:r>
+          </a:p>
+          <a:p>
+            <a:pPr lvl="1"/>
+            <a:r>
+              <a:rPr lang="en-US" smtClean="0"/>
+              <a:t>Second level</a:t>
+            </a:r>
+          </a:p>
+          <a:p>
+            <a:pPr lvl="2"/>
+            <a:r>
+              <a:rPr lang="en-US" smtClean="0"/>
+              <a:t>Third level</a:t>
+            </a:r>
+          </a:p>
+          <a:p>
+            <a:pPr lvl="3"/>
+            <a:r>
+              <a:rPr lang="en-US" smtClean="0"/>
+              <a:t>Fourth level</a:t>
+            </a:r>
+          </a:p>
+          <a:p>
+            <a:pPr lvl="4"/>
+            <a:r>
+              <a:rPr lang="en-US" smtClean="0"/>
+              <a:t>Fifth level</a:t>
+            </a:r>
+            <a:endParaRPr lang="en-US"/>
+          </a:p>
+        </p:txBody>
+      </p:sp>
+      <p:sp>
+        <p:nvSpPr>
+          <p:cNvPr id="4" name="Date Placeholder 3"/>
+          <p:cNvSpPr>
+            <a:spLocks noGrp="1"/>
+          </p:cNvSpPr>
+          <p:nvPr>
+            <p:ph type="dt" sz="half" idx="10"/>
+          </p:nvPr>
+        </p:nvSpPr>
+        <p:spPr/>
+        <p:txBody>
+          <a:bodyPr/>
+          <a:lstStyle/>
+          <a:p>
+            <a:fld id="{204D42F3-05E2-6E4D-B22F-A4B15202BAD6}" type="datetime1">
+              <a:rPr lang="en-US" smtClean="0"/>
+              <a:t>2/11/17</a:t>
+            </a:fld>
+            <a:endParaRPr lang="en-US"/>
+          </a:p>
+        </p:txBody>
+      </p:sp>
+      <p:sp>
+        <p:nvSpPr>
+          <p:cNvPr id="5" name="Footer Placeholder 4"/>
+          <p:cNvSpPr>
+            <a:spLocks noGrp="1"/>
+          </p:cNvSpPr>
+          <p:nvPr>
+            <p:ph type="ftr" sz="quarter" idx="11"/>
+          </p:nvPr>
+        </p:nvSpPr>
+        <p:spPr/>
+        <p:txBody>
+          <a:bodyPr/>
+          <a:lstStyle/>
+          <a:p>
+            <a:r>
+              <a:rPr lang="en-US" smtClean="0"/>
+              <a:t>Copyright © EV3Lessons.com 2016 (Last edit: 07/04/2016)</a:t>
+            </a:r>
+            <a:endParaRPr lang="en-US"/>
+          </a:p>
+        </p:txBody>
+      </p:sp>
+      <p:sp>
+        <p:nvSpPr>
+          <p:cNvPr id="6" name="Slide Number Placeholder 5"/>
+          <p:cNvSpPr>
+            <a:spLocks noGrp="1"/>
+          </p:cNvSpPr>
+          <p:nvPr>
+            <p:ph type="sldNum" sz="quarter" idx="12"/>
+          </p:nvPr>
+        </p:nvSpPr>
+        <p:spPr/>
+        <p:txBody>
+          <a:bodyPr/>
+          <a:lstStyle/>
+          <a:p>
+            <a:fld id="{DE42E464-3EB8-43C8-8768-9E2AD4F497B7}" type="slidenum">
+              <a:rPr lang="en-US" smtClean="0"/>
+              <a:t>‹#›</a:t>
+            </a:fld>
+            <a:endParaRPr lang="en-US"/>
+          </a:p>
+        </p:txBody>
+      </p:sp>
+    </p:spTree>
+    <p:extLst/>
+  </p:cSld>
+  <p:clrMapOvr>
+    <a:masterClrMapping/>
+  </p:clrMapOvr>
+</p:sldLayout>
+</file>
+
+<file path=ppt/slideLayouts/slideLayout14.xml><?xml version="1.0" encoding="utf-8"?>
+<p:sldLayout xmlns:a="http://schemas.openxmlformats.org/drawingml/2006/main" xmlns:r="http://schemas.openxmlformats.org/officeDocument/2006/relationships" xmlns:p="http://schemas.openxmlformats.org/presentationml/2006/main" type="secHead" preserve="1">
+  <p:cSld name="Section Header">
+    <p:spTree>
+      <p:nvGrpSpPr>
+        <p:cNvPr id="1" name=""/>
+        <p:cNvGrpSpPr/>
+        <p:nvPr/>
+      </p:nvGrpSpPr>
+      <p:grpSpPr>
+        <a:xfrm>
+          <a:off x="0" y="0"/>
+          <a:ext cx="0" cy="0"/>
+          <a:chOff x="0" y="0"/>
+          <a:chExt cx="0" cy="0"/>
+        </a:xfrm>
+      </p:grpSpPr>
+      <p:sp>
+        <p:nvSpPr>
+          <p:cNvPr id="2" name="Title 1"/>
+          <p:cNvSpPr>
+            <a:spLocks noGrp="1"/>
+          </p:cNvSpPr>
+          <p:nvPr>
+            <p:ph type="title"/>
+          </p:nvPr>
+        </p:nvSpPr>
+        <p:spPr>
+          <a:xfrm>
+            <a:off x="623888" y="1709738"/>
+            <a:ext cx="7886700" cy="2852737"/>
+          </a:xfrm>
+        </p:spPr>
+        <p:txBody>
+          <a:bodyPr anchor="b"/>
+          <a:lstStyle>
+            <a:lvl1pPr>
+              <a:defRPr sz="6000"/>
+            </a:lvl1pPr>
+          </a:lstStyle>
+          <a:p>
+            <a:r>
+              <a:rPr lang="en-US" smtClean="0"/>
+              <a:t>Click to edit Master title style</a:t>
+            </a:r>
+            <a:endParaRPr lang="en-US"/>
+          </a:p>
+        </p:txBody>
+      </p:sp>
+      <p:sp>
+        <p:nvSpPr>
+          <p:cNvPr id="3" name="Text Placeholder 2"/>
+          <p:cNvSpPr>
+            <a:spLocks noGrp="1"/>
+          </p:cNvSpPr>
+          <p:nvPr>
+            <p:ph type="body" idx="1"/>
+          </p:nvPr>
+        </p:nvSpPr>
+        <p:spPr>
+          <a:xfrm>
+            <a:off x="623888" y="4589463"/>
+            <a:ext cx="7886700" cy="1500187"/>
+          </a:xfrm>
+        </p:spPr>
+        <p:txBody>
+          <a:bodyPr/>
+          <a:lstStyle>
+            <a:lvl1pPr marL="0" indent="0">
+              <a:buNone/>
+              <a:defRPr sz="2400">
+                <a:solidFill>
+                  <a:schemeClr val="tx1">
+                    <a:tint val="75000"/>
+                  </a:schemeClr>
+                </a:solidFill>
+              </a:defRPr>
+            </a:lvl1pPr>
+            <a:lvl2pPr marL="457200" indent="0">
+              <a:buNone/>
+              <a:defRPr sz="2000">
+                <a:solidFill>
+                  <a:schemeClr val="tx1">
+                    <a:tint val="75000"/>
+                  </a:schemeClr>
+                </a:solidFill>
+              </a:defRPr>
+            </a:lvl2pPr>
+            <a:lvl3pPr marL="914400" indent="0">
+              <a:buNone/>
+              <a:defRPr sz="1800">
+                <a:solidFill>
+                  <a:schemeClr val="tx1">
+                    <a:tint val="75000"/>
+                  </a:schemeClr>
+                </a:solidFill>
+              </a:defRPr>
+            </a:lvl3pPr>
+            <a:lvl4pPr marL="1371600" indent="0">
+              <a:buNone/>
+              <a:defRPr sz="1600">
+                <a:solidFill>
+                  <a:schemeClr val="tx1">
+                    <a:tint val="75000"/>
+                  </a:schemeClr>
+                </a:solidFill>
+              </a:defRPr>
+            </a:lvl4pPr>
+            <a:lvl5pPr marL="1828800" indent="0">
+              <a:buNone/>
+              <a:defRPr sz="1600">
+                <a:solidFill>
+                  <a:schemeClr val="tx1">
+                    <a:tint val="75000"/>
+                  </a:schemeClr>
+                </a:solidFill>
+              </a:defRPr>
+            </a:lvl5pPr>
+            <a:lvl6pPr marL="2286000" indent="0">
+              <a:buNone/>
+              <a:defRPr sz="1600">
+                <a:solidFill>
+                  <a:schemeClr val="tx1">
+                    <a:tint val="75000"/>
+                  </a:schemeClr>
+                </a:solidFill>
+              </a:defRPr>
+            </a:lvl6pPr>
+            <a:lvl7pPr marL="2743200" indent="0">
+              <a:buNone/>
+              <a:defRPr sz="1600">
+                <a:solidFill>
+                  <a:schemeClr val="tx1">
+                    <a:tint val="75000"/>
+                  </a:schemeClr>
+                </a:solidFill>
+              </a:defRPr>
+            </a:lvl7pPr>
+            <a:lvl8pPr marL="3200400" indent="0">
+              <a:buNone/>
+              <a:defRPr sz="1600">
+                <a:solidFill>
+                  <a:schemeClr val="tx1">
+                    <a:tint val="75000"/>
+                  </a:schemeClr>
+                </a:solidFill>
+              </a:defRPr>
+            </a:lvl8pPr>
+            <a:lvl9pPr marL="3657600" indent="0">
+              <a:buNone/>
+              <a:defRPr sz="1600">
+                <a:solidFill>
+                  <a:schemeClr val="tx1">
+                    <a:tint val="75000"/>
+                  </a:schemeClr>
+                </a:solidFill>
+              </a:defRPr>
+            </a:lvl9pPr>
+          </a:lstStyle>
+          <a:p>
+            <a:pPr lvl="0"/>
+            <a:r>
+              <a:rPr lang="en-US" smtClean="0"/>
+              <a:t>Click to edit Master text styles</a:t>
+            </a:r>
+          </a:p>
+        </p:txBody>
+      </p:sp>
+      <p:sp>
+        <p:nvSpPr>
+          <p:cNvPr id="4" name="Date Placeholder 3"/>
+          <p:cNvSpPr>
+            <a:spLocks noGrp="1"/>
+          </p:cNvSpPr>
+          <p:nvPr>
+            <p:ph type="dt" sz="half" idx="10"/>
+          </p:nvPr>
+        </p:nvSpPr>
+        <p:spPr/>
+        <p:txBody>
+          <a:bodyPr/>
+          <a:lstStyle/>
+          <a:p>
+            <a:fld id="{87E96F11-32C1-0647-8775-D1AB0BA87447}" type="datetime1">
+              <a:rPr lang="en-US" smtClean="0"/>
+              <a:t>2/11/17</a:t>
+            </a:fld>
+            <a:endParaRPr lang="en-US"/>
+          </a:p>
+        </p:txBody>
+      </p:sp>
+      <p:sp>
+        <p:nvSpPr>
+          <p:cNvPr id="5" name="Footer Placeholder 4"/>
+          <p:cNvSpPr>
+            <a:spLocks noGrp="1"/>
+          </p:cNvSpPr>
+          <p:nvPr>
+            <p:ph type="ftr" sz="quarter" idx="11"/>
+          </p:nvPr>
+        </p:nvSpPr>
+        <p:spPr/>
+        <p:txBody>
+          <a:bodyPr/>
+          <a:lstStyle/>
+          <a:p>
+            <a:r>
+              <a:rPr lang="en-US" smtClean="0"/>
+              <a:t>Copyright © EV3Lessons.com 2016 (Last edit: 07/04/2016)</a:t>
+            </a:r>
+            <a:endParaRPr lang="en-US"/>
+          </a:p>
+        </p:txBody>
+      </p:sp>
+      <p:sp>
+        <p:nvSpPr>
+          <p:cNvPr id="6" name="Slide Number Placeholder 5"/>
+          <p:cNvSpPr>
+            <a:spLocks noGrp="1"/>
+          </p:cNvSpPr>
+          <p:nvPr>
+            <p:ph type="sldNum" sz="quarter" idx="12"/>
+          </p:nvPr>
+        </p:nvSpPr>
+        <p:spPr/>
+        <p:txBody>
+          <a:bodyPr/>
+          <a:lstStyle/>
+          <a:p>
+            <a:fld id="{DE42E464-3EB8-43C8-8768-9E2AD4F497B7}" type="slidenum">
+              <a:rPr lang="en-US" smtClean="0"/>
+              <a:t>‹#›</a:t>
+            </a:fld>
+            <a:endParaRPr lang="en-US"/>
+          </a:p>
+        </p:txBody>
+      </p:sp>
+    </p:spTree>
+    <p:extLst/>
+  </p:cSld>
+  <p:clrMapOvr>
+    <a:masterClrMapping/>
+  </p:clrMapOvr>
+</p:sldLayout>
+</file>
+
+<file path=ppt/slideLayouts/slideLayout15.xml><?xml version="1.0" encoding="utf-8"?>
+<p:sldLayout xmlns:a="http://schemas.openxmlformats.org/drawingml/2006/main" xmlns:r="http://schemas.openxmlformats.org/officeDocument/2006/relationships" xmlns:p="http://schemas.openxmlformats.org/presentationml/2006/main" type="twoObj" preserve="1">
+  <p:cSld name="Two Content">
+    <p:spTree>
+      <p:nvGrpSpPr>
+        <p:cNvPr id="1" name=""/>
+        <p:cNvGrpSpPr/>
+        <p:nvPr/>
+      </p:nvGrpSpPr>
+      <p:grpSpPr>
+        <a:xfrm>
+          <a:off x="0" y="0"/>
+          <a:ext cx="0" cy="0"/>
+          <a:chOff x="0" y="0"/>
+          <a:chExt cx="0" cy="0"/>
+        </a:xfrm>
+      </p:grpSpPr>
+      <p:sp>
+        <p:nvSpPr>
+          <p:cNvPr id="2" name="Title 1"/>
+          <p:cNvSpPr>
+            <a:spLocks noGrp="1"/>
+          </p:cNvSpPr>
+          <p:nvPr>
+            <p:ph type="title"/>
+          </p:nvPr>
+        </p:nvSpPr>
+        <p:spPr/>
+        <p:txBody>
+          <a:bodyPr/>
+          <a:lstStyle/>
+          <a:p>
+            <a:r>
+              <a:rPr lang="en-US" smtClean="0"/>
+              <a:t>Click to edit Master title style</a:t>
+            </a:r>
+            <a:endParaRPr lang="en-US"/>
+          </a:p>
+        </p:txBody>
+      </p:sp>
+      <p:sp>
+        <p:nvSpPr>
+          <p:cNvPr id="3" name="Content Placeholder 2"/>
+          <p:cNvSpPr>
+            <a:spLocks noGrp="1"/>
+          </p:cNvSpPr>
+          <p:nvPr>
+            <p:ph sz="half" idx="1"/>
+          </p:nvPr>
+        </p:nvSpPr>
+        <p:spPr>
+          <a:xfrm>
+            <a:off x="628650" y="1825625"/>
+            <a:ext cx="3867150" cy="4351338"/>
+          </a:xfrm>
+        </p:spPr>
+        <p:txBody>
+          <a:bodyPr/>
+          <a:lstStyle/>
+          <a:p>
+            <a:pPr lvl="0"/>
+            <a:r>
+              <a:rPr lang="en-US" smtClean="0"/>
+              <a:t>Click to edit Master text styles</a:t>
+            </a:r>
+          </a:p>
+          <a:p>
+            <a:pPr lvl="1"/>
+            <a:r>
+              <a:rPr lang="en-US" smtClean="0"/>
+              <a:t>Second level</a:t>
+            </a:r>
+          </a:p>
+          <a:p>
+            <a:pPr lvl="2"/>
+            <a:r>
+              <a:rPr lang="en-US" smtClean="0"/>
+              <a:t>Third level</a:t>
+            </a:r>
+          </a:p>
+          <a:p>
+            <a:pPr lvl="3"/>
+            <a:r>
+              <a:rPr lang="en-US" smtClean="0"/>
+              <a:t>Fourth level</a:t>
+            </a:r>
+          </a:p>
+          <a:p>
+            <a:pPr lvl="4"/>
+            <a:r>
+              <a:rPr lang="en-US" smtClean="0"/>
+              <a:t>Fifth level</a:t>
+            </a:r>
+            <a:endParaRPr lang="en-US"/>
+          </a:p>
+        </p:txBody>
+      </p:sp>
+      <p:sp>
+        <p:nvSpPr>
+          <p:cNvPr id="4" name="Content Placeholder 3"/>
+          <p:cNvSpPr>
+            <a:spLocks noGrp="1"/>
+          </p:cNvSpPr>
+          <p:nvPr>
+            <p:ph sz="half" idx="2"/>
+          </p:nvPr>
+        </p:nvSpPr>
+        <p:spPr>
+          <a:xfrm>
+            <a:off x="4648200" y="1825625"/>
+            <a:ext cx="3867150" cy="4351338"/>
+          </a:xfrm>
+        </p:spPr>
+        <p:txBody>
+          <a:bodyPr/>
+          <a:lstStyle/>
+          <a:p>
+            <a:pPr lvl="0"/>
+            <a:r>
+              <a:rPr lang="en-US" smtClean="0"/>
+              <a:t>Click to edit Master text styles</a:t>
+            </a:r>
+          </a:p>
+          <a:p>
+            <a:pPr lvl="1"/>
+            <a:r>
+              <a:rPr lang="en-US" smtClean="0"/>
+              <a:t>Second level</a:t>
+            </a:r>
+          </a:p>
+          <a:p>
+            <a:pPr lvl="2"/>
+            <a:r>
+              <a:rPr lang="en-US" smtClean="0"/>
+              <a:t>Third level</a:t>
+            </a:r>
+          </a:p>
+          <a:p>
+            <a:pPr lvl="3"/>
+            <a:r>
+              <a:rPr lang="en-US" smtClean="0"/>
+              <a:t>Fourth level</a:t>
+            </a:r>
+          </a:p>
+          <a:p>
+            <a:pPr lvl="4"/>
+            <a:r>
+              <a:rPr lang="en-US" smtClean="0"/>
+              <a:t>Fifth level</a:t>
+            </a:r>
+            <a:endParaRPr lang="en-US"/>
+          </a:p>
+        </p:txBody>
+      </p:sp>
+      <p:sp>
+        <p:nvSpPr>
+          <p:cNvPr id="5" name="Date Placeholder 4"/>
+          <p:cNvSpPr>
+            <a:spLocks noGrp="1"/>
+          </p:cNvSpPr>
+          <p:nvPr>
+            <p:ph type="dt" sz="half" idx="10"/>
+          </p:nvPr>
+        </p:nvSpPr>
+        <p:spPr/>
+        <p:txBody>
+          <a:bodyPr/>
+          <a:lstStyle/>
+          <a:p>
+            <a:fld id="{BF29773A-9F6B-644E-8854-3F0DE6573F35}" type="datetime1">
+              <a:rPr lang="en-US" smtClean="0"/>
+              <a:t>2/11/17</a:t>
+            </a:fld>
+            <a:endParaRPr lang="en-US"/>
+          </a:p>
+        </p:txBody>
+      </p:sp>
+      <p:sp>
+        <p:nvSpPr>
+          <p:cNvPr id="6" name="Footer Placeholder 5"/>
+          <p:cNvSpPr>
+            <a:spLocks noGrp="1"/>
+          </p:cNvSpPr>
+          <p:nvPr>
+            <p:ph type="ftr" sz="quarter" idx="11"/>
+          </p:nvPr>
+        </p:nvSpPr>
+        <p:spPr/>
+        <p:txBody>
+          <a:bodyPr/>
+          <a:lstStyle/>
+          <a:p>
+            <a:r>
+              <a:rPr lang="en-US" smtClean="0"/>
+              <a:t>Copyright © EV3Lessons.com 2016 (Last edit: 07/04/2016)</a:t>
+            </a:r>
+            <a:endParaRPr lang="en-US"/>
+          </a:p>
+        </p:txBody>
+      </p:sp>
+      <p:sp>
+        <p:nvSpPr>
+          <p:cNvPr id="7" name="Slide Number Placeholder 6"/>
+          <p:cNvSpPr>
+            <a:spLocks noGrp="1"/>
+          </p:cNvSpPr>
+          <p:nvPr>
+            <p:ph type="sldNum" sz="quarter" idx="12"/>
+          </p:nvPr>
+        </p:nvSpPr>
+        <p:spPr/>
+        <p:txBody>
+          <a:bodyPr/>
+          <a:lstStyle/>
+          <a:p>
+            <a:fld id="{DE42E464-3EB8-43C8-8768-9E2AD4F497B7}" type="slidenum">
+              <a:rPr lang="en-US" smtClean="0"/>
+              <a:t>‹#›</a:t>
+            </a:fld>
+            <a:endParaRPr lang="en-US"/>
+          </a:p>
+        </p:txBody>
+      </p:sp>
+    </p:spTree>
+    <p:extLst/>
+  </p:cSld>
+  <p:clrMapOvr>
+    <a:masterClrMapping/>
+  </p:clrMapOvr>
+</p:sldLayout>
+</file>
+
+<file path=ppt/slideLayouts/slideLayout16.xml><?xml version="1.0" encoding="utf-8"?>
+<p:sldLayout xmlns:a="http://schemas.openxmlformats.org/drawingml/2006/main" xmlns:r="http://schemas.openxmlformats.org/officeDocument/2006/relationships" xmlns:p="http://schemas.openxmlformats.org/presentationml/2006/main" type="twoTxTwoObj" preserve="1">
+  <p:cSld name="Comparison">
+    <p:spTree>
+      <p:nvGrpSpPr>
+        <p:cNvPr id="1" name=""/>
+        <p:cNvGrpSpPr/>
+        <p:nvPr/>
+      </p:nvGrpSpPr>
+      <p:grpSpPr>
+        <a:xfrm>
+          <a:off x="0" y="0"/>
+          <a:ext cx="0" cy="0"/>
+          <a:chOff x="0" y="0"/>
+          <a:chExt cx="0" cy="0"/>
+        </a:xfrm>
+      </p:grpSpPr>
+      <p:sp>
+        <p:nvSpPr>
+          <p:cNvPr id="2" name="Title 1"/>
+          <p:cNvSpPr>
+            <a:spLocks noGrp="1"/>
+          </p:cNvSpPr>
+          <p:nvPr>
+            <p:ph type="title"/>
+          </p:nvPr>
+        </p:nvSpPr>
+        <p:spPr>
+          <a:xfrm>
+            <a:off x="630238" y="365125"/>
+            <a:ext cx="7886700" cy="1325563"/>
+          </a:xfrm>
+        </p:spPr>
+        <p:txBody>
+          <a:bodyPr/>
+          <a:lstStyle/>
+          <a:p>
+            <a:r>
+              <a:rPr lang="en-US" smtClean="0"/>
+              <a:t>Click to edit Master title style</a:t>
+            </a:r>
+            <a:endParaRPr lang="en-US"/>
+          </a:p>
+        </p:txBody>
+      </p:sp>
+      <p:sp>
+        <p:nvSpPr>
+          <p:cNvPr id="3" name="Text Placeholder 2"/>
+          <p:cNvSpPr>
+            <a:spLocks noGrp="1"/>
+          </p:cNvSpPr>
+          <p:nvPr>
+            <p:ph type="body" idx="1"/>
+          </p:nvPr>
+        </p:nvSpPr>
+        <p:spPr>
+          <a:xfrm>
+            <a:off x="630238" y="1681163"/>
+            <a:ext cx="3868737" cy="823912"/>
+          </a:xfrm>
+        </p:spPr>
+        <p:txBody>
+          <a:bodyPr anchor="b"/>
+          <a:lstStyle>
+            <a:lvl1pPr marL="0" indent="0">
+              <a:buNone/>
+              <a:defRPr sz="2400" b="1"/>
+            </a:lvl1pPr>
+            <a:lvl2pPr marL="457200" indent="0">
+              <a:buNone/>
+              <a:defRPr sz="2000" b="1"/>
+            </a:lvl2pPr>
+            <a:lvl3pPr marL="914400" indent="0">
+              <a:buNone/>
+              <a:defRPr sz="1800" b="1"/>
+            </a:lvl3pPr>
+            <a:lvl4pPr marL="1371600" indent="0">
+              <a:buNone/>
+              <a:defRPr sz="1600" b="1"/>
+            </a:lvl4pPr>
+            <a:lvl5pPr marL="1828800" indent="0">
+              <a:buNone/>
+              <a:defRPr sz="1600" b="1"/>
+            </a:lvl5pPr>
+            <a:lvl6pPr marL="2286000" indent="0">
+              <a:buNone/>
+              <a:defRPr sz="1600" b="1"/>
+            </a:lvl6pPr>
+            <a:lvl7pPr marL="2743200" indent="0">
+              <a:buNone/>
+              <a:defRPr sz="1600" b="1"/>
+            </a:lvl7pPr>
+            <a:lvl8pPr marL="3200400" indent="0">
+              <a:buNone/>
+              <a:defRPr sz="1600" b="1"/>
+            </a:lvl8pPr>
+            <a:lvl9pPr marL="3657600" indent="0">
+              <a:buNone/>
+              <a:defRPr sz="1600" b="1"/>
+            </a:lvl9pPr>
+          </a:lstStyle>
+          <a:p>
+            <a:pPr lvl="0"/>
+            <a:r>
+              <a:rPr lang="en-US" smtClean="0"/>
+              <a:t>Click to edit Master text styles</a:t>
+            </a:r>
+          </a:p>
+        </p:txBody>
+      </p:sp>
+      <p:sp>
+        <p:nvSpPr>
+          <p:cNvPr id="4" name="Content Placeholder 3"/>
+          <p:cNvSpPr>
+            <a:spLocks noGrp="1"/>
+          </p:cNvSpPr>
+          <p:nvPr>
+            <p:ph sz="half" idx="2"/>
+          </p:nvPr>
+        </p:nvSpPr>
+        <p:spPr>
+          <a:xfrm>
+            <a:off x="630238" y="2505075"/>
+            <a:ext cx="3868737" cy="3684588"/>
+          </a:xfrm>
+        </p:spPr>
+        <p:txBody>
+          <a:bodyPr/>
+          <a:lstStyle/>
+          <a:p>
+            <a:pPr lvl="0"/>
+            <a:r>
+              <a:rPr lang="en-US" smtClean="0"/>
+              <a:t>Click to edit Master text styles</a:t>
+            </a:r>
+          </a:p>
+          <a:p>
+            <a:pPr lvl="1"/>
+            <a:r>
+              <a:rPr lang="en-US" smtClean="0"/>
+              <a:t>Second level</a:t>
+            </a:r>
+          </a:p>
+          <a:p>
+            <a:pPr lvl="2"/>
+            <a:r>
+              <a:rPr lang="en-US" smtClean="0"/>
+              <a:t>Third level</a:t>
+            </a:r>
+          </a:p>
+          <a:p>
+            <a:pPr lvl="3"/>
+            <a:r>
+              <a:rPr lang="en-US" smtClean="0"/>
+              <a:t>Fourth level</a:t>
+            </a:r>
+          </a:p>
+          <a:p>
+            <a:pPr lvl="4"/>
+            <a:r>
+              <a:rPr lang="en-US" smtClean="0"/>
+              <a:t>Fifth level</a:t>
+            </a:r>
+            <a:endParaRPr lang="en-US"/>
+          </a:p>
+        </p:txBody>
+      </p:sp>
+      <p:sp>
+        <p:nvSpPr>
+          <p:cNvPr id="5" name="Text Placeholder 4"/>
+          <p:cNvSpPr>
+            <a:spLocks noGrp="1"/>
+          </p:cNvSpPr>
+          <p:nvPr>
+            <p:ph type="body" sz="quarter" idx="3"/>
+          </p:nvPr>
+        </p:nvSpPr>
+        <p:spPr>
+          <a:xfrm>
+            <a:off x="4629150" y="1681163"/>
+            <a:ext cx="3887788" cy="823912"/>
+          </a:xfrm>
+        </p:spPr>
+        <p:txBody>
+          <a:bodyPr anchor="b"/>
+          <a:lstStyle>
+            <a:lvl1pPr marL="0" indent="0">
+              <a:buNone/>
+              <a:defRPr sz="2400" b="1"/>
+            </a:lvl1pPr>
+            <a:lvl2pPr marL="457200" indent="0">
+              <a:buNone/>
+              <a:defRPr sz="2000" b="1"/>
+            </a:lvl2pPr>
+            <a:lvl3pPr marL="914400" indent="0">
+              <a:buNone/>
+              <a:defRPr sz="1800" b="1"/>
+            </a:lvl3pPr>
+            <a:lvl4pPr marL="1371600" indent="0">
+              <a:buNone/>
+              <a:defRPr sz="1600" b="1"/>
+            </a:lvl4pPr>
+            <a:lvl5pPr marL="1828800" indent="0">
+              <a:buNone/>
+              <a:defRPr sz="1600" b="1"/>
+            </a:lvl5pPr>
+            <a:lvl6pPr marL="2286000" indent="0">
+              <a:buNone/>
+              <a:defRPr sz="1600" b="1"/>
+            </a:lvl6pPr>
+            <a:lvl7pPr marL="2743200" indent="0">
+              <a:buNone/>
+              <a:defRPr sz="1600" b="1"/>
+            </a:lvl7pPr>
+            <a:lvl8pPr marL="3200400" indent="0">
+              <a:buNone/>
+              <a:defRPr sz="1600" b="1"/>
+            </a:lvl8pPr>
+            <a:lvl9pPr marL="3657600" indent="0">
+              <a:buNone/>
+              <a:defRPr sz="1600" b="1"/>
+            </a:lvl9pPr>
+          </a:lstStyle>
+          <a:p>
+            <a:pPr lvl="0"/>
+            <a:r>
+              <a:rPr lang="en-US" smtClean="0"/>
+              <a:t>Click to edit Master text styles</a:t>
+            </a:r>
+          </a:p>
+        </p:txBody>
+      </p:sp>
+      <p:sp>
+        <p:nvSpPr>
+          <p:cNvPr id="6" name="Content Placeholder 5"/>
+          <p:cNvSpPr>
+            <a:spLocks noGrp="1"/>
+          </p:cNvSpPr>
+          <p:nvPr>
+            <p:ph sz="quarter" idx="4"/>
+          </p:nvPr>
+        </p:nvSpPr>
+        <p:spPr>
+          <a:xfrm>
+            <a:off x="4629150" y="2505075"/>
+            <a:ext cx="3887788" cy="3684588"/>
+          </a:xfrm>
+        </p:spPr>
+        <p:txBody>
+          <a:bodyPr/>
+          <a:lstStyle/>
+          <a:p>
+            <a:pPr lvl="0"/>
+            <a:r>
+              <a:rPr lang="en-US" smtClean="0"/>
+              <a:t>Click to edit Master text styles</a:t>
+            </a:r>
+          </a:p>
+          <a:p>
+            <a:pPr lvl="1"/>
+            <a:r>
+              <a:rPr lang="en-US" smtClean="0"/>
+              <a:t>Second level</a:t>
+            </a:r>
+          </a:p>
+          <a:p>
+            <a:pPr lvl="2"/>
+            <a:r>
+              <a:rPr lang="en-US" smtClean="0"/>
+              <a:t>Third level</a:t>
+            </a:r>
+          </a:p>
+          <a:p>
+            <a:pPr lvl="3"/>
+            <a:r>
+              <a:rPr lang="en-US" smtClean="0"/>
+              <a:t>Fourth level</a:t>
+            </a:r>
+          </a:p>
+          <a:p>
+            <a:pPr lvl="4"/>
+            <a:r>
+              <a:rPr lang="en-US" smtClean="0"/>
+              <a:t>Fifth level</a:t>
+            </a:r>
+            <a:endParaRPr lang="en-US"/>
+          </a:p>
+        </p:txBody>
+      </p:sp>
+      <p:sp>
+        <p:nvSpPr>
+          <p:cNvPr id="7" name="Date Placeholder 6"/>
+          <p:cNvSpPr>
+            <a:spLocks noGrp="1"/>
+          </p:cNvSpPr>
+          <p:nvPr>
+            <p:ph type="dt" sz="half" idx="10"/>
+          </p:nvPr>
+        </p:nvSpPr>
+        <p:spPr/>
+        <p:txBody>
+          <a:bodyPr/>
+          <a:lstStyle/>
+          <a:p>
+            <a:fld id="{5F1887CE-B5F5-C846-B1D4-89864134B8B5}" type="datetime1">
+              <a:rPr lang="en-US" smtClean="0"/>
+              <a:t>2/11/17</a:t>
+            </a:fld>
+            <a:endParaRPr lang="en-US"/>
+          </a:p>
+        </p:txBody>
+      </p:sp>
+      <p:sp>
+        <p:nvSpPr>
+          <p:cNvPr id="8" name="Footer Placeholder 7"/>
+          <p:cNvSpPr>
+            <a:spLocks noGrp="1"/>
+          </p:cNvSpPr>
+          <p:nvPr>
+            <p:ph type="ftr" sz="quarter" idx="11"/>
+          </p:nvPr>
+        </p:nvSpPr>
+        <p:spPr/>
+        <p:txBody>
+          <a:bodyPr/>
+          <a:lstStyle/>
+          <a:p>
+            <a:r>
+              <a:rPr lang="en-US" smtClean="0"/>
+              <a:t>Copyright © EV3Lessons.com 2016 (Last edit: 07/04/2016)</a:t>
+            </a:r>
+            <a:endParaRPr lang="en-US"/>
+          </a:p>
+        </p:txBody>
+      </p:sp>
+      <p:sp>
+        <p:nvSpPr>
+          <p:cNvPr id="9" name="Slide Number Placeholder 8"/>
+          <p:cNvSpPr>
+            <a:spLocks noGrp="1"/>
+          </p:cNvSpPr>
+          <p:nvPr>
+            <p:ph type="sldNum" sz="quarter" idx="12"/>
+          </p:nvPr>
+        </p:nvSpPr>
+        <p:spPr/>
+        <p:txBody>
+          <a:bodyPr/>
+          <a:lstStyle/>
+          <a:p>
+            <a:fld id="{DE42E464-3EB8-43C8-8768-9E2AD4F497B7}" type="slidenum">
+              <a:rPr lang="en-US" smtClean="0"/>
+              <a:t>‹#›</a:t>
+            </a:fld>
+            <a:endParaRPr lang="en-US"/>
+          </a:p>
+        </p:txBody>
+      </p:sp>
+    </p:spTree>
+    <p:extLst/>
+  </p:cSld>
+  <p:clrMapOvr>
+    <a:masterClrMapping/>
+  </p:clrMapOvr>
+</p:sldLayout>
+</file>
+
+<file path=ppt/slideLayouts/slideLayout17.xml><?xml version="1.0" encoding="utf-8"?>
+<p:sldLayout xmlns:a="http://schemas.openxmlformats.org/drawingml/2006/main" xmlns:r="http://schemas.openxmlformats.org/officeDocument/2006/relationships" xmlns:p="http://schemas.openxmlformats.org/presentationml/2006/main" type="titleOnly" preserve="1">
+  <p:cSld name="Title Only">
+    <p:spTree>
+      <p:nvGrpSpPr>
+        <p:cNvPr id="1" name=""/>
+        <p:cNvGrpSpPr/>
+        <p:nvPr/>
+      </p:nvGrpSpPr>
+      <p:grpSpPr>
+        <a:xfrm>
+          <a:off x="0" y="0"/>
+          <a:ext cx="0" cy="0"/>
+          <a:chOff x="0" y="0"/>
+          <a:chExt cx="0" cy="0"/>
+        </a:xfrm>
+      </p:grpSpPr>
+      <p:sp>
+        <p:nvSpPr>
+          <p:cNvPr id="2" name="Title 1"/>
+          <p:cNvSpPr>
+            <a:spLocks noGrp="1"/>
+          </p:cNvSpPr>
+          <p:nvPr>
+            <p:ph type="title"/>
+          </p:nvPr>
+        </p:nvSpPr>
+        <p:spPr/>
+        <p:txBody>
+          <a:bodyPr/>
+          <a:lstStyle/>
+          <a:p>
+            <a:r>
+              <a:rPr lang="en-US" smtClean="0"/>
+              <a:t>Click to edit Master title style</a:t>
+            </a:r>
+            <a:endParaRPr lang="en-US"/>
+          </a:p>
+        </p:txBody>
+      </p:sp>
+      <p:sp>
+        <p:nvSpPr>
+          <p:cNvPr id="3" name="Date Placeholder 2"/>
+          <p:cNvSpPr>
+            <a:spLocks noGrp="1"/>
+          </p:cNvSpPr>
+          <p:nvPr>
+            <p:ph type="dt" sz="half" idx="10"/>
+          </p:nvPr>
+        </p:nvSpPr>
+        <p:spPr/>
+        <p:txBody>
+          <a:bodyPr/>
+          <a:lstStyle/>
+          <a:p>
+            <a:fld id="{7AEBC33B-711B-1844-9F3C-BCAB2B5BD778}" type="datetime1">
+              <a:rPr lang="en-US" smtClean="0"/>
+              <a:t>2/11/17</a:t>
+            </a:fld>
+            <a:endParaRPr lang="en-US"/>
+          </a:p>
+        </p:txBody>
+      </p:sp>
+      <p:sp>
+        <p:nvSpPr>
+          <p:cNvPr id="4" name="Footer Placeholder 3"/>
+          <p:cNvSpPr>
+            <a:spLocks noGrp="1"/>
+          </p:cNvSpPr>
+          <p:nvPr>
+            <p:ph type="ftr" sz="quarter" idx="11"/>
+          </p:nvPr>
+        </p:nvSpPr>
+        <p:spPr/>
+        <p:txBody>
+          <a:bodyPr/>
+          <a:lstStyle/>
+          <a:p>
+            <a:r>
+              <a:rPr lang="en-US" smtClean="0"/>
+              <a:t>Copyright © EV3Lessons.com 2016 (Last edit: 07/04/2016)</a:t>
+            </a:r>
+            <a:endParaRPr lang="en-US"/>
+          </a:p>
+        </p:txBody>
+      </p:sp>
+      <p:sp>
+        <p:nvSpPr>
+          <p:cNvPr id="5" name="Slide Number Placeholder 4"/>
+          <p:cNvSpPr>
+            <a:spLocks noGrp="1"/>
+          </p:cNvSpPr>
+          <p:nvPr>
+            <p:ph type="sldNum" sz="quarter" idx="12"/>
+          </p:nvPr>
+        </p:nvSpPr>
+        <p:spPr/>
+        <p:txBody>
+          <a:bodyPr/>
+          <a:lstStyle/>
+          <a:p>
+            <a:fld id="{DE42E464-3EB8-43C8-8768-9E2AD4F497B7}" type="slidenum">
+              <a:rPr lang="en-US" smtClean="0"/>
+              <a:t>‹#›</a:t>
+            </a:fld>
+            <a:endParaRPr lang="en-US"/>
+          </a:p>
+        </p:txBody>
+      </p:sp>
+    </p:spTree>
+    <p:extLst/>
+  </p:cSld>
+  <p:clrMapOvr>
+    <a:masterClrMapping/>
+  </p:clrMapOvr>
+</p:sldLayout>
+</file>
+
+<file path=ppt/slideLayouts/slideLayout18.xml><?xml version="1.0" encoding="utf-8"?>
+<p:sldLayout xmlns:a="http://schemas.openxmlformats.org/drawingml/2006/main" xmlns:r="http://schemas.openxmlformats.org/officeDocument/2006/relationships" xmlns:p="http://schemas.openxmlformats.org/presentationml/2006/main" type="blank" preserve="1">
+  <p:cSld name="Blank">
+    <p:spTree>
+      <p:nvGrpSpPr>
+        <p:cNvPr id="1" name=""/>
+        <p:cNvGrpSpPr/>
+        <p:nvPr/>
+      </p:nvGrpSpPr>
+      <p:grpSpPr>
+        <a:xfrm>
+          <a:off x="0" y="0"/>
+          <a:ext cx="0" cy="0"/>
+          <a:chOff x="0" y="0"/>
+          <a:chExt cx="0" cy="0"/>
+        </a:xfrm>
+      </p:grpSpPr>
+      <p:sp>
+        <p:nvSpPr>
+          <p:cNvPr id="2" name="Date Placeholder 1"/>
+          <p:cNvSpPr>
+            <a:spLocks noGrp="1"/>
+          </p:cNvSpPr>
+          <p:nvPr>
+            <p:ph type="dt" sz="half" idx="10"/>
+          </p:nvPr>
+        </p:nvSpPr>
+        <p:spPr/>
+        <p:txBody>
+          <a:bodyPr/>
+          <a:lstStyle/>
+          <a:p>
+            <a:fld id="{F209EC25-A7D8-AB48-8ED4-52E52BF98EDF}" type="datetime1">
+              <a:rPr lang="en-US" smtClean="0"/>
+              <a:t>2/11/17</a:t>
+            </a:fld>
+            <a:endParaRPr lang="en-US"/>
+          </a:p>
+        </p:txBody>
+      </p:sp>
+      <p:sp>
+        <p:nvSpPr>
+          <p:cNvPr id="3" name="Footer Placeholder 2"/>
+          <p:cNvSpPr>
+            <a:spLocks noGrp="1"/>
+          </p:cNvSpPr>
+          <p:nvPr>
+            <p:ph type="ftr" sz="quarter" idx="11"/>
+          </p:nvPr>
+        </p:nvSpPr>
+        <p:spPr/>
+        <p:txBody>
+          <a:bodyPr/>
+          <a:lstStyle/>
+          <a:p>
+            <a:r>
+              <a:rPr lang="en-US" smtClean="0"/>
+              <a:t>Copyright © EV3Lessons.com 2016 (Last edit: 07/04/2016)</a:t>
+            </a:r>
+            <a:endParaRPr lang="en-US"/>
+          </a:p>
+        </p:txBody>
+      </p:sp>
+      <p:sp>
+        <p:nvSpPr>
+          <p:cNvPr id="4" name="Slide Number Placeholder 3"/>
+          <p:cNvSpPr>
+            <a:spLocks noGrp="1"/>
+          </p:cNvSpPr>
+          <p:nvPr>
+            <p:ph type="sldNum" sz="quarter" idx="12"/>
+          </p:nvPr>
+        </p:nvSpPr>
+        <p:spPr/>
+        <p:txBody>
+          <a:bodyPr/>
+          <a:lstStyle/>
+          <a:p>
+            <a:fld id="{DE42E464-3EB8-43C8-8768-9E2AD4F497B7}" type="slidenum">
+              <a:rPr lang="en-US" smtClean="0"/>
+              <a:t>‹#›</a:t>
+            </a:fld>
+            <a:endParaRPr lang="en-US"/>
+          </a:p>
+        </p:txBody>
+      </p:sp>
+    </p:spTree>
+    <p:extLst/>
+  </p:cSld>
+  <p:clrMapOvr>
+    <a:masterClrMapping/>
+  </p:clrMapOvr>
+</p:sldLayout>
+</file>
+
+<file path=ppt/slideLayouts/slideLayout19.xml><?xml version="1.0" encoding="utf-8"?>
+<p:sldLayout xmlns:a="http://schemas.openxmlformats.org/drawingml/2006/main" xmlns:r="http://schemas.openxmlformats.org/officeDocument/2006/relationships" xmlns:p="http://schemas.openxmlformats.org/presentationml/2006/main" type="objTx" preserve="1">
+  <p:cSld name="Content with Caption">
+    <p:spTree>
+      <p:nvGrpSpPr>
+        <p:cNvPr id="1" name=""/>
+        <p:cNvGrpSpPr/>
+        <p:nvPr/>
+      </p:nvGrpSpPr>
+      <p:grpSpPr>
+        <a:xfrm>
+          <a:off x="0" y="0"/>
+          <a:ext cx="0" cy="0"/>
+          <a:chOff x="0" y="0"/>
+          <a:chExt cx="0" cy="0"/>
+        </a:xfrm>
+      </p:grpSpPr>
+      <p:sp>
+        <p:nvSpPr>
+          <p:cNvPr id="2" name="Title 1"/>
+          <p:cNvSpPr>
+            <a:spLocks noGrp="1"/>
+          </p:cNvSpPr>
+          <p:nvPr>
+            <p:ph type="title"/>
+          </p:nvPr>
+        </p:nvSpPr>
+        <p:spPr>
+          <a:xfrm>
+            <a:off x="630238" y="457200"/>
+            <a:ext cx="2949575" cy="1600200"/>
+          </a:xfrm>
+        </p:spPr>
+        <p:txBody>
+          <a:bodyPr anchor="b"/>
+          <a:lstStyle>
+            <a:lvl1pPr>
+              <a:defRPr sz="3200"/>
+            </a:lvl1pPr>
+          </a:lstStyle>
+          <a:p>
+            <a:r>
+              <a:rPr lang="en-US" smtClean="0"/>
+              <a:t>Click to edit Master title style</a:t>
+            </a:r>
+            <a:endParaRPr lang="en-US"/>
+          </a:p>
+        </p:txBody>
+      </p:sp>
+      <p:sp>
+        <p:nvSpPr>
+          <p:cNvPr id="3" name="Content Placeholder 2"/>
+          <p:cNvSpPr>
+            <a:spLocks noGrp="1"/>
+          </p:cNvSpPr>
+          <p:nvPr>
+            <p:ph idx="1"/>
+          </p:nvPr>
+        </p:nvSpPr>
+        <p:spPr>
+          <a:xfrm>
+            <a:off x="3887788" y="987425"/>
+            <a:ext cx="4629150" cy="4873625"/>
+          </a:xfrm>
+        </p:spPr>
+        <p:txBody>
+          <a:bodyPr/>
+          <a:lstStyle>
+            <a:lvl1pPr>
+              <a:defRPr sz="3200"/>
+            </a:lvl1pPr>
+            <a:lvl2pPr>
+              <a:defRPr sz="2800"/>
+            </a:lvl2pPr>
+            <a:lvl3pPr>
+              <a:defRPr sz="2400"/>
+            </a:lvl3pPr>
+            <a:lvl4pPr>
+              <a:defRPr sz="2000"/>
+            </a:lvl4pPr>
+            <a:lvl5pPr>
+              <a:defRPr sz="2000"/>
+            </a:lvl5pPr>
+            <a:lvl6pPr>
+              <a:defRPr sz="2000"/>
+            </a:lvl6pPr>
+            <a:lvl7pPr>
+              <a:defRPr sz="2000"/>
+            </a:lvl7pPr>
+            <a:lvl8pPr>
+              <a:defRPr sz="2000"/>
+            </a:lvl8pPr>
+            <a:lvl9pPr>
+              <a:defRPr sz="2000"/>
+            </a:lvl9pPr>
+          </a:lstStyle>
+          <a:p>
+            <a:pPr lvl="0"/>
+            <a:r>
+              <a:rPr lang="en-US" smtClean="0"/>
+              <a:t>Click to edit Master text styles</a:t>
+            </a:r>
+          </a:p>
+          <a:p>
+            <a:pPr lvl="1"/>
+            <a:r>
+              <a:rPr lang="en-US" smtClean="0"/>
+              <a:t>Second level</a:t>
+            </a:r>
+          </a:p>
+          <a:p>
+            <a:pPr lvl="2"/>
+            <a:r>
+              <a:rPr lang="en-US" smtClean="0"/>
+              <a:t>Third level</a:t>
+            </a:r>
+          </a:p>
+          <a:p>
+            <a:pPr lvl="3"/>
+            <a:r>
+              <a:rPr lang="en-US" smtClean="0"/>
+              <a:t>Fourth level</a:t>
+            </a:r>
+          </a:p>
+          <a:p>
+            <a:pPr lvl="4"/>
+            <a:r>
+              <a:rPr lang="en-US" smtClean="0"/>
+              <a:t>Fifth level</a:t>
+            </a:r>
+            <a:endParaRPr lang="en-US"/>
+          </a:p>
+        </p:txBody>
+      </p:sp>
+      <p:sp>
+        <p:nvSpPr>
+          <p:cNvPr id="4" name="Text Placeholder 3"/>
+          <p:cNvSpPr>
+            <a:spLocks noGrp="1"/>
+          </p:cNvSpPr>
+          <p:nvPr>
+            <p:ph type="body" sz="half" idx="2"/>
+          </p:nvPr>
+        </p:nvSpPr>
+        <p:spPr>
+          <a:xfrm>
+            <a:off x="630238" y="2057400"/>
+            <a:ext cx="2949575" cy="3811588"/>
+          </a:xfrm>
+        </p:spPr>
+        <p:txBody>
+          <a:bodyPr/>
+          <a:lstStyle>
+            <a:lvl1pPr marL="0" indent="0">
+              <a:buNone/>
+              <a:defRPr sz="1600"/>
+            </a:lvl1pPr>
+            <a:lvl2pPr marL="457200" indent="0">
+              <a:buNone/>
+              <a:defRPr sz="1400"/>
+            </a:lvl2pPr>
+            <a:lvl3pPr marL="914400" indent="0">
+              <a:buNone/>
+              <a:defRPr sz="1200"/>
+            </a:lvl3pPr>
+            <a:lvl4pPr marL="1371600" indent="0">
+              <a:buNone/>
+              <a:defRPr sz="1000"/>
+            </a:lvl4pPr>
+            <a:lvl5pPr marL="1828800" indent="0">
+              <a:buNone/>
+              <a:defRPr sz="1000"/>
+            </a:lvl5pPr>
+            <a:lvl6pPr marL="2286000" indent="0">
+              <a:buNone/>
+              <a:defRPr sz="1000"/>
+            </a:lvl6pPr>
+            <a:lvl7pPr marL="2743200" indent="0">
+              <a:buNone/>
+              <a:defRPr sz="1000"/>
+            </a:lvl7pPr>
+            <a:lvl8pPr marL="3200400" indent="0">
+              <a:buNone/>
+              <a:defRPr sz="1000"/>
+            </a:lvl8pPr>
+            <a:lvl9pPr marL="3657600" indent="0">
+              <a:buNone/>
+              <a:defRPr sz="1000"/>
+            </a:lvl9pPr>
+          </a:lstStyle>
+          <a:p>
+            <a:pPr lvl="0"/>
+            <a:r>
+              <a:rPr lang="en-US" smtClean="0"/>
+              <a:t>Click to edit Master text styles</a:t>
+            </a:r>
+          </a:p>
+        </p:txBody>
+      </p:sp>
+      <p:sp>
+        <p:nvSpPr>
+          <p:cNvPr id="5" name="Date Placeholder 4"/>
+          <p:cNvSpPr>
+            <a:spLocks noGrp="1"/>
+          </p:cNvSpPr>
+          <p:nvPr>
+            <p:ph type="dt" sz="half" idx="10"/>
+          </p:nvPr>
+        </p:nvSpPr>
+        <p:spPr/>
+        <p:txBody>
+          <a:bodyPr/>
+          <a:lstStyle/>
+          <a:p>
+            <a:fld id="{84CA1FE6-FF84-C74B-94A0-0BF8B206D8E1}" type="datetime1">
+              <a:rPr lang="en-US" smtClean="0"/>
+              <a:t>2/11/17</a:t>
+            </a:fld>
+            <a:endParaRPr lang="en-US"/>
+          </a:p>
+        </p:txBody>
+      </p:sp>
+      <p:sp>
+        <p:nvSpPr>
+          <p:cNvPr id="6" name="Footer Placeholder 5"/>
+          <p:cNvSpPr>
+            <a:spLocks noGrp="1"/>
+          </p:cNvSpPr>
+          <p:nvPr>
+            <p:ph type="ftr" sz="quarter" idx="11"/>
+          </p:nvPr>
+        </p:nvSpPr>
+        <p:spPr/>
+        <p:txBody>
+          <a:bodyPr/>
+          <a:lstStyle/>
+          <a:p>
+            <a:r>
+              <a:rPr lang="en-US" smtClean="0"/>
+              <a:t>Copyright © EV3Lessons.com 2016 (Last edit: 07/04/2016)</a:t>
+            </a:r>
+            <a:endParaRPr lang="en-US"/>
+          </a:p>
+        </p:txBody>
+      </p:sp>
+      <p:sp>
+        <p:nvSpPr>
+          <p:cNvPr id="7" name="Slide Number Placeholder 6"/>
+          <p:cNvSpPr>
+            <a:spLocks noGrp="1"/>
+          </p:cNvSpPr>
+          <p:nvPr>
+            <p:ph type="sldNum" sz="quarter" idx="12"/>
+          </p:nvPr>
+        </p:nvSpPr>
+        <p:spPr/>
+        <p:txBody>
+          <a:bodyPr/>
+          <a:lstStyle/>
+          <a:p>
+            <a:fld id="{DE42E464-3EB8-43C8-8768-9E2AD4F497B7}" type="slidenum">
+              <a:rPr lang="en-US" smtClean="0"/>
+              <a:t>‹#›</a:t>
+            </a:fld>
+            <a:endParaRPr lang="en-US"/>
+          </a:p>
+        </p:txBody>
+      </p:sp>
+    </p:spTree>
+    <p:extLst/>
   </p:cSld>
   <p:clrMapOvr>
     <a:masterClrMapping/>
@@ -1858,7 +3771,7 @@
           <a:p>
             <a:fld id="{5485559C-06A5-924E-981F-41BAAF102CA0}" type="datetime1">
               <a:rPr lang="en-US" smtClean="0"/>
-              <a:t>11/4/2015</a:t>
+              <a:t>2/11/17</a:t>
             </a:fld>
             <a:endParaRPr lang="en-US"/>
           </a:p>
@@ -1899,9 +3812,12 @@
         </p:nvSpPr>
         <p:spPr>
           <a:xfrm>
-            <a:off x="8358822" y="6385560"/>
-            <a:ext cx="592138" cy="365125"/>
+            <a:off x="8457383" y="6376457"/>
+            <a:ext cx="627256" cy="365125"/>
           </a:xfrm>
+          <a:prstGeom prst="rect">
+            <a:avLst/>
+          </a:prstGeom>
         </p:spPr>
         <p:txBody>
           <a:bodyPr/>
@@ -1916,6 +3832,620 @@
         </p:txBody>
       </p:sp>
     </p:spTree>
+  </p:cSld>
+  <p:clrMapOvr>
+    <a:masterClrMapping/>
+  </p:clrMapOvr>
+  <p:timing>
+    <p:tnLst>
+      <p:par>
+        <p:cTn id="1" dur="indefinite" restart="never" nodeType="tmRoot"/>
+      </p:par>
+    </p:tnLst>
+  </p:timing>
+</p:sldLayout>
+</file>
+
+<file path=ppt/slideLayouts/slideLayout20.xml><?xml version="1.0" encoding="utf-8"?>
+<p:sldLayout xmlns:a="http://schemas.openxmlformats.org/drawingml/2006/main" xmlns:r="http://schemas.openxmlformats.org/officeDocument/2006/relationships" xmlns:p="http://schemas.openxmlformats.org/presentationml/2006/main" type="picTx" preserve="1">
+  <p:cSld name="Picture with Caption">
+    <p:spTree>
+      <p:nvGrpSpPr>
+        <p:cNvPr id="1" name=""/>
+        <p:cNvGrpSpPr/>
+        <p:nvPr/>
+      </p:nvGrpSpPr>
+      <p:grpSpPr>
+        <a:xfrm>
+          <a:off x="0" y="0"/>
+          <a:ext cx="0" cy="0"/>
+          <a:chOff x="0" y="0"/>
+          <a:chExt cx="0" cy="0"/>
+        </a:xfrm>
+      </p:grpSpPr>
+      <p:sp>
+        <p:nvSpPr>
+          <p:cNvPr id="2" name="Title 1"/>
+          <p:cNvSpPr>
+            <a:spLocks noGrp="1"/>
+          </p:cNvSpPr>
+          <p:nvPr>
+            <p:ph type="title"/>
+          </p:nvPr>
+        </p:nvSpPr>
+        <p:spPr>
+          <a:xfrm>
+            <a:off x="630238" y="457200"/>
+            <a:ext cx="2949575" cy="1600200"/>
+          </a:xfrm>
+        </p:spPr>
+        <p:txBody>
+          <a:bodyPr anchor="b"/>
+          <a:lstStyle>
+            <a:lvl1pPr>
+              <a:defRPr sz="3200"/>
+            </a:lvl1pPr>
+          </a:lstStyle>
+          <a:p>
+            <a:r>
+              <a:rPr lang="en-US" smtClean="0"/>
+              <a:t>Click to edit Master title style</a:t>
+            </a:r>
+            <a:endParaRPr lang="en-US"/>
+          </a:p>
+        </p:txBody>
+      </p:sp>
+      <p:sp>
+        <p:nvSpPr>
+          <p:cNvPr id="3" name="Picture Placeholder 2"/>
+          <p:cNvSpPr>
+            <a:spLocks noGrp="1"/>
+          </p:cNvSpPr>
+          <p:nvPr>
+            <p:ph type="pic" idx="1"/>
+          </p:nvPr>
+        </p:nvSpPr>
+        <p:spPr>
+          <a:xfrm>
+            <a:off x="3887788" y="987425"/>
+            <a:ext cx="4629150" cy="4873625"/>
+          </a:xfrm>
+        </p:spPr>
+        <p:txBody>
+          <a:bodyPr/>
+          <a:lstStyle>
+            <a:lvl1pPr marL="0" indent="0">
+              <a:buNone/>
+              <a:defRPr sz="3200"/>
+            </a:lvl1pPr>
+            <a:lvl2pPr marL="457200" indent="0">
+              <a:buNone/>
+              <a:defRPr sz="2800"/>
+            </a:lvl2pPr>
+            <a:lvl3pPr marL="914400" indent="0">
+              <a:buNone/>
+              <a:defRPr sz="2400"/>
+            </a:lvl3pPr>
+            <a:lvl4pPr marL="1371600" indent="0">
+              <a:buNone/>
+              <a:defRPr sz="2000"/>
+            </a:lvl4pPr>
+            <a:lvl5pPr marL="1828800" indent="0">
+              <a:buNone/>
+              <a:defRPr sz="2000"/>
+            </a:lvl5pPr>
+            <a:lvl6pPr marL="2286000" indent="0">
+              <a:buNone/>
+              <a:defRPr sz="2000"/>
+            </a:lvl6pPr>
+            <a:lvl7pPr marL="2743200" indent="0">
+              <a:buNone/>
+              <a:defRPr sz="2000"/>
+            </a:lvl7pPr>
+            <a:lvl8pPr marL="3200400" indent="0">
+              <a:buNone/>
+              <a:defRPr sz="2000"/>
+            </a:lvl8pPr>
+            <a:lvl9pPr marL="3657600" indent="0">
+              <a:buNone/>
+              <a:defRPr sz="2000"/>
+            </a:lvl9pPr>
+          </a:lstStyle>
+          <a:p>
+            <a:r>
+              <a:rPr lang="en-US" smtClean="0"/>
+              <a:t>Drag picture to placeholder or click icon to add</a:t>
+            </a:r>
+            <a:endParaRPr lang="en-US"/>
+          </a:p>
+        </p:txBody>
+      </p:sp>
+      <p:sp>
+        <p:nvSpPr>
+          <p:cNvPr id="4" name="Text Placeholder 3"/>
+          <p:cNvSpPr>
+            <a:spLocks noGrp="1"/>
+          </p:cNvSpPr>
+          <p:nvPr>
+            <p:ph type="body" sz="half" idx="2"/>
+          </p:nvPr>
+        </p:nvSpPr>
+        <p:spPr>
+          <a:xfrm>
+            <a:off x="630238" y="2057400"/>
+            <a:ext cx="2949575" cy="3811588"/>
+          </a:xfrm>
+        </p:spPr>
+        <p:txBody>
+          <a:bodyPr/>
+          <a:lstStyle>
+            <a:lvl1pPr marL="0" indent="0">
+              <a:buNone/>
+              <a:defRPr sz="1600"/>
+            </a:lvl1pPr>
+            <a:lvl2pPr marL="457200" indent="0">
+              <a:buNone/>
+              <a:defRPr sz="1400"/>
+            </a:lvl2pPr>
+            <a:lvl3pPr marL="914400" indent="0">
+              <a:buNone/>
+              <a:defRPr sz="1200"/>
+            </a:lvl3pPr>
+            <a:lvl4pPr marL="1371600" indent="0">
+              <a:buNone/>
+              <a:defRPr sz="1000"/>
+            </a:lvl4pPr>
+            <a:lvl5pPr marL="1828800" indent="0">
+              <a:buNone/>
+              <a:defRPr sz="1000"/>
+            </a:lvl5pPr>
+            <a:lvl6pPr marL="2286000" indent="0">
+              <a:buNone/>
+              <a:defRPr sz="1000"/>
+            </a:lvl6pPr>
+            <a:lvl7pPr marL="2743200" indent="0">
+              <a:buNone/>
+              <a:defRPr sz="1000"/>
+            </a:lvl7pPr>
+            <a:lvl8pPr marL="3200400" indent="0">
+              <a:buNone/>
+              <a:defRPr sz="1000"/>
+            </a:lvl8pPr>
+            <a:lvl9pPr marL="3657600" indent="0">
+              <a:buNone/>
+              <a:defRPr sz="1000"/>
+            </a:lvl9pPr>
+          </a:lstStyle>
+          <a:p>
+            <a:pPr lvl="0"/>
+            <a:r>
+              <a:rPr lang="en-US" smtClean="0"/>
+              <a:t>Click to edit Master text styles</a:t>
+            </a:r>
+          </a:p>
+        </p:txBody>
+      </p:sp>
+      <p:sp>
+        <p:nvSpPr>
+          <p:cNvPr id="5" name="Date Placeholder 4"/>
+          <p:cNvSpPr>
+            <a:spLocks noGrp="1"/>
+          </p:cNvSpPr>
+          <p:nvPr>
+            <p:ph type="dt" sz="half" idx="10"/>
+          </p:nvPr>
+        </p:nvSpPr>
+        <p:spPr/>
+        <p:txBody>
+          <a:bodyPr/>
+          <a:lstStyle/>
+          <a:p>
+            <a:fld id="{51F7F84D-39EF-844E-BF6B-853328168FEF}" type="datetime1">
+              <a:rPr lang="en-US" smtClean="0"/>
+              <a:t>2/11/17</a:t>
+            </a:fld>
+            <a:endParaRPr lang="en-US"/>
+          </a:p>
+        </p:txBody>
+      </p:sp>
+      <p:sp>
+        <p:nvSpPr>
+          <p:cNvPr id="6" name="Footer Placeholder 5"/>
+          <p:cNvSpPr>
+            <a:spLocks noGrp="1"/>
+          </p:cNvSpPr>
+          <p:nvPr>
+            <p:ph type="ftr" sz="quarter" idx="11"/>
+          </p:nvPr>
+        </p:nvSpPr>
+        <p:spPr/>
+        <p:txBody>
+          <a:bodyPr/>
+          <a:lstStyle/>
+          <a:p>
+            <a:r>
+              <a:rPr lang="en-US" smtClean="0"/>
+              <a:t>Copyright © EV3Lessons.com 2016 (Last edit: 07/04/2016)</a:t>
+            </a:r>
+            <a:endParaRPr lang="en-US"/>
+          </a:p>
+        </p:txBody>
+      </p:sp>
+      <p:sp>
+        <p:nvSpPr>
+          <p:cNvPr id="7" name="Slide Number Placeholder 6"/>
+          <p:cNvSpPr>
+            <a:spLocks noGrp="1"/>
+          </p:cNvSpPr>
+          <p:nvPr>
+            <p:ph type="sldNum" sz="quarter" idx="12"/>
+          </p:nvPr>
+        </p:nvSpPr>
+        <p:spPr/>
+        <p:txBody>
+          <a:bodyPr/>
+          <a:lstStyle/>
+          <a:p>
+            <a:fld id="{DE42E464-3EB8-43C8-8768-9E2AD4F497B7}" type="slidenum">
+              <a:rPr lang="en-US" smtClean="0"/>
+              <a:t>‹#›</a:t>
+            </a:fld>
+            <a:endParaRPr lang="en-US"/>
+          </a:p>
+        </p:txBody>
+      </p:sp>
+    </p:spTree>
+    <p:extLst/>
+  </p:cSld>
+  <p:clrMapOvr>
+    <a:masterClrMapping/>
+  </p:clrMapOvr>
+</p:sldLayout>
+</file>
+
+<file path=ppt/slideLayouts/slideLayout21.xml><?xml version="1.0" encoding="utf-8"?>
+<p:sldLayout xmlns:a="http://schemas.openxmlformats.org/drawingml/2006/main" xmlns:r="http://schemas.openxmlformats.org/officeDocument/2006/relationships" xmlns:p="http://schemas.openxmlformats.org/presentationml/2006/main" type="vertTx" preserve="1">
+  <p:cSld name="Title and Vertical Text">
+    <p:spTree>
+      <p:nvGrpSpPr>
+        <p:cNvPr id="1" name=""/>
+        <p:cNvGrpSpPr/>
+        <p:nvPr/>
+      </p:nvGrpSpPr>
+      <p:grpSpPr>
+        <a:xfrm>
+          <a:off x="0" y="0"/>
+          <a:ext cx="0" cy="0"/>
+          <a:chOff x="0" y="0"/>
+          <a:chExt cx="0" cy="0"/>
+        </a:xfrm>
+      </p:grpSpPr>
+      <p:sp>
+        <p:nvSpPr>
+          <p:cNvPr id="2" name="Title 1"/>
+          <p:cNvSpPr>
+            <a:spLocks noGrp="1"/>
+          </p:cNvSpPr>
+          <p:nvPr>
+            <p:ph type="title"/>
+          </p:nvPr>
+        </p:nvSpPr>
+        <p:spPr/>
+        <p:txBody>
+          <a:bodyPr/>
+          <a:lstStyle/>
+          <a:p>
+            <a:r>
+              <a:rPr lang="en-US" smtClean="0"/>
+              <a:t>Click to edit Master title style</a:t>
+            </a:r>
+            <a:endParaRPr lang="en-US"/>
+          </a:p>
+        </p:txBody>
+      </p:sp>
+      <p:sp>
+        <p:nvSpPr>
+          <p:cNvPr id="3" name="Vertical Text Placeholder 2"/>
+          <p:cNvSpPr>
+            <a:spLocks noGrp="1"/>
+          </p:cNvSpPr>
+          <p:nvPr>
+            <p:ph type="body" orient="vert" idx="1"/>
+          </p:nvPr>
+        </p:nvSpPr>
+        <p:spPr/>
+        <p:txBody>
+          <a:bodyPr vert="eaVert"/>
+          <a:lstStyle/>
+          <a:p>
+            <a:pPr lvl="0"/>
+            <a:r>
+              <a:rPr lang="en-US" smtClean="0"/>
+              <a:t>Click to edit Master text styles</a:t>
+            </a:r>
+          </a:p>
+          <a:p>
+            <a:pPr lvl="1"/>
+            <a:r>
+              <a:rPr lang="en-US" smtClean="0"/>
+              <a:t>Second level</a:t>
+            </a:r>
+          </a:p>
+          <a:p>
+            <a:pPr lvl="2"/>
+            <a:r>
+              <a:rPr lang="en-US" smtClean="0"/>
+              <a:t>Third level</a:t>
+            </a:r>
+          </a:p>
+          <a:p>
+            <a:pPr lvl="3"/>
+            <a:r>
+              <a:rPr lang="en-US" smtClean="0"/>
+              <a:t>Fourth level</a:t>
+            </a:r>
+          </a:p>
+          <a:p>
+            <a:pPr lvl="4"/>
+            <a:r>
+              <a:rPr lang="en-US" smtClean="0"/>
+              <a:t>Fifth level</a:t>
+            </a:r>
+            <a:endParaRPr lang="en-US"/>
+          </a:p>
+        </p:txBody>
+      </p:sp>
+      <p:sp>
+        <p:nvSpPr>
+          <p:cNvPr id="4" name="Date Placeholder 3"/>
+          <p:cNvSpPr>
+            <a:spLocks noGrp="1"/>
+          </p:cNvSpPr>
+          <p:nvPr>
+            <p:ph type="dt" sz="half" idx="10"/>
+          </p:nvPr>
+        </p:nvSpPr>
+        <p:spPr/>
+        <p:txBody>
+          <a:bodyPr/>
+          <a:lstStyle/>
+          <a:p>
+            <a:fld id="{DBB2536E-A1EC-6044-B344-3C42F179AAC1}" type="datetime1">
+              <a:rPr lang="en-US" smtClean="0"/>
+              <a:t>2/11/17</a:t>
+            </a:fld>
+            <a:endParaRPr lang="en-US"/>
+          </a:p>
+        </p:txBody>
+      </p:sp>
+      <p:sp>
+        <p:nvSpPr>
+          <p:cNvPr id="5" name="Footer Placeholder 4"/>
+          <p:cNvSpPr>
+            <a:spLocks noGrp="1"/>
+          </p:cNvSpPr>
+          <p:nvPr>
+            <p:ph type="ftr" sz="quarter" idx="11"/>
+          </p:nvPr>
+        </p:nvSpPr>
+        <p:spPr/>
+        <p:txBody>
+          <a:bodyPr/>
+          <a:lstStyle/>
+          <a:p>
+            <a:r>
+              <a:rPr lang="en-US" smtClean="0"/>
+              <a:t>Copyright © EV3Lessons.com 2016 (Last edit: 07/04/2016)</a:t>
+            </a:r>
+            <a:endParaRPr lang="en-US"/>
+          </a:p>
+        </p:txBody>
+      </p:sp>
+      <p:sp>
+        <p:nvSpPr>
+          <p:cNvPr id="6" name="Slide Number Placeholder 5"/>
+          <p:cNvSpPr>
+            <a:spLocks noGrp="1"/>
+          </p:cNvSpPr>
+          <p:nvPr>
+            <p:ph type="sldNum" sz="quarter" idx="12"/>
+          </p:nvPr>
+        </p:nvSpPr>
+        <p:spPr/>
+        <p:txBody>
+          <a:bodyPr/>
+          <a:lstStyle/>
+          <a:p>
+            <a:fld id="{DE42E464-3EB8-43C8-8768-9E2AD4F497B7}" type="slidenum">
+              <a:rPr lang="en-US" smtClean="0"/>
+              <a:t>‹#›</a:t>
+            </a:fld>
+            <a:endParaRPr lang="en-US"/>
+          </a:p>
+        </p:txBody>
+      </p:sp>
+    </p:spTree>
+    <p:extLst/>
+  </p:cSld>
+  <p:clrMapOvr>
+    <a:masterClrMapping/>
+  </p:clrMapOvr>
+</p:sldLayout>
+</file>
+
+<file path=ppt/slideLayouts/slideLayout22.xml><?xml version="1.0" encoding="utf-8"?>
+<p:sldLayout xmlns:a="http://schemas.openxmlformats.org/drawingml/2006/main" xmlns:r="http://schemas.openxmlformats.org/officeDocument/2006/relationships" xmlns:p="http://schemas.openxmlformats.org/presentationml/2006/main" type="vertTitleAndTx" preserve="1">
+  <p:cSld name="Vertical Title and Text">
+    <p:spTree>
+      <p:nvGrpSpPr>
+        <p:cNvPr id="1" name=""/>
+        <p:cNvGrpSpPr/>
+        <p:nvPr/>
+      </p:nvGrpSpPr>
+      <p:grpSpPr>
+        <a:xfrm>
+          <a:off x="0" y="0"/>
+          <a:ext cx="0" cy="0"/>
+          <a:chOff x="0" y="0"/>
+          <a:chExt cx="0" cy="0"/>
+        </a:xfrm>
+      </p:grpSpPr>
+      <p:sp>
+        <p:nvSpPr>
+          <p:cNvPr id="2" name="Vertical Title 1"/>
+          <p:cNvSpPr>
+            <a:spLocks noGrp="1"/>
+          </p:cNvSpPr>
+          <p:nvPr>
+            <p:ph type="title" orient="vert"/>
+          </p:nvPr>
+        </p:nvSpPr>
+        <p:spPr>
+          <a:xfrm>
+            <a:off x="6543675" y="365125"/>
+            <a:ext cx="1971675" cy="5811838"/>
+          </a:xfrm>
+        </p:spPr>
+        <p:txBody>
+          <a:bodyPr vert="eaVert"/>
+          <a:lstStyle/>
+          <a:p>
+            <a:r>
+              <a:rPr lang="en-US" smtClean="0"/>
+              <a:t>Click to edit Master title style</a:t>
+            </a:r>
+            <a:endParaRPr lang="en-US"/>
+          </a:p>
+        </p:txBody>
+      </p:sp>
+      <p:sp>
+        <p:nvSpPr>
+          <p:cNvPr id="3" name="Vertical Text Placeholder 2"/>
+          <p:cNvSpPr>
+            <a:spLocks noGrp="1"/>
+          </p:cNvSpPr>
+          <p:nvPr>
+            <p:ph type="body" orient="vert" idx="1"/>
+          </p:nvPr>
+        </p:nvSpPr>
+        <p:spPr>
+          <a:xfrm>
+            <a:off x="628650" y="365125"/>
+            <a:ext cx="5762625" cy="5811838"/>
+          </a:xfrm>
+        </p:spPr>
+        <p:txBody>
+          <a:bodyPr vert="eaVert"/>
+          <a:lstStyle/>
+          <a:p>
+            <a:pPr lvl="0"/>
+            <a:r>
+              <a:rPr lang="en-US" smtClean="0"/>
+              <a:t>Click to edit Master text styles</a:t>
+            </a:r>
+          </a:p>
+          <a:p>
+            <a:pPr lvl="1"/>
+            <a:r>
+              <a:rPr lang="en-US" smtClean="0"/>
+              <a:t>Second level</a:t>
+            </a:r>
+          </a:p>
+          <a:p>
+            <a:pPr lvl="2"/>
+            <a:r>
+              <a:rPr lang="en-US" smtClean="0"/>
+              <a:t>Third level</a:t>
+            </a:r>
+          </a:p>
+          <a:p>
+            <a:pPr lvl="3"/>
+            <a:r>
+              <a:rPr lang="en-US" smtClean="0"/>
+              <a:t>Fourth level</a:t>
+            </a:r>
+          </a:p>
+          <a:p>
+            <a:pPr lvl="4"/>
+            <a:r>
+              <a:rPr lang="en-US" smtClean="0"/>
+              <a:t>Fifth level</a:t>
+            </a:r>
+            <a:endParaRPr lang="en-US"/>
+          </a:p>
+        </p:txBody>
+      </p:sp>
+      <p:sp>
+        <p:nvSpPr>
+          <p:cNvPr id="4" name="Date Placeholder 3"/>
+          <p:cNvSpPr>
+            <a:spLocks noGrp="1"/>
+          </p:cNvSpPr>
+          <p:nvPr>
+            <p:ph type="dt" sz="half" idx="10"/>
+          </p:nvPr>
+        </p:nvSpPr>
+        <p:spPr/>
+        <p:txBody>
+          <a:bodyPr/>
+          <a:lstStyle/>
+          <a:p>
+            <a:fld id="{25AAE7DB-ADC3-2445-B7E9-F3B6CE7C531F}" type="datetime1">
+              <a:rPr lang="en-US" smtClean="0"/>
+              <a:t>2/11/17</a:t>
+            </a:fld>
+            <a:endParaRPr lang="en-US"/>
+          </a:p>
+        </p:txBody>
+      </p:sp>
+      <p:sp>
+        <p:nvSpPr>
+          <p:cNvPr id="5" name="Footer Placeholder 4"/>
+          <p:cNvSpPr>
+            <a:spLocks noGrp="1"/>
+          </p:cNvSpPr>
+          <p:nvPr>
+            <p:ph type="ftr" sz="quarter" idx="11"/>
+          </p:nvPr>
+        </p:nvSpPr>
+        <p:spPr/>
+        <p:txBody>
+          <a:bodyPr/>
+          <a:lstStyle/>
+          <a:p>
+            <a:r>
+              <a:rPr lang="en-US" smtClean="0"/>
+              <a:t>Copyright © EV3Lessons.com 2016 (Last edit: 07/04/2016)</a:t>
+            </a:r>
+            <a:endParaRPr lang="en-US"/>
+          </a:p>
+        </p:txBody>
+      </p:sp>
+      <p:sp>
+        <p:nvSpPr>
+          <p:cNvPr id="6" name="Slide Number Placeholder 5"/>
+          <p:cNvSpPr>
+            <a:spLocks noGrp="1"/>
+          </p:cNvSpPr>
+          <p:nvPr>
+            <p:ph type="sldNum" sz="quarter" idx="12"/>
+          </p:nvPr>
+        </p:nvSpPr>
+        <p:spPr/>
+        <p:txBody>
+          <a:bodyPr/>
+          <a:lstStyle/>
+          <a:p>
+            <a:fld id="{DE42E464-3EB8-43C8-8768-9E2AD4F497B7}" type="slidenum">
+              <a:rPr lang="en-US" smtClean="0"/>
+              <a:t>‹#›</a:t>
+            </a:fld>
+            <a:endParaRPr lang="en-US"/>
+          </a:p>
+        </p:txBody>
+      </p:sp>
+    </p:spTree>
+    <p:extLst/>
   </p:cSld>
   <p:clrMapOvr>
     <a:masterClrMapping/>
@@ -2116,7 +4646,7 @@
           <a:p>
             <a:fld id="{8B1D1342-41FF-A84A-AC2C-2D3EF103CCD4}" type="datetime1">
               <a:rPr lang="en-US" smtClean="0"/>
-              <a:t>11/4/2015</a:t>
+              <a:t>2/11/17</a:t>
             </a:fld>
             <a:endParaRPr lang="en-US"/>
           </a:p>
@@ -2132,7 +4662,15 @@
             <p:ph type="sldNum" sz="quarter" idx="11"/>
           </p:nvPr>
         </p:nvSpPr>
-        <p:spPr/>
+        <p:spPr>
+          <a:xfrm rot="16200000">
+            <a:off x="8227377" y="5885497"/>
+            <a:ext cx="1315721" cy="365125"/>
+          </a:xfrm>
+          <a:prstGeom prst="rect">
+            <a:avLst/>
+          </a:prstGeom>
+        </p:spPr>
         <p:txBody>
           <a:bodyPr/>
           <a:lstStyle/>
@@ -2356,35 +4894,35 @@
           <a:p>
             <a:pPr lvl="0"/>
             <a:r>
-              <a:rPr lang="en-US" dirty="0" smtClean="0"/>
+              <a:rPr lang="en-US" smtClean="0"/>
               <a:t>Click to edit Master text styles</a:t>
             </a:r>
           </a:p>
           <a:p>
             <a:pPr lvl="1"/>
             <a:r>
-              <a:rPr lang="en-US" dirty="0" smtClean="0"/>
+              <a:rPr lang="en-US" smtClean="0"/>
               <a:t>Second level</a:t>
             </a:r>
           </a:p>
           <a:p>
             <a:pPr lvl="2"/>
             <a:r>
-              <a:rPr lang="en-US" dirty="0" smtClean="0"/>
+              <a:rPr lang="en-US" smtClean="0"/>
               <a:t>Third level</a:t>
             </a:r>
           </a:p>
           <a:p>
             <a:pPr lvl="3"/>
             <a:r>
-              <a:rPr lang="en-US" dirty="0" smtClean="0"/>
+              <a:rPr lang="en-US" smtClean="0"/>
               <a:t>Fourth level</a:t>
             </a:r>
           </a:p>
           <a:p>
             <a:pPr lvl="4"/>
             <a:r>
-              <a:rPr lang="en-US" dirty="0" smtClean="0"/>
+              <a:rPr lang="en-US" smtClean="0"/>
               <a:t>Fifth level</a:t>
             </a:r>
             <a:endParaRPr lang="en-US" dirty="0"/>
@@ -2408,7 +4946,7 @@
           <a:p>
             <a:fld id="{281E2C2D-2811-8343-8C85-A2C946646C54}" type="datetime1">
               <a:rPr lang="en-US" smtClean="0"/>
-              <a:t>11/4/2015</a:t>
+              <a:t>2/11/17</a:t>
             </a:fld>
             <a:endParaRPr lang="en-US"/>
           </a:p>
@@ -2447,7 +4985,15 @@
             <p:ph type="sldNum" sz="quarter" idx="12"/>
           </p:nvPr>
         </p:nvSpPr>
-        <p:spPr/>
+        <p:spPr>
+          <a:xfrm>
+            <a:off x="8477026" y="6358106"/>
+            <a:ext cx="666974" cy="365125"/>
+          </a:xfrm>
+          <a:prstGeom prst="rect">
+            <a:avLst/>
+          </a:prstGeom>
+        </p:spPr>
         <p:txBody>
           <a:bodyPr/>
           <a:lstStyle/>
@@ -2465,6 +5011,13 @@
   <p:clrMapOvr>
     <a:masterClrMapping/>
   </p:clrMapOvr>
+  <p:timing>
+    <p:tnLst>
+      <p:par>
+        <p:cTn id="1" dur="indefinite" restart="never" nodeType="tmRoot"/>
+      </p:par>
+    </p:tnLst>
+  </p:timing>
 </p:sldLayout>
 </file>
 
@@ -2851,7 +5404,7 @@
           <a:p>
             <a:fld id="{025B5362-999B-194A-BC0F-563241D04BE2}" type="datetime1">
               <a:rPr lang="en-US" smtClean="0"/>
-              <a:t>11/4/2015</a:t>
+              <a:t>2/11/17</a:t>
             </a:fld>
             <a:endParaRPr lang="en-US"/>
           </a:p>
@@ -2882,7 +5435,7 @@
       </p:sp>
       <p:sp>
         <p:nvSpPr>
-          <p:cNvPr id="9" name="Slide Number Placeholder 8"/>
+          <p:cNvPr id="10" name="Slide Number Placeholder 6"/>
           <p:cNvSpPr>
             <a:spLocks noGrp="1"/>
           </p:cNvSpPr>
@@ -2890,7 +5443,15 @@
             <p:ph type="sldNum" sz="quarter" idx="12"/>
           </p:nvPr>
         </p:nvSpPr>
-        <p:spPr/>
+        <p:spPr>
+          <a:xfrm>
+            <a:off x="8477026" y="6358106"/>
+            <a:ext cx="666974" cy="365125"/>
+          </a:xfrm>
+          <a:prstGeom prst="rect">
+            <a:avLst/>
+          </a:prstGeom>
+        </p:spPr>
         <p:txBody>
           <a:bodyPr/>
           <a:lstStyle/>
@@ -2908,6 +5469,13 @@
   <p:clrMapOvr>
     <a:masterClrMapping/>
   </p:clrMapOvr>
+  <p:timing>
+    <p:tnLst>
+      <p:par>
+        <p:cTn id="1" dur="indefinite" restart="never" nodeType="tmRoot"/>
+      </p:par>
+    </p:tnLst>
+  </p:timing>
 </p:sldLayout>
 </file>
 
@@ -2968,7 +5536,7 @@
           <a:p>
             <a:fld id="{7533F156-271F-F54F-981E-03F1EC5ED651}" type="datetime1">
               <a:rPr lang="en-US" smtClean="0"/>
-              <a:t>11/4/2015</a:t>
+              <a:t>2/11/17</a:t>
             </a:fld>
             <a:endParaRPr lang="en-US"/>
           </a:p>
@@ -2999,7 +5567,7 @@
       </p:sp>
       <p:sp>
         <p:nvSpPr>
-          <p:cNvPr id="5" name="Slide Number Placeholder 4"/>
+          <p:cNvPr id="6" name="Slide Number Placeholder 6"/>
           <p:cNvSpPr>
             <a:spLocks noGrp="1"/>
           </p:cNvSpPr>
@@ -3007,7 +5575,15 @@
             <p:ph type="sldNum" sz="quarter" idx="12"/>
           </p:nvPr>
         </p:nvSpPr>
-        <p:spPr/>
+        <p:spPr>
+          <a:xfrm>
+            <a:off x="8477026" y="6358106"/>
+            <a:ext cx="666974" cy="365125"/>
+          </a:xfrm>
+          <a:prstGeom prst="rect">
+            <a:avLst/>
+          </a:prstGeom>
+        </p:spPr>
         <p:txBody>
           <a:bodyPr/>
           <a:lstStyle/>
@@ -3025,6 +5601,13 @@
   <p:clrMapOvr>
     <a:masterClrMapping/>
   </p:clrMapOvr>
+  <p:timing>
+    <p:tnLst>
+      <p:par>
+        <p:cTn id="1" dur="indefinite" restart="never" nodeType="tmRoot"/>
+      </p:par>
+    </p:tnLst>
+  </p:timing>
 </p:sldLayout>
 </file>
 
@@ -3062,7 +5645,7 @@
           <a:p>
             <a:fld id="{565785F9-7F0C-FF4A-87C5-17B47299AE7C}" type="datetime1">
               <a:rPr lang="en-US" smtClean="0"/>
-              <a:t>11/4/2015</a:t>
+              <a:t>2/11/17</a:t>
             </a:fld>
             <a:endParaRPr lang="en-US"/>
           </a:p>
@@ -3101,7 +5684,15 @@
             <p:ph type="sldNum" sz="quarter" idx="12"/>
           </p:nvPr>
         </p:nvSpPr>
-        <p:spPr/>
+        <p:spPr>
+          <a:xfrm rot="16200000">
+            <a:off x="8227377" y="5885497"/>
+            <a:ext cx="1315721" cy="365125"/>
+          </a:xfrm>
+          <a:prstGeom prst="rect">
+            <a:avLst/>
+          </a:prstGeom>
+        </p:spPr>
         <p:txBody>
           <a:bodyPr/>
           <a:lstStyle/>
@@ -3308,7 +5899,7 @@
           <a:p>
             <a:fld id="{15F68DB3-1FC1-604E-B9C9-0EED751093F0}" type="datetime1">
               <a:rPr lang="en-US" smtClean="0"/>
-              <a:t>11/4/2015</a:t>
+              <a:t>2/11/17</a:t>
             </a:fld>
             <a:endParaRPr lang="en-US"/>
           </a:p>
@@ -3347,7 +5938,15 @@
             <p:ph type="sldNum" sz="quarter" idx="12"/>
           </p:nvPr>
         </p:nvSpPr>
-        <p:spPr/>
+        <p:spPr>
+          <a:xfrm rot="16200000">
+            <a:off x="8227377" y="5885497"/>
+            <a:ext cx="1315721" cy="365125"/>
+          </a:xfrm>
+          <a:prstGeom prst="rect">
+            <a:avLst/>
+          </a:prstGeom>
+        </p:spPr>
         <p:txBody>
           <a:bodyPr/>
           <a:lstStyle/>
@@ -3606,7 +6205,7 @@
           <a:p>
             <a:fld id="{3FDCE113-7FD3-5A45-BFF8-119A49FD2837}" type="datetime1">
               <a:rPr lang="en-US" smtClean="0"/>
-              <a:t>11/4/2015</a:t>
+              <a:t>2/11/17</a:t>
             </a:fld>
             <a:endParaRPr lang="en-US"/>
           </a:p>
@@ -3645,7 +6244,15 @@
             <p:ph type="sldNum" sz="quarter" idx="12"/>
           </p:nvPr>
         </p:nvSpPr>
-        <p:spPr/>
+        <p:spPr>
+          <a:xfrm rot="16200000">
+            <a:off x="8227377" y="5885497"/>
+            <a:ext cx="1315721" cy="365125"/>
+          </a:xfrm>
+          <a:prstGeom prst="rect">
+            <a:avLst/>
+          </a:prstGeom>
+        </p:spPr>
         <p:txBody>
           <a:bodyPr/>
           <a:lstStyle>
@@ -3755,7 +6362,7 @@
 </file>
 
 <file path=ppt/slideMasters/slideMaster1.xml><?xml version="1.0" encoding="utf-8"?>
-<p:sldMaster xmlns:a="http://schemas.openxmlformats.org/drawingml/2006/main" xmlns:r="http://schemas.openxmlformats.org/officeDocument/2006/relationships" xmlns:p="http://schemas.openxmlformats.org/presentationml/2006/main">
+<p:sldMaster xmlns:a="http://schemas.openxmlformats.org/drawingml/2006/main" xmlns:r="http://schemas.openxmlformats.org/officeDocument/2006/relationships" xmlns:p="http://schemas.openxmlformats.org/presentationml/2006/main" preserve="1">
   <p:cSld>
     <p:bg>
       <p:bgRef idx="1001">
@@ -3802,7 +6409,7 @@
           <a:lstStyle/>
           <a:p>
             <a:r>
-              <a:rPr lang="en-US" dirty="0" smtClean="0"/>
+              <a:rPr lang="en-US" smtClean="0"/>
               <a:t>Click to edit Master title style</a:t>
             </a:r>
             <a:endParaRPr lang="en-US" dirty="0"/>
@@ -3904,7 +6511,7 @@
           <a:p>
             <a:fld id="{88969E71-E921-5242-A17E-734C317BA911}" type="datetime1">
               <a:rPr lang="en-US" smtClean="0"/>
-              <a:t>11/4/2015</a:t>
+              <a:t>2/11/17</a:t>
             </a:fld>
             <a:endParaRPr lang="en-US"/>
           </a:p>
@@ -3951,7 +6558,7 @@
       </p:sp>
       <p:sp>
         <p:nvSpPr>
-          <p:cNvPr id="6" name="Slide Number Placeholder 5"/>
+          <p:cNvPr id="9" name="Slide Number Placeholder 6"/>
           <p:cNvSpPr>
             <a:spLocks noGrp="1"/>
           </p:cNvSpPr>
@@ -3961,24 +6568,16 @@
         </p:nvSpPr>
         <p:spPr>
           <a:xfrm>
-            <a:off x="8356800" y="6492875"/>
-            <a:ext cx="574937" cy="265458"/>
+            <a:off x="8477026" y="6358106"/>
+            <a:ext cx="666974" cy="365125"/>
           </a:xfrm>
           <a:prstGeom prst="rect">
             <a:avLst/>
           </a:prstGeom>
         </p:spPr>
         <p:txBody>
-          <a:bodyPr vert="horz" lIns="91440" tIns="45720" rIns="91440" bIns="45720" rtlCol="0" anchor="ctr"/>
-          <a:lstStyle>
-            <a:lvl1pPr algn="l">
-              <a:defRPr sz="2400" b="1">
-                <a:solidFill>
-                  <a:schemeClr val="tx2"/>
-                </a:solidFill>
-              </a:defRPr>
-            </a:lvl1pPr>
-          </a:lstStyle>
+          <a:bodyPr/>
+          <a:lstStyle/>
           <a:p>
             <a:fld id="{4DBC7FC8-25FB-FC45-8177-2B991DA6778C}" type="slidenum">
               <a:rPr lang="en-US" smtClean="0"/>
@@ -3990,7 +6589,121 @@
       </p:sp>
       <p:sp>
         <p:nvSpPr>
-          <p:cNvPr id="9" name="Rectangle 8"/>
+          <p:cNvPr id="10" name="Rectangle 9"/>
+          <p:cNvSpPr/>
+          <p:nvPr/>
+        </p:nvSpPr>
+        <p:spPr>
+          <a:xfrm>
+            <a:off x="8996106" y="2895600"/>
+            <a:ext cx="147895" cy="3962400"/>
+          </a:xfrm>
+          <a:prstGeom prst="rect">
+            <a:avLst/>
+          </a:prstGeom>
+          <a:solidFill>
+            <a:srgbClr val="92D050"/>
+          </a:solidFill>
+          <a:ln>
+            <a:noFill/>
+          </a:ln>
+        </p:spPr>
+        <p:style>
+          <a:lnRef idx="2">
+            <a:schemeClr val="accent1">
+              <a:shade val="50000"/>
+            </a:schemeClr>
+          </a:lnRef>
+          <a:fillRef idx="1">
+            <a:schemeClr val="accent1"/>
+          </a:fillRef>
+          <a:effectRef idx="0">
+            <a:schemeClr val="accent1"/>
+          </a:effectRef>
+          <a:fontRef idx="minor">
+            <a:schemeClr val="lt1"/>
+          </a:fontRef>
+        </p:style>
+      </p:sp>
+      <p:sp>
+        <p:nvSpPr>
+          <p:cNvPr id="11" name="Rectangle 10"/>
+          <p:cNvSpPr/>
+          <p:nvPr/>
+        </p:nvSpPr>
+        <p:spPr>
+          <a:xfrm>
+            <a:off x="8959042" y="0"/>
+            <a:ext cx="184958" cy="2895600"/>
+          </a:xfrm>
+          <a:prstGeom prst="rect">
+            <a:avLst/>
+          </a:prstGeom>
+          <a:solidFill>
+            <a:srgbClr val="7030A0"/>
+          </a:solidFill>
+          <a:ln>
+            <a:noFill/>
+          </a:ln>
+        </p:spPr>
+        <p:style>
+          <a:lnRef idx="2">
+            <a:schemeClr val="accent1">
+              <a:shade val="50000"/>
+            </a:schemeClr>
+          </a:lnRef>
+          <a:fillRef idx="1">
+            <a:schemeClr val="accent1"/>
+          </a:fillRef>
+          <a:effectRef idx="0">
+            <a:schemeClr val="accent1"/>
+          </a:effectRef>
+          <a:fontRef idx="minor">
+            <a:schemeClr val="lt1"/>
+          </a:fontRef>
+        </p:style>
+      </p:sp>
+      <p:sp>
+        <p:nvSpPr>
+          <p:cNvPr id="12" name="Rectangle 11"/>
+          <p:cNvSpPr/>
+          <p:nvPr/>
+        </p:nvSpPr>
+        <p:spPr>
+          <a:xfrm>
+            <a:off x="8904666" y="0"/>
+            <a:ext cx="91440" cy="6858000"/>
+          </a:xfrm>
+          <a:prstGeom prst="rect">
+            <a:avLst/>
+          </a:prstGeom>
+          <a:solidFill>
+            <a:srgbClr val="0070C0"/>
+          </a:solidFill>
+          <a:ln>
+            <a:noFill/>
+          </a:ln>
+        </p:spPr>
+        <p:style>
+          <a:lnRef idx="2">
+            <a:schemeClr val="accent1">
+              <a:shade val="50000"/>
+            </a:schemeClr>
+          </a:lnRef>
+          <a:fillRef idx="1">
+            <a:schemeClr val="accent1"/>
+          </a:fillRef>
+          <a:effectRef idx="0">
+            <a:schemeClr val="accent1"/>
+          </a:effectRef>
+          <a:fontRef idx="minor">
+            <a:schemeClr val="lt1"/>
+          </a:fontRef>
+        </p:style>
+      </p:sp>
+      <p:sp>
+        <p:nvSpPr>
+          <p:cNvPr id="13" name="Rectangle 12"/>
           <p:cNvSpPr/>
           <p:nvPr userDrawn="1"/>
         </p:nvSpPr>
@@ -4035,7 +6748,7 @@
       </p:sp>
       <p:sp>
         <p:nvSpPr>
-          <p:cNvPr id="10" name="Rectangle 9"/>
+          <p:cNvPr id="14" name="Rectangle 13"/>
           <p:cNvSpPr/>
           <p:nvPr userDrawn="1"/>
         </p:nvSpPr>
@@ -4080,7 +6793,7 @@
       </p:sp>
       <p:sp>
         <p:nvSpPr>
-          <p:cNvPr id="11" name="Rectangle 10"/>
+          <p:cNvPr id="15" name="Rectangle 14"/>
           <p:cNvSpPr/>
           <p:nvPr userDrawn="1"/>
         </p:nvSpPr>
@@ -4124,21 +6837,33 @@
         </p:txBody>
       </p:sp>
     </p:spTree>
+    <p:extLst>
+      <p:ext uri="{BB962C8B-B14F-4D97-AF65-F5344CB8AC3E}">
+        <p14:creationId xmlns:p14="http://schemas.microsoft.com/office/powerpoint/2010/main" val="652690560"/>
+      </p:ext>
+    </p:extLst>
   </p:cSld>
   <p:clrMap bg1="lt1" tx1="dk1" bg2="lt2" tx2="dk2" accent1="accent1" accent2="accent2" accent3="accent3" accent4="accent4" accent5="accent5" accent6="accent6" hlink="hlink" folHlink="folHlink"/>
   <p:sldLayoutIdLst>
-    <p:sldLayoutId id="2147483715" r:id="rId1"/>
-    <p:sldLayoutId id="2147483716" r:id="rId2"/>
-    <p:sldLayoutId id="2147483717" r:id="rId3"/>
-    <p:sldLayoutId id="2147483718" r:id="rId4"/>
-    <p:sldLayoutId id="2147483719" r:id="rId5"/>
-    <p:sldLayoutId id="2147483720" r:id="rId6"/>
-    <p:sldLayoutId id="2147483721" r:id="rId7"/>
-    <p:sldLayoutId id="2147483722" r:id="rId8"/>
-    <p:sldLayoutId id="2147483723" r:id="rId9"/>
-    <p:sldLayoutId id="2147483724" r:id="rId10"/>
-    <p:sldLayoutId id="2147483725" r:id="rId11"/>
+    <p:sldLayoutId id="2147483727" r:id="rId1"/>
+    <p:sldLayoutId id="2147483728" r:id="rId2"/>
+    <p:sldLayoutId id="2147483729" r:id="rId3"/>
+    <p:sldLayoutId id="2147483730" r:id="rId4"/>
+    <p:sldLayoutId id="2147483731" r:id="rId5"/>
+    <p:sldLayoutId id="2147483732" r:id="rId6"/>
+    <p:sldLayoutId id="2147483733" r:id="rId7"/>
+    <p:sldLayoutId id="2147483734" r:id="rId8"/>
+    <p:sldLayoutId id="2147483735" r:id="rId9"/>
+    <p:sldLayoutId id="2147483736" r:id="rId10"/>
+    <p:sldLayoutId id="2147483737" r:id="rId11"/>
   </p:sldLayoutIdLst>
+  <p:timing>
+    <p:tnLst>
+      <p:par>
+        <p:cTn id="1" dur="indefinite" restart="never" nodeType="tmRoot"/>
+      </p:par>
+    </p:tnLst>
+  </p:timing>
   <p:hf hdr="0" dt="0"/>
   <p:txStyles>
     <p:titleStyle>
@@ -4420,6 +7145,551 @@
 </p:sldMaster>
 </file>
 
+<file path=ppt/slideMasters/slideMaster2.xml><?xml version="1.0" encoding="utf-8"?>
+<p:sldMaster xmlns:a="http://schemas.openxmlformats.org/drawingml/2006/main" xmlns:r="http://schemas.openxmlformats.org/officeDocument/2006/relationships" xmlns:p="http://schemas.openxmlformats.org/presentationml/2006/main" preserve="1">
+  <p:cSld>
+    <p:bg>
+      <p:bgRef idx="1001">
+        <a:schemeClr val="bg1"/>
+      </p:bgRef>
+    </p:bg>
+    <p:spTree>
+      <p:nvGrpSpPr>
+        <p:cNvPr id="1" name=""/>
+        <p:cNvGrpSpPr/>
+        <p:nvPr/>
+      </p:nvGrpSpPr>
+      <p:grpSpPr>
+        <a:xfrm>
+          <a:off x="0" y="0"/>
+          <a:ext cx="0" cy="0"/>
+          <a:chOff x="0" y="0"/>
+          <a:chExt cx="0" cy="0"/>
+        </a:xfrm>
+      </p:grpSpPr>
+      <p:sp>
+        <p:nvSpPr>
+          <p:cNvPr id="2" name="Title Placeholder 1"/>
+          <p:cNvSpPr>
+            <a:spLocks noGrp="1"/>
+          </p:cNvSpPr>
+          <p:nvPr>
+            <p:ph type="title"/>
+          </p:nvPr>
+        </p:nvSpPr>
+        <p:spPr>
+          <a:xfrm>
+            <a:off x="628650" y="365125"/>
+            <a:ext cx="7886700" cy="1325563"/>
+          </a:xfrm>
+          <a:prstGeom prst="rect">
+            <a:avLst/>
+          </a:prstGeom>
+        </p:spPr>
+        <p:txBody>
+          <a:bodyPr vert="horz" lIns="91440" tIns="45720" rIns="91440" bIns="45720" rtlCol="0" anchor="ctr">
+            <a:normAutofit/>
+          </a:bodyPr>
+          <a:lstStyle/>
+          <a:p>
+            <a:r>
+              <a:rPr lang="en-US" smtClean="0"/>
+              <a:t>Click to edit Master title style</a:t>
+            </a:r>
+            <a:endParaRPr lang="en-US"/>
+          </a:p>
+        </p:txBody>
+      </p:sp>
+      <p:sp>
+        <p:nvSpPr>
+          <p:cNvPr id="3" name="Text Placeholder 2"/>
+          <p:cNvSpPr>
+            <a:spLocks noGrp="1"/>
+          </p:cNvSpPr>
+          <p:nvPr>
+            <p:ph type="body" idx="1"/>
+          </p:nvPr>
+        </p:nvSpPr>
+        <p:spPr>
+          <a:xfrm>
+            <a:off x="628650" y="1825625"/>
+            <a:ext cx="7886700" cy="4351338"/>
+          </a:xfrm>
+          <a:prstGeom prst="rect">
+            <a:avLst/>
+          </a:prstGeom>
+        </p:spPr>
+        <p:txBody>
+          <a:bodyPr vert="horz" lIns="91440" tIns="45720" rIns="91440" bIns="45720" rtlCol="0">
+            <a:normAutofit/>
+          </a:bodyPr>
+          <a:lstStyle/>
+          <a:p>
+            <a:pPr lvl="0"/>
+            <a:r>
+              <a:rPr lang="en-US" smtClean="0"/>
+              <a:t>Click to edit Master text styles</a:t>
+            </a:r>
+          </a:p>
+          <a:p>
+            <a:pPr lvl="1"/>
+            <a:r>
+              <a:rPr lang="en-US" smtClean="0"/>
+              <a:t>Second level</a:t>
+            </a:r>
+          </a:p>
+          <a:p>
+            <a:pPr lvl="2"/>
+            <a:r>
+              <a:rPr lang="en-US" smtClean="0"/>
+              <a:t>Third level</a:t>
+            </a:r>
+          </a:p>
+          <a:p>
+            <a:pPr lvl="3"/>
+            <a:r>
+              <a:rPr lang="en-US" smtClean="0"/>
+              <a:t>Fourth level</a:t>
+            </a:r>
+          </a:p>
+          <a:p>
+            <a:pPr lvl="4"/>
+            <a:r>
+              <a:rPr lang="en-US" smtClean="0"/>
+              <a:t>Fifth level</a:t>
+            </a:r>
+            <a:endParaRPr lang="en-US"/>
+          </a:p>
+        </p:txBody>
+      </p:sp>
+      <p:sp>
+        <p:nvSpPr>
+          <p:cNvPr id="4" name="Date Placeholder 3"/>
+          <p:cNvSpPr>
+            <a:spLocks noGrp="1"/>
+          </p:cNvSpPr>
+          <p:nvPr>
+            <p:ph type="dt" sz="half" idx="2"/>
+          </p:nvPr>
+        </p:nvSpPr>
+        <p:spPr>
+          <a:xfrm>
+            <a:off x="628650" y="6356350"/>
+            <a:ext cx="2057400" cy="365125"/>
+          </a:xfrm>
+          <a:prstGeom prst="rect">
+            <a:avLst/>
+          </a:prstGeom>
+        </p:spPr>
+        <p:txBody>
+          <a:bodyPr vert="horz" lIns="91440" tIns="45720" rIns="91440" bIns="45720" rtlCol="0" anchor="ctr"/>
+          <a:lstStyle>
+            <a:lvl1pPr algn="l">
+              <a:defRPr sz="1200">
+                <a:solidFill>
+                  <a:schemeClr val="tx1">
+                    <a:tint val="75000"/>
+                  </a:schemeClr>
+                </a:solidFill>
+              </a:defRPr>
+            </a:lvl1pPr>
+          </a:lstStyle>
+          <a:p>
+            <a:fld id="{D602BB09-AD7A-F342-B78F-330E2C5B2E11}" type="datetime1">
+              <a:rPr lang="en-US" smtClean="0"/>
+              <a:t>2/11/17</a:t>
+            </a:fld>
+            <a:endParaRPr lang="en-US"/>
+          </a:p>
+        </p:txBody>
+      </p:sp>
+      <p:sp>
+        <p:nvSpPr>
+          <p:cNvPr id="5" name="Footer Placeholder 4"/>
+          <p:cNvSpPr>
+            <a:spLocks noGrp="1"/>
+          </p:cNvSpPr>
+          <p:nvPr>
+            <p:ph type="ftr" sz="quarter" idx="3"/>
+          </p:nvPr>
+        </p:nvSpPr>
+        <p:spPr>
+          <a:xfrm>
+            <a:off x="3028950" y="6356350"/>
+            <a:ext cx="3086100" cy="365125"/>
+          </a:xfrm>
+          <a:prstGeom prst="rect">
+            <a:avLst/>
+          </a:prstGeom>
+        </p:spPr>
+        <p:txBody>
+          <a:bodyPr vert="horz" lIns="91440" tIns="45720" rIns="91440" bIns="45720" rtlCol="0" anchor="ctr"/>
+          <a:lstStyle>
+            <a:lvl1pPr algn="ctr">
+              <a:defRPr sz="1200">
+                <a:solidFill>
+                  <a:schemeClr val="tx1">
+                    <a:tint val="75000"/>
+                  </a:schemeClr>
+                </a:solidFill>
+              </a:defRPr>
+            </a:lvl1pPr>
+          </a:lstStyle>
+          <a:p>
+            <a:r>
+              <a:rPr lang="en-US" smtClean="0"/>
+              <a:t>Copyright © EV3Lessons.com 2016 (Last edit: 07/04/2016)</a:t>
+            </a:r>
+            <a:endParaRPr lang="en-US"/>
+          </a:p>
+        </p:txBody>
+      </p:sp>
+      <p:sp>
+        <p:nvSpPr>
+          <p:cNvPr id="6" name="Slide Number Placeholder 5"/>
+          <p:cNvSpPr>
+            <a:spLocks noGrp="1"/>
+          </p:cNvSpPr>
+          <p:nvPr>
+            <p:ph type="sldNum" sz="quarter" idx="4"/>
+          </p:nvPr>
+        </p:nvSpPr>
+        <p:spPr>
+          <a:xfrm>
+            <a:off x="6457950" y="6356350"/>
+            <a:ext cx="2057400" cy="365125"/>
+          </a:xfrm>
+          <a:prstGeom prst="rect">
+            <a:avLst/>
+          </a:prstGeom>
+        </p:spPr>
+        <p:txBody>
+          <a:bodyPr vert="horz" lIns="91440" tIns="45720" rIns="91440" bIns="45720" rtlCol="0" anchor="ctr"/>
+          <a:lstStyle>
+            <a:lvl1pPr algn="r">
+              <a:defRPr sz="1200">
+                <a:solidFill>
+                  <a:schemeClr val="tx1">
+                    <a:tint val="75000"/>
+                  </a:schemeClr>
+                </a:solidFill>
+              </a:defRPr>
+            </a:lvl1pPr>
+          </a:lstStyle>
+          <a:p>
+            <a:fld id="{DE42E464-3EB8-43C8-8768-9E2AD4F497B7}" type="slidenum">
+              <a:rPr lang="en-US" smtClean="0"/>
+              <a:t>‹#›</a:t>
+            </a:fld>
+            <a:endParaRPr lang="en-US"/>
+          </a:p>
+        </p:txBody>
+      </p:sp>
+    </p:spTree>
+    <p:extLst>
+      <p:ext uri="{BB962C8B-B14F-4D97-AF65-F5344CB8AC3E}">
+        <p14:creationId xmlns:p14="http://schemas.microsoft.com/office/powerpoint/2010/main" val="423773044"/>
+      </p:ext>
+    </p:extLst>
+  </p:cSld>
+  <p:clrMap bg1="lt1" tx1="dk1" bg2="lt2" tx2="dk2" accent1="accent1" accent2="accent2" accent3="accent3" accent4="accent4" accent5="accent5" accent6="accent6" hlink="hlink" folHlink="folHlink"/>
+  <p:sldLayoutIdLst>
+    <p:sldLayoutId id="2147483739" r:id="rId1"/>
+    <p:sldLayoutId id="2147483740" r:id="rId2"/>
+    <p:sldLayoutId id="2147483741" r:id="rId3"/>
+    <p:sldLayoutId id="2147483742" r:id="rId4"/>
+    <p:sldLayoutId id="2147483743" r:id="rId5"/>
+    <p:sldLayoutId id="2147483744" r:id="rId6"/>
+    <p:sldLayoutId id="2147483745" r:id="rId7"/>
+    <p:sldLayoutId id="2147483746" r:id="rId8"/>
+    <p:sldLayoutId id="2147483747" r:id="rId9"/>
+    <p:sldLayoutId id="2147483748" r:id="rId10"/>
+    <p:sldLayoutId id="2147483749" r:id="rId11"/>
+  </p:sldLayoutIdLst>
+  <p:hf hdr="0" dt="0"/>
+  <p:txStyles>
+    <p:titleStyle>
+      <a:lvl1pPr algn="l" defTabSz="914400" rtl="0" eaLnBrk="1" latinLnBrk="0" hangingPunct="1">
+        <a:lnSpc>
+          <a:spcPct val="90000"/>
+        </a:lnSpc>
+        <a:spcBef>
+          <a:spcPct val="0"/>
+        </a:spcBef>
+        <a:buNone/>
+        <a:defRPr sz="4400" kern="1200">
+          <a:solidFill>
+            <a:schemeClr val="tx1"/>
+          </a:solidFill>
+          <a:latin typeface="+mj-lt"/>
+          <a:ea typeface="+mj-ea"/>
+          <a:cs typeface="+mj-cs"/>
+        </a:defRPr>
+      </a:lvl1pPr>
+    </p:titleStyle>
+    <p:bodyStyle>
+      <a:lvl1pPr marL="228600" indent="-228600" algn="l" defTabSz="914400" rtl="0" eaLnBrk="1" latinLnBrk="0" hangingPunct="1">
+        <a:lnSpc>
+          <a:spcPct val="90000"/>
+        </a:lnSpc>
+        <a:spcBef>
+          <a:spcPts val="1000"/>
+        </a:spcBef>
+        <a:buFont typeface="Arial" panose="020B0604020202020204" pitchFamily="34" charset="0"/>
+        <a:buChar char="•"/>
+        <a:defRPr sz="2800" kern="1200">
+          <a:solidFill>
+            <a:schemeClr val="tx1"/>
+          </a:solidFill>
+          <a:latin typeface="+mn-lt"/>
+          <a:ea typeface="+mn-ea"/>
+          <a:cs typeface="+mn-cs"/>
+        </a:defRPr>
+      </a:lvl1pPr>
+      <a:lvl2pPr marL="685800" indent="-228600" algn="l" defTabSz="914400" rtl="0" eaLnBrk="1" latinLnBrk="0" hangingPunct="1">
+        <a:lnSpc>
+          <a:spcPct val="90000"/>
+        </a:lnSpc>
+        <a:spcBef>
+          <a:spcPts val="500"/>
+        </a:spcBef>
+        <a:buFont typeface="Arial" panose="020B0604020202020204" pitchFamily="34" charset="0"/>
+        <a:buChar char="•"/>
+        <a:defRPr sz="2400" kern="1200">
+          <a:solidFill>
+            <a:schemeClr val="tx1"/>
+          </a:solidFill>
+          <a:latin typeface="+mn-lt"/>
+          <a:ea typeface="+mn-ea"/>
+          <a:cs typeface="+mn-cs"/>
+        </a:defRPr>
+      </a:lvl2pPr>
+      <a:lvl3pPr marL="1143000" indent="-228600" algn="l" defTabSz="914400" rtl="0" eaLnBrk="1" latinLnBrk="0" hangingPunct="1">
+        <a:lnSpc>
+          <a:spcPct val="90000"/>
+        </a:lnSpc>
+        <a:spcBef>
+          <a:spcPts val="500"/>
+        </a:spcBef>
+        <a:buFont typeface="Arial" panose="020B0604020202020204" pitchFamily="34" charset="0"/>
+        <a:buChar char="•"/>
+        <a:defRPr sz="2000" kern="1200">
+          <a:solidFill>
+            <a:schemeClr val="tx1"/>
+          </a:solidFill>
+          <a:latin typeface="+mn-lt"/>
+          <a:ea typeface="+mn-ea"/>
+          <a:cs typeface="+mn-cs"/>
+        </a:defRPr>
+      </a:lvl3pPr>
+      <a:lvl4pPr marL="1600200" indent="-228600" algn="l" defTabSz="914400" rtl="0" eaLnBrk="1" latinLnBrk="0" hangingPunct="1">
+        <a:lnSpc>
+          <a:spcPct val="90000"/>
+        </a:lnSpc>
+        <a:spcBef>
+          <a:spcPts val="500"/>
+        </a:spcBef>
+        <a:buFont typeface="Arial" panose="020B0604020202020204" pitchFamily="34" charset="0"/>
+        <a:buChar char="•"/>
+        <a:defRPr sz="1800" kern="1200">
+          <a:solidFill>
+            <a:schemeClr val="tx1"/>
+          </a:solidFill>
+          <a:latin typeface="+mn-lt"/>
+          <a:ea typeface="+mn-ea"/>
+          <a:cs typeface="+mn-cs"/>
+        </a:defRPr>
+      </a:lvl4pPr>
+      <a:lvl5pPr marL="2057400" indent="-228600" algn="l" defTabSz="914400" rtl="0" eaLnBrk="1" latinLnBrk="0" hangingPunct="1">
+        <a:lnSpc>
+          <a:spcPct val="90000"/>
+        </a:lnSpc>
+        <a:spcBef>
+          <a:spcPts val="500"/>
+        </a:spcBef>
+        <a:buFont typeface="Arial" panose="020B0604020202020204" pitchFamily="34" charset="0"/>
+        <a:buChar char="•"/>
+        <a:defRPr sz="1800" kern="1200">
+          <a:solidFill>
+            <a:schemeClr val="tx1"/>
+          </a:solidFill>
+          <a:latin typeface="+mn-lt"/>
+          <a:ea typeface="+mn-ea"/>
+          <a:cs typeface="+mn-cs"/>
+        </a:defRPr>
+      </a:lvl5pPr>
+      <a:lvl6pPr marL="2514600" indent="-228600" algn="l" defTabSz="914400" rtl="0" eaLnBrk="1" latinLnBrk="0" hangingPunct="1">
+        <a:lnSpc>
+          <a:spcPct val="90000"/>
+        </a:lnSpc>
+        <a:spcBef>
+          <a:spcPts val="500"/>
+        </a:spcBef>
+        <a:buFont typeface="Arial" panose="020B0604020202020204" pitchFamily="34" charset="0"/>
+        <a:buChar char="•"/>
+        <a:defRPr sz="1800" kern="1200">
+          <a:solidFill>
+            <a:schemeClr val="tx1"/>
+          </a:solidFill>
+          <a:latin typeface="+mn-lt"/>
+          <a:ea typeface="+mn-ea"/>
+          <a:cs typeface="+mn-cs"/>
+        </a:defRPr>
+      </a:lvl6pPr>
+      <a:lvl7pPr marL="2971800" indent="-228600" algn="l" defTabSz="914400" rtl="0" eaLnBrk="1" latinLnBrk="0" hangingPunct="1">
+        <a:lnSpc>
+          <a:spcPct val="90000"/>
+        </a:lnSpc>
+        <a:spcBef>
+          <a:spcPts val="500"/>
+        </a:spcBef>
+        <a:buFont typeface="Arial" panose="020B0604020202020204" pitchFamily="34" charset="0"/>
+        <a:buChar char="•"/>
+        <a:defRPr sz="1800" kern="1200">
+          <a:solidFill>
+            <a:schemeClr val="tx1"/>
+          </a:solidFill>
+          <a:latin typeface="+mn-lt"/>
+          <a:ea typeface="+mn-ea"/>
+          <a:cs typeface="+mn-cs"/>
+        </a:defRPr>
+      </a:lvl7pPr>
+      <a:lvl8pPr marL="3429000" indent="-228600" algn="l" defTabSz="914400" rtl="0" eaLnBrk="1" latinLnBrk="0" hangingPunct="1">
+        <a:lnSpc>
+          <a:spcPct val="90000"/>
+        </a:lnSpc>
+        <a:spcBef>
+          <a:spcPts val="500"/>
+        </a:spcBef>
+        <a:buFont typeface="Arial" panose="020B0604020202020204" pitchFamily="34" charset="0"/>
+        <a:buChar char="•"/>
+        <a:defRPr sz="1800" kern="1200">
+          <a:solidFill>
+            <a:schemeClr val="tx1"/>
+          </a:solidFill>
+          <a:latin typeface="+mn-lt"/>
+          <a:ea typeface="+mn-ea"/>
+          <a:cs typeface="+mn-cs"/>
+        </a:defRPr>
+      </a:lvl8pPr>
+      <a:lvl9pPr marL="3886200" indent="-228600" algn="l" defTabSz="914400" rtl="0" eaLnBrk="1" latinLnBrk="0" hangingPunct="1">
+        <a:lnSpc>
+          <a:spcPct val="90000"/>
+        </a:lnSpc>
+        <a:spcBef>
+          <a:spcPts val="500"/>
+        </a:spcBef>
+        <a:buFont typeface="Arial" panose="020B0604020202020204" pitchFamily="34" charset="0"/>
+        <a:buChar char="•"/>
+        <a:defRPr sz="1800" kern="1200">
+          <a:solidFill>
+            <a:schemeClr val="tx1"/>
+          </a:solidFill>
+          <a:latin typeface="+mn-lt"/>
+          <a:ea typeface="+mn-ea"/>
+          <a:cs typeface="+mn-cs"/>
+        </a:defRPr>
+      </a:lvl9pPr>
+    </p:bodyStyle>
+    <p:otherStyle>
+      <a:defPPr>
+        <a:defRPr lang="en-US"/>
+      </a:defPPr>
+      <a:lvl1pPr marL="0" algn="l" defTabSz="914400" rtl="0" eaLnBrk="1" latinLnBrk="0" hangingPunct="1">
+        <a:defRPr sz="1800" kern="1200">
+          <a:solidFill>
+            <a:schemeClr val="tx1"/>
+          </a:solidFill>
+          <a:latin typeface="+mn-lt"/>
+          <a:ea typeface="+mn-ea"/>
+          <a:cs typeface="+mn-cs"/>
+        </a:defRPr>
+      </a:lvl1pPr>
+      <a:lvl2pPr marL="457200" algn="l" defTabSz="914400" rtl="0" eaLnBrk="1" latinLnBrk="0" hangingPunct="1">
+        <a:defRPr sz="1800" kern="1200">
+          <a:solidFill>
+            <a:schemeClr val="tx1"/>
+          </a:solidFill>
+          <a:latin typeface="+mn-lt"/>
+          <a:ea typeface="+mn-ea"/>
+          <a:cs typeface="+mn-cs"/>
+        </a:defRPr>
+      </a:lvl2pPr>
+      <a:lvl3pPr marL="914400" algn="l" defTabSz="914400" rtl="0" eaLnBrk="1" latinLnBrk="0" hangingPunct="1">
+        <a:defRPr sz="1800" kern="1200">
+          <a:solidFill>
+            <a:schemeClr val="tx1"/>
+          </a:solidFill>
+          <a:latin typeface="+mn-lt"/>
+          <a:ea typeface="+mn-ea"/>
+          <a:cs typeface="+mn-cs"/>
+        </a:defRPr>
+      </a:lvl3pPr>
+      <a:lvl4pPr marL="1371600" algn="l" defTabSz="914400" rtl="0" eaLnBrk="1" latinLnBrk="0" hangingPunct="1">
+        <a:defRPr sz="1800" kern="1200">
+          <a:solidFill>
+            <a:schemeClr val="tx1"/>
+          </a:solidFill>
+          <a:latin typeface="+mn-lt"/>
+          <a:ea typeface="+mn-ea"/>
+          <a:cs typeface="+mn-cs"/>
+        </a:defRPr>
+      </a:lvl4pPr>
+      <a:lvl5pPr marL="1828800" algn="l" defTabSz="914400" rtl="0" eaLnBrk="1" latinLnBrk="0" hangingPunct="1">
+        <a:defRPr sz="1800" kern="1200">
+          <a:solidFill>
+            <a:schemeClr val="tx1"/>
+          </a:solidFill>
+          <a:latin typeface="+mn-lt"/>
+          <a:ea typeface="+mn-ea"/>
+          <a:cs typeface="+mn-cs"/>
+        </a:defRPr>
+      </a:lvl5pPr>
+      <a:lvl6pPr marL="2286000" algn="l" defTabSz="914400" rtl="0" eaLnBrk="1" latinLnBrk="0" hangingPunct="1">
+        <a:defRPr sz="1800" kern="1200">
+          <a:solidFill>
+            <a:schemeClr val="tx1"/>
+          </a:solidFill>
+          <a:latin typeface="+mn-lt"/>
+          <a:ea typeface="+mn-ea"/>
+          <a:cs typeface="+mn-cs"/>
+        </a:defRPr>
+      </a:lvl6pPr>
+      <a:lvl7pPr marL="2743200" algn="l" defTabSz="914400" rtl="0" eaLnBrk="1" latinLnBrk="0" hangingPunct="1">
+        <a:defRPr sz="1800" kern="1200">
+          <a:solidFill>
+            <a:schemeClr val="tx1"/>
+          </a:solidFill>
+          <a:latin typeface="+mn-lt"/>
+          <a:ea typeface="+mn-ea"/>
+          <a:cs typeface="+mn-cs"/>
+        </a:defRPr>
+      </a:lvl7pPr>
+      <a:lvl8pPr marL="3200400" algn="l" defTabSz="914400" rtl="0" eaLnBrk="1" latinLnBrk="0" hangingPunct="1">
+        <a:defRPr sz="1800" kern="1200">
+          <a:solidFill>
+            <a:schemeClr val="tx1"/>
+          </a:solidFill>
+          <a:latin typeface="+mn-lt"/>
+          <a:ea typeface="+mn-ea"/>
+          <a:cs typeface="+mn-cs"/>
+        </a:defRPr>
+      </a:lvl8pPr>
+      <a:lvl9pPr marL="3657600" algn="l" defTabSz="914400" rtl="0" eaLnBrk="1" latinLnBrk="0" hangingPunct="1">
+        <a:defRPr sz="1800" kern="1200">
+          <a:solidFill>
+            <a:schemeClr val="tx1"/>
+          </a:solidFill>
+          <a:latin typeface="+mn-lt"/>
+          <a:ea typeface="+mn-ea"/>
+          <a:cs typeface="+mn-cs"/>
+        </a:defRPr>
+      </a:lvl9pPr>
+    </p:otherStyle>
+  </p:txStyles>
+</p:sldMaster>
+</file>
+
 <file path=ppt/slides/slide1.xml><?xml version="1.0" encoding="utf-8"?>
 <p:sld xmlns:a="http://schemas.openxmlformats.org/drawingml/2006/main" xmlns:r="http://schemas.openxmlformats.org/officeDocument/2006/relationships" xmlns:p="http://schemas.openxmlformats.org/presentationml/2006/main">
   <p:cSld>
@@ -4439,115 +7709,21 @@
       </p:grpSpPr>
       <p:sp>
         <p:nvSpPr>
-          <p:cNvPr id="2" name="Title 1"/>
-          <p:cNvSpPr>
-            <a:spLocks noGrp="1"/>
-          </p:cNvSpPr>
-          <p:nvPr>
-            <p:ph type="ctrTitle"/>
-          </p:nvPr>
-        </p:nvSpPr>
-        <p:spPr>
-          <a:xfrm>
-            <a:off x="402305" y="311631"/>
-            <a:ext cx="4182799" cy="1923569"/>
-          </a:xfrm>
-        </p:spPr>
+          <p:cNvPr id="2" name="Subtitle 1"/>
+          <p:cNvSpPr>
+            <a:spLocks noGrp="1"/>
+          </p:cNvSpPr>
+          <p:nvPr>
+            <p:ph type="subTitle" idx="1"/>
+          </p:nvPr>
+        </p:nvSpPr>
+        <p:spPr/>
         <p:txBody>
           <a:bodyPr/>
           <a:lstStyle/>
           <a:p>
-            <a:pPr algn="ctr"/>
-            <a:r>
-              <a:rPr lang="en-US" sz="3200" dirty="0" err="1" smtClean="0"/>
-              <a:t>Lição</a:t>
-            </a:r>
-            <a:r>
-              <a:rPr lang="en-US" sz="3200" dirty="0" smtClean="0"/>
-              <a:t> de </a:t>
-            </a:r>
-            <a:r>
-              <a:rPr lang="en-US" sz="3200" dirty="0" err="1" smtClean="0"/>
-              <a:t>programação</a:t>
-            </a:r>
-            <a:r>
-              <a:rPr lang="en-US" sz="3200" dirty="0" smtClean="0"/>
-              <a:t> ev3 </a:t>
-            </a:r>
-            <a:r>
-              <a:rPr lang="en-US" sz="3200" dirty="0" err="1" smtClean="0"/>
-              <a:t>iniciante</a:t>
-            </a:r>
-            <a:endParaRPr lang="en-US" sz="3200" dirty="0"/>
-          </a:p>
-        </p:txBody>
-      </p:sp>
-      <p:sp>
-        <p:nvSpPr>
-          <p:cNvPr id="7" name="TextBox 6"/>
-          <p:cNvSpPr txBox="1"/>
-          <p:nvPr/>
-        </p:nvSpPr>
-        <p:spPr>
-          <a:xfrm>
-            <a:off x="1421808" y="5723590"/>
-            <a:ext cx="4750545" cy="1323439"/>
-          </a:xfrm>
-          <a:prstGeom prst="rect">
-            <a:avLst/>
-          </a:prstGeom>
-          <a:noFill/>
-        </p:spPr>
-        <p:txBody>
-          <a:bodyPr wrap="square" rtlCol="0">
-            <a:spAutoFit/>
-          </a:bodyPr>
-          <a:lstStyle/>
-          <a:p>
-            <a:r>
-              <a:rPr lang="en-US" sz="2000" dirty="0" err="1" smtClean="0"/>
-              <a:t>Por</a:t>
-            </a:r>
-            <a:r>
-              <a:rPr lang="en-US" sz="2000" dirty="0" smtClean="0"/>
-              <a:t> Droids Robotics.</a:t>
-            </a:r>
-          </a:p>
-          <a:p>
-            <a:r>
-              <a:rPr lang="pt-BR" sz="2000" dirty="0"/>
-              <a:t>Esta lição foi traduzida para português pela Equipe TILT.</a:t>
-            </a:r>
-          </a:p>
-          <a:p>
-            <a:endParaRPr lang="en-US" sz="2000" dirty="0" smtClean="0"/>
-          </a:p>
-        </p:txBody>
-      </p:sp>
-      <p:sp>
-        <p:nvSpPr>
-          <p:cNvPr id="4" name="TextBox 3"/>
-          <p:cNvSpPr txBox="1"/>
-          <p:nvPr/>
-        </p:nvSpPr>
-        <p:spPr>
-          <a:xfrm>
-            <a:off x="491348" y="3098652"/>
-            <a:ext cx="8187512" cy="523220"/>
-          </a:xfrm>
-          <a:prstGeom prst="rect">
-            <a:avLst/>
-          </a:prstGeom>
-          <a:noFill/>
-        </p:spPr>
-        <p:txBody>
-          <a:bodyPr wrap="square" rtlCol="0">
-            <a:spAutoFit/>
-          </a:bodyPr>
-          <a:lstStyle/>
-          <a:p>
-            <a:r>
-              <a:rPr lang="en-US" sz="2800" dirty="0" err="1" smtClean="0">
+            <a:r>
+              <a:rPr lang="en-US" dirty="0" err="1">
                 <a:solidFill>
                   <a:srgbClr val="FF0000"/>
                 </a:solidFill>
@@ -4555,81 +7731,79 @@
               <a:t>Usando</a:t>
             </a:r>
             <a:r>
-              <a:rPr lang="en-US" sz="2800" dirty="0" smtClean="0">
+              <a:rPr lang="en-US" dirty="0">
                 <a:solidFill>
                   <a:srgbClr val="FF0000"/>
                 </a:solidFill>
               </a:rPr>
-              <a:t> Dados Do Sensor E Port View.</a:t>
-            </a:r>
+              <a:t> Dados Do Sensor E Port View</a:t>
+            </a:r>
+          </a:p>
+        </p:txBody>
+      </p:sp>
+      <p:sp>
+        <p:nvSpPr>
+          <p:cNvPr id="3" name="Title 2"/>
+          <p:cNvSpPr>
+            <a:spLocks noGrp="1"/>
+          </p:cNvSpPr>
+          <p:nvPr>
+            <p:ph type="ctrTitle"/>
+          </p:nvPr>
+        </p:nvSpPr>
+        <p:spPr/>
+        <p:txBody>
+          <a:bodyPr/>
+          <a:lstStyle/>
+          <a:p>
+            <a:pPr algn="ctr"/>
+            <a:r>
+              <a:rPr lang="en-US" dirty="0" err="1"/>
+              <a:t>Lição</a:t>
+            </a:r>
+            <a:r>
+              <a:rPr lang="en-US" dirty="0"/>
+              <a:t> de </a:t>
+            </a:r>
+            <a:r>
+              <a:rPr lang="en-US" dirty="0" err="1"/>
+              <a:t>programação</a:t>
+            </a:r>
+            <a:r>
+              <a:rPr lang="en-US" dirty="0"/>
+              <a:t> </a:t>
+            </a:r>
+            <a:r>
+              <a:rPr lang="en-US" dirty="0" err="1"/>
+              <a:t>iniciante</a:t>
+            </a:r>
+            <a:endParaRPr lang="en-US" dirty="0"/>
           </a:p>
         </p:txBody>
       </p:sp>
       <p:pic>
         <p:nvPicPr>
-          <p:cNvPr id="1026" name="Picture 2" descr="EV3Lessons.com"/>
-          <p:cNvPicPr>
-            <a:picLocks noChangeAspect="1" noChangeArrowheads="1"/>
-          </p:cNvPicPr>
-          <p:nvPr/>
-        </p:nvPicPr>
-        <p:blipFill>
-          <a:blip r:embed="rId3" cstate="screen">
-            <a:extLst>
-              <a:ext uri="{28A0092B-C50C-407E-A947-70E740481C1C}">
-                <a14:useLocalDpi xmlns:a14="http://schemas.microsoft.com/office/drawing/2010/main"/>
-              </a:ext>
-            </a:extLst>
-          </a:blip>
-          <a:srcRect/>
-          <a:stretch>
-            <a:fillRect/>
-          </a:stretch>
-        </p:blipFill>
-        <p:spPr bwMode="auto">
-          <a:xfrm>
-            <a:off x="4585105" y="436041"/>
-            <a:ext cx="4231698" cy="1571774"/>
-          </a:xfrm>
-          <a:prstGeom prst="rect">
-            <a:avLst/>
-          </a:prstGeom>
-          <a:noFill/>
-          <a:extLst>
-            <a:ext uri="{909E8E84-426E-40dd-AFC4-6F175D3DCCD1}">
-              <a14:hiddenFill xmlns:a14="http://schemas.microsoft.com/office/drawing/2010/main" xmlns="">
-                <a:solidFill>
-                  <a:srgbClr val="FFFFFF"/>
-                </a:solidFill>
-              </a14:hiddenFill>
-            </a:ext>
-          </a:extLst>
-        </p:spPr>
-      </p:pic>
-      <p:pic>
-        <p:nvPicPr>
-          <p:cNvPr id="5" name="Picture 4"/>
+          <p:cNvPr id="4" name="Picture 3"/>
           <p:cNvPicPr>
             <a:picLocks noChangeAspect="1"/>
           </p:cNvPicPr>
           <p:nvPr/>
         </p:nvPicPr>
-        <p:blipFill>
-          <a:blip r:embed="rId4" cstate="screen">
+        <p:blipFill rotWithShape="1">
+          <a:blip r:embed="rId2">
             <a:extLst>
               <a:ext uri="{28A0092B-C50C-407E-A947-70E740481C1C}">
-                <a14:useLocalDpi xmlns:a14="http://schemas.microsoft.com/office/drawing/2010/main"/>
+                <a14:useLocalDpi xmlns:a14="http://schemas.microsoft.com/office/drawing/2010/main" val="0"/>
               </a:ext>
             </a:extLst>
           </a:blip>
-          <a:stretch>
-            <a:fillRect/>
-          </a:stretch>
+          <a:srcRect l="4523" t="17619" r="3095" b="25000"/>
+          <a:stretch/>
         </p:blipFill>
         <p:spPr>
           <a:xfrm>
-            <a:off x="402305" y="5723590"/>
-            <a:ext cx="1019503" cy="975325"/>
+            <a:off x="3711108" y="4592409"/>
+            <a:ext cx="1700816" cy="1056435"/>
           </a:xfrm>
           <a:prstGeom prst="rect">
             <a:avLst/>
@@ -4639,20 +7813,13 @@
     </p:spTree>
     <p:extLst>
       <p:ext uri="{BB962C8B-B14F-4D97-AF65-F5344CB8AC3E}">
-        <p14:creationId xmlns:p14="http://schemas.microsoft.com/office/powerpoint/2010/main" val="2169424735"/>
+        <p14:creationId xmlns:p14="http://schemas.microsoft.com/office/powerpoint/2010/main" val="1628225586"/>
       </p:ext>
     </p:extLst>
   </p:cSld>
   <p:clrMapOvr>
     <a:masterClrMapping/>
   </p:clrMapOvr>
-  <p:timing>
-    <p:tnLst>
-      <p:par>
-        <p:cTn id="1" dur="indefinite" restart="never" nodeType="tmRoot"/>
-      </p:par>
-    </p:tnLst>
-  </p:timing>
 </p:sld>
 </file>
 
@@ -8283,6 +11450,52 @@
             </a:endParaRPr>
           </a:p>
           <a:p>
+            <a:endParaRPr lang="en-US" dirty="0"/>
+          </a:p>
+        </p:txBody>
+      </p:sp>
+      <p:sp>
+        <p:nvSpPr>
+          <p:cNvPr id="8" name="Footer Placeholder 7"/>
+          <p:cNvSpPr>
+            <a:spLocks noGrp="1"/>
+          </p:cNvSpPr>
+          <p:nvPr>
+            <p:ph type="ftr" sz="quarter" idx="11"/>
+          </p:nvPr>
+        </p:nvSpPr>
+        <p:spPr/>
+        <p:txBody>
+          <a:bodyPr/>
+          <a:lstStyle/>
+          <a:p>
+            <a:r>
+              <a:rPr lang="en-US" smtClean="0"/>
+              <a:t>Copyright © EV3Lessons.com 2015 (Last edit: 2/26/2015)</a:t>
+            </a:r>
+            <a:endParaRPr lang="en-US"/>
+          </a:p>
+        </p:txBody>
+      </p:sp>
+      <p:sp>
+        <p:nvSpPr>
+          <p:cNvPr id="13" name="Slide Number Placeholder 12"/>
+          <p:cNvSpPr>
+            <a:spLocks noGrp="1"/>
+          </p:cNvSpPr>
+          <p:nvPr>
+            <p:ph type="sldNum" sz="quarter" idx="12"/>
+          </p:nvPr>
+        </p:nvSpPr>
+        <p:spPr/>
+        <p:txBody>
+          <a:bodyPr/>
+          <a:lstStyle/>
+          <a:p>
+            <a:fld id="{4DBC7FC8-25FB-FC45-8177-2B991DA6778C}" type="slidenum">
+              <a:rPr lang="en-US" smtClean="0"/>
+              <a:t>6</a:t>
+            </a:fld>
             <a:endParaRPr lang="en-US" dirty="0"/>
           </a:p>
         </p:txBody>
@@ -8543,29 +11756,6 @@
           </a:p>
         </p:txBody>
       </p:sp>
-      <p:sp>
-        <p:nvSpPr>
-          <p:cNvPr id="8" name="Footer Placeholder 7"/>
-          <p:cNvSpPr>
-            <a:spLocks noGrp="1"/>
-          </p:cNvSpPr>
-          <p:nvPr>
-            <p:ph type="ftr" sz="quarter" idx="11"/>
-          </p:nvPr>
-        </p:nvSpPr>
-        <p:spPr/>
-        <p:txBody>
-          <a:bodyPr/>
-          <a:lstStyle/>
-          <a:p>
-            <a:r>
-              <a:rPr lang="en-US" smtClean="0"/>
-              <a:t>Copyright © EV3Lessons.com 2015 (Last edit: 2/26/2015)</a:t>
-            </a:r>
-            <a:endParaRPr lang="en-US"/>
-          </a:p>
-        </p:txBody>
-      </p:sp>
       <p:grpSp>
         <p:nvGrpSpPr>
           <p:cNvPr id="14" name="Group 13"/>
@@ -8842,29 +12032,6 @@
           </p:txBody>
         </p:sp>
       </p:grpSp>
-      <p:sp>
-        <p:nvSpPr>
-          <p:cNvPr id="13" name="Slide Number Placeholder 12"/>
-          <p:cNvSpPr>
-            <a:spLocks noGrp="1"/>
-          </p:cNvSpPr>
-          <p:nvPr>
-            <p:ph type="sldNum" sz="quarter" idx="12"/>
-          </p:nvPr>
-        </p:nvSpPr>
-        <p:spPr/>
-        <p:txBody>
-          <a:bodyPr/>
-          <a:lstStyle/>
-          <a:p>
-            <a:fld id="{4DBC7FC8-25FB-FC45-8177-2B991DA6778C}" type="slidenum">
-              <a:rPr lang="en-US" smtClean="0"/>
-              <a:t>6</a:t>
-            </a:fld>
-            <a:endParaRPr lang="en-US" dirty="0"/>
-          </a:p>
-        </p:txBody>
-      </p:sp>
       <p:pic>
         <p:nvPicPr>
           <p:cNvPr id="29" name="Picture 28"/>
@@ -10865,257 +14032,229 @@
             <p:ph type="title"/>
           </p:nvPr>
         </p:nvSpPr>
-        <p:spPr>
-          <a:xfrm>
-            <a:off x="356665" y="439032"/>
-            <a:ext cx="8245475" cy="1371600"/>
-          </a:xfrm>
-        </p:spPr>
+        <p:spPr/>
         <p:txBody>
           <a:bodyPr/>
           <a:lstStyle/>
           <a:p>
             <a:r>
               <a:rPr lang="en-US" dirty="0" err="1" smtClean="0"/>
-              <a:t>CRéDIToS</a:t>
+              <a:t>créditos</a:t>
+            </a:r>
+            <a:endParaRPr lang="en-US" dirty="0"/>
+          </a:p>
+        </p:txBody>
+      </p:sp>
+      <p:sp>
+        <p:nvSpPr>
+          <p:cNvPr id="3" name="Content Placeholder 2"/>
+          <p:cNvSpPr>
+            <a:spLocks noGrp="1"/>
+          </p:cNvSpPr>
+          <p:nvPr>
+            <p:ph idx="1"/>
+          </p:nvPr>
+        </p:nvSpPr>
+        <p:spPr/>
+        <p:txBody>
+          <a:bodyPr/>
+          <a:lstStyle/>
+          <a:p>
+            <a:r>
+              <a:rPr lang="en-US" dirty="0" err="1" smtClean="0"/>
+              <a:t>Esse</a:t>
+            </a:r>
+            <a:r>
+              <a:rPr lang="en-US" dirty="0" smtClean="0"/>
+              <a:t> tutorial </a:t>
+            </a:r>
+            <a:r>
+              <a:rPr lang="en-US" dirty="0" err="1" smtClean="0"/>
+              <a:t>foi</a:t>
+            </a:r>
+            <a:r>
+              <a:rPr lang="en-US" dirty="0" smtClean="0"/>
+              <a:t> </a:t>
+            </a:r>
+            <a:r>
+              <a:rPr lang="en-US" dirty="0" err="1" smtClean="0"/>
+              <a:t>criado</a:t>
+            </a:r>
+            <a:r>
+              <a:rPr lang="en-US" dirty="0" smtClean="0"/>
+              <a:t> </a:t>
+            </a:r>
+            <a:r>
+              <a:rPr lang="en-US" dirty="0" err="1" smtClean="0"/>
+              <a:t>por</a:t>
+            </a:r>
+            <a:r>
+              <a:rPr lang="en-US" dirty="0" smtClean="0"/>
+              <a:t> Sanjay Seshan e Arvind Seshan </a:t>
+            </a:r>
+          </a:p>
+          <a:p>
+            <a:r>
+              <a:rPr lang="en-US" dirty="0" err="1" smtClean="0"/>
+              <a:t>Mais</a:t>
+            </a:r>
+            <a:r>
+              <a:rPr lang="en-US" dirty="0" smtClean="0"/>
+              <a:t> </a:t>
+            </a:r>
+            <a:r>
+              <a:rPr lang="en-US" dirty="0" err="1" smtClean="0"/>
+              <a:t>lições</a:t>
+            </a:r>
+            <a:r>
+              <a:rPr lang="en-US" dirty="0" smtClean="0"/>
+              <a:t> </a:t>
+            </a:r>
+            <a:r>
+              <a:rPr lang="en-US" dirty="0" err="1" smtClean="0"/>
+              <a:t>etão</a:t>
+            </a:r>
+            <a:r>
+              <a:rPr lang="en-US" dirty="0" smtClean="0"/>
+              <a:t> </a:t>
+            </a:r>
+            <a:r>
+              <a:rPr lang="en-US" dirty="0" err="1" smtClean="0"/>
+              <a:t>disponíveis</a:t>
+            </a:r>
+            <a:r>
+              <a:rPr lang="en-US" dirty="0" smtClean="0"/>
+              <a:t> </a:t>
+            </a:r>
+            <a:r>
+              <a:rPr lang="en-US" dirty="0" err="1" smtClean="0"/>
+              <a:t>em</a:t>
+            </a:r>
+            <a:r>
+              <a:rPr lang="en-US" dirty="0" smtClean="0"/>
+              <a:t> </a:t>
+            </a:r>
+            <a:r>
+              <a:rPr lang="en-US" dirty="0" smtClean="0">
+                <a:hlinkClick r:id="rId3"/>
+              </a:rPr>
+              <a:t>www.ev3lessons.com</a:t>
+            </a:r>
+            <a:endParaRPr lang="en-US" dirty="0" smtClean="0"/>
+          </a:p>
+          <a:p>
+            <a:r>
+              <a:rPr lang="en-US" dirty="0" err="1"/>
+              <a:t>Esta</a:t>
+            </a:r>
+            <a:r>
+              <a:rPr lang="en-US" dirty="0"/>
+              <a:t> </a:t>
+            </a:r>
+            <a:r>
+              <a:rPr lang="en-US" dirty="0" err="1"/>
+              <a:t>lição</a:t>
+            </a:r>
+            <a:r>
+              <a:rPr lang="en-US" dirty="0"/>
+              <a:t> </a:t>
+            </a:r>
+            <a:r>
+              <a:rPr lang="en-US" dirty="0" err="1"/>
+              <a:t>foi</a:t>
+            </a:r>
+            <a:r>
+              <a:rPr lang="en-US" dirty="0"/>
+              <a:t> </a:t>
+            </a:r>
+            <a:r>
+              <a:rPr lang="en-US" dirty="0" err="1"/>
+              <a:t>traduzida</a:t>
+            </a:r>
+            <a:r>
+              <a:rPr lang="en-US" dirty="0"/>
+              <a:t> </a:t>
+            </a:r>
+            <a:r>
+              <a:rPr lang="en-US" dirty="0" err="1"/>
+              <a:t>por</a:t>
+            </a:r>
+            <a:r>
+              <a:rPr lang="en-US" dirty="0"/>
+              <a:t> Luiz Gabriel Vieira Costa da </a:t>
+            </a:r>
+            <a:r>
+              <a:rPr lang="en-US" dirty="0" err="1"/>
+              <a:t>Equipe</a:t>
+            </a:r>
+            <a:r>
+              <a:rPr lang="en-US" dirty="0"/>
+              <a:t> TILT</a:t>
             </a:r>
             <a:r>
               <a:rPr lang="en-US" dirty="0" smtClean="0"/>
               <a:t>.</a:t>
             </a:r>
+          </a:p>
+          <a:p>
+            <a:r>
+              <a:rPr lang="en-US" dirty="0" smtClean="0"/>
+              <a:t/>
+            </a:r>
+            <a:br>
+              <a:rPr lang="en-US" dirty="0" smtClean="0"/>
+            </a:br>
+            <a:endParaRPr lang="en-US" dirty="0" smtClean="0"/>
+          </a:p>
+        </p:txBody>
+      </p:sp>
+      <p:sp>
+        <p:nvSpPr>
+          <p:cNvPr id="4" name="Footer Placeholder 3"/>
+          <p:cNvSpPr>
+            <a:spLocks noGrp="1"/>
+          </p:cNvSpPr>
+          <p:nvPr>
+            <p:ph type="ftr" sz="quarter" idx="11"/>
+          </p:nvPr>
+        </p:nvSpPr>
+        <p:spPr/>
+        <p:txBody>
+          <a:bodyPr/>
+          <a:lstStyle/>
+          <a:p>
+            <a:r>
+              <a:rPr lang="en-US" dirty="0" smtClean="0"/>
+              <a:t>© 2015 EV3Lessons.com (</a:t>
+            </a:r>
+            <a:r>
+              <a:rPr lang="en-US" dirty="0" err="1" smtClean="0"/>
+              <a:t>Última</a:t>
+            </a:r>
+            <a:r>
+              <a:rPr lang="en-US" dirty="0" smtClean="0"/>
+              <a:t> </a:t>
+            </a:r>
+            <a:r>
+              <a:rPr lang="en-US" dirty="0" err="1" smtClean="0"/>
+              <a:t>edição</a:t>
+            </a:r>
+            <a:r>
+              <a:rPr lang="en-US" dirty="0" smtClean="0"/>
+              <a:t>: 27/06/2015)</a:t>
+            </a:r>
             <a:endParaRPr lang="en-US" dirty="0"/>
           </a:p>
         </p:txBody>
       </p:sp>
       <p:sp>
         <p:nvSpPr>
-          <p:cNvPr id="3" name="Content Placeholder 2"/>
-          <p:cNvSpPr>
-            <a:spLocks noGrp="1"/>
-          </p:cNvSpPr>
-          <p:nvPr>
-            <p:ph idx="1"/>
-          </p:nvPr>
-        </p:nvSpPr>
-        <p:spPr>
-          <a:xfrm>
-            <a:off x="457200" y="1124832"/>
-            <a:ext cx="8245474" cy="4963057"/>
-          </a:xfrm>
-        </p:spPr>
-        <p:txBody>
-          <a:bodyPr>
-            <a:noAutofit/>
-          </a:bodyPr>
-          <a:lstStyle/>
-          <a:p>
-            <a:pPr marL="342900" indent="-342900">
-              <a:buFont typeface="Arial"/>
-              <a:buChar char="•"/>
-            </a:pPr>
-            <a:r>
-              <a:rPr lang="en-US" sz="1800" dirty="0" err="1"/>
-              <a:t>Esta</a:t>
-            </a:r>
-            <a:r>
-              <a:rPr lang="en-US" sz="1800" dirty="0"/>
-              <a:t> </a:t>
-            </a:r>
-            <a:r>
-              <a:rPr lang="en-US" sz="1800" dirty="0" err="1"/>
-              <a:t>lição</a:t>
-            </a:r>
-            <a:r>
-              <a:rPr lang="en-US" sz="1800" dirty="0"/>
-              <a:t> </a:t>
-            </a:r>
-            <a:r>
-              <a:rPr lang="en-US" sz="1800" dirty="0" err="1"/>
-              <a:t>foi</a:t>
-            </a:r>
-            <a:r>
-              <a:rPr lang="en-US" sz="1800" dirty="0"/>
-              <a:t> </a:t>
-            </a:r>
-            <a:r>
-              <a:rPr lang="en-US" sz="1800" dirty="0" err="1"/>
-              <a:t>escrita</a:t>
-            </a:r>
-            <a:r>
-              <a:rPr lang="en-US" sz="1800" dirty="0"/>
-              <a:t> </a:t>
-            </a:r>
-            <a:r>
-              <a:rPr lang="en-US" sz="1800" dirty="0" err="1"/>
-              <a:t>por</a:t>
-            </a:r>
-            <a:r>
-              <a:rPr lang="en-US" sz="1800" dirty="0"/>
-              <a:t> Sanjay e </a:t>
-            </a:r>
-            <a:r>
-              <a:rPr lang="en-US" sz="1800" dirty="0" err="1"/>
-              <a:t>Arvind</a:t>
-            </a:r>
-            <a:r>
-              <a:rPr lang="en-US" sz="1800" dirty="0"/>
-              <a:t> </a:t>
-            </a:r>
-            <a:r>
-              <a:rPr lang="en-US" sz="1800" dirty="0" err="1"/>
-              <a:t>Seshan</a:t>
-            </a:r>
-            <a:r>
-              <a:rPr lang="en-US" sz="1800" dirty="0"/>
-              <a:t> do Droids Robotics</a:t>
-            </a:r>
-            <a:r>
-              <a:rPr lang="en-US" sz="1800" dirty="0" smtClean="0"/>
-              <a:t>.</a:t>
-            </a:r>
-          </a:p>
-          <a:p>
-            <a:pPr marL="342900" indent="-342900">
-              <a:buFont typeface="Arial"/>
-              <a:buChar char="•"/>
-            </a:pPr>
-            <a:r>
-              <a:rPr lang="en-US" sz="1800" dirty="0" err="1" smtClean="0"/>
-              <a:t>Esta</a:t>
-            </a:r>
-            <a:r>
-              <a:rPr lang="en-US" sz="1800" dirty="0" smtClean="0"/>
-              <a:t> </a:t>
-            </a:r>
-            <a:r>
-              <a:rPr lang="en-US" sz="1800" dirty="0" err="1" smtClean="0"/>
-              <a:t>lição</a:t>
-            </a:r>
-            <a:r>
-              <a:rPr lang="en-US" sz="1800" dirty="0" smtClean="0"/>
-              <a:t> </a:t>
-            </a:r>
-            <a:r>
-              <a:rPr lang="en-US" sz="1800" dirty="0" err="1" smtClean="0"/>
-              <a:t>foi</a:t>
-            </a:r>
-            <a:r>
-              <a:rPr lang="en-US" sz="1800" dirty="0" smtClean="0"/>
-              <a:t> </a:t>
-            </a:r>
-            <a:r>
-              <a:rPr lang="en-US" sz="1800" dirty="0" err="1" smtClean="0"/>
-              <a:t>traduzida</a:t>
-            </a:r>
-            <a:r>
-              <a:rPr lang="en-US" sz="1800" dirty="0" smtClean="0"/>
-              <a:t> </a:t>
-            </a:r>
-            <a:r>
-              <a:rPr lang="en-US" sz="1800" dirty="0" err="1" smtClean="0"/>
-              <a:t>por</a:t>
-            </a:r>
-            <a:r>
-              <a:rPr lang="en-US" sz="1800" dirty="0" smtClean="0"/>
-              <a:t> Luiz Gabriel Vieira Costa da </a:t>
-            </a:r>
-            <a:r>
-              <a:rPr lang="en-US" sz="1800" dirty="0" err="1" smtClean="0"/>
-              <a:t>Equipe</a:t>
-            </a:r>
-            <a:r>
-              <a:rPr lang="en-US" sz="1800" dirty="0" smtClean="0"/>
-              <a:t> TILT.</a:t>
-            </a:r>
-          </a:p>
-          <a:p>
-            <a:pPr marL="342900" indent="-342900">
-              <a:buFont typeface="Arial"/>
-              <a:buChar char="•"/>
-            </a:pPr>
-            <a:r>
-              <a:rPr lang="en-US" sz="1800" dirty="0" err="1" smtClean="0"/>
-              <a:t>Mais</a:t>
-            </a:r>
-            <a:r>
-              <a:rPr lang="en-US" sz="1800" dirty="0" smtClean="0"/>
-              <a:t> </a:t>
-            </a:r>
-            <a:r>
-              <a:rPr lang="en-US" sz="1800" dirty="0" err="1" smtClean="0"/>
-              <a:t>lições</a:t>
-            </a:r>
-            <a:r>
-              <a:rPr lang="en-US" sz="1800" dirty="0" smtClean="0"/>
-              <a:t> </a:t>
-            </a:r>
-            <a:r>
-              <a:rPr lang="en-US" sz="1800" dirty="0" err="1" smtClean="0"/>
-              <a:t>estão</a:t>
-            </a:r>
-            <a:r>
-              <a:rPr lang="en-US" sz="1800" dirty="0" smtClean="0"/>
-              <a:t> </a:t>
-            </a:r>
-            <a:r>
-              <a:rPr lang="en-US" sz="1800" dirty="0" err="1" smtClean="0"/>
-              <a:t>disponíveis</a:t>
-            </a:r>
-            <a:r>
-              <a:rPr lang="en-US" sz="1800" dirty="0" smtClean="0"/>
-              <a:t> </a:t>
-            </a:r>
-            <a:r>
-              <a:rPr lang="en-US" sz="1800" dirty="0" err="1" smtClean="0"/>
-              <a:t>em</a:t>
-            </a:r>
-            <a:r>
-              <a:rPr lang="en-US" sz="1800" dirty="0" smtClean="0"/>
-              <a:t> www.ev3lessons.com</a:t>
-            </a:r>
-          </a:p>
-          <a:p>
-            <a:pPr marL="342900" indent="-342900">
-              <a:buFont typeface="Arial"/>
-              <a:buChar char="•"/>
-            </a:pPr>
-            <a:r>
-              <a:rPr lang="en-US" sz="1800" dirty="0" smtClean="0"/>
-              <a:t>Email do </a:t>
-            </a:r>
-            <a:r>
-              <a:rPr lang="en-US" sz="1800" dirty="0" err="1" smtClean="0"/>
-              <a:t>autor</a:t>
-            </a:r>
-            <a:r>
-              <a:rPr lang="en-US" sz="1800" dirty="0" smtClean="0"/>
-              <a:t>: </a:t>
-            </a:r>
-            <a:r>
-              <a:rPr lang="en-US" sz="1800" dirty="0" smtClean="0">
-                <a:hlinkClick r:id="rId2"/>
-              </a:rPr>
-              <a:t>team@droidsrobotics.org</a:t>
-            </a:r>
-            <a:r>
-              <a:rPr lang="en-US" sz="1800" b="0" dirty="0"/>
-              <a:t/>
-            </a:r>
-            <a:br>
-              <a:rPr lang="en-US" sz="1800" b="0" dirty="0"/>
-            </a:br>
-            <a:endParaRPr lang="en-US" sz="1800" dirty="0" smtClean="0"/>
-          </a:p>
-        </p:txBody>
-      </p:sp>
-      <p:sp>
-        <p:nvSpPr>
-          <p:cNvPr id="4" name="Footer Placeholder 3"/>
-          <p:cNvSpPr>
-            <a:spLocks noGrp="1"/>
-          </p:cNvSpPr>
-          <p:nvPr>
-            <p:ph type="ftr" sz="quarter" idx="11"/>
+          <p:cNvPr id="9" name="Slide Number Placeholder 8"/>
+          <p:cNvSpPr>
+            <a:spLocks noGrp="1"/>
+          </p:cNvSpPr>
+          <p:nvPr>
+            <p:ph type="sldNum" sz="quarter" idx="12"/>
           </p:nvPr>
         </p:nvSpPr>
         <p:spPr/>
@@ -11123,11 +14262,12 @@
           <a:bodyPr/>
           <a:lstStyle/>
           <a:p>
-            <a:r>
-              <a:rPr lang="en-US" smtClean="0"/>
-              <a:t>© EV3Lessons.com, 2015, (Last edit: 11/04/2015)</a:t>
-            </a:r>
-            <a:endParaRPr lang="en-US" dirty="0"/>
+            <a:fld id="{4DBC7FC8-25FB-FC45-8177-2B991DA6778C}" type="slidenum">
+              <a:rPr lang="en-US" smtClean="0"/>
+              <a:pPr/>
+              <a:t>9</a:t>
+            </a:fld>
+            <a:endParaRPr lang="en-US"/>
           </a:p>
         </p:txBody>
       </p:sp>
@@ -11155,8 +14295,8 @@
           </a:ln>
           <a:effectLst/>
           <a:extLst>
-            <a:ext uri="{91240B29-F687-4f45-9708-019B960494DF}">
-              <a14:hiddenLine xmlns:a14="http://schemas.microsoft.com/office/drawing/2010/main" xmlns="" w="9525">
+            <a:ext uri="{91240B29-F687-4F45-9708-019B960494DF}">
+              <a14:hiddenLine xmlns:a14="http://schemas.microsoft.com/office/drawing/2010/main" w="9525">
                 <a:solidFill>
                   <a:schemeClr val="tx1"/>
                 </a:solidFill>
@@ -11165,8 +14305,8 @@
                 <a:tailEnd/>
               </a14:hiddenLine>
             </a:ext>
-            <a:ext uri="{AF507438-7753-43e0-B8FC-AC1667EBCBE1}">
-              <a14:hiddenEffects xmlns:a14="http://schemas.microsoft.com/office/drawing/2010/main" xmlns="">
+            <a:ext uri="{AF507438-7753-43E0-B8FC-AC1667EBCBE1}">
+              <a14:hiddenEffects xmlns:a14="http://schemas.microsoft.com/office/drawing/2010/main">
                 <a:effectLst>
                   <a:outerShdw dist="35921" dir="2700000" algn="ctr" rotWithShape="0">
                     <a:schemeClr val="bg2"/>
@@ -11312,7 +14452,22 @@
             </a:lvl9pPr>
           </a:lstStyle>
           <a:p>
-            <a:pPr lvl="0" algn="ctr" defTabSz="914400"/>
+            <a:pPr marL="0" marR="0" lvl="0" indent="0" algn="ctr" defTabSz="914400" rtl="0" eaLnBrk="0" fontAlgn="base" latinLnBrk="0" hangingPunct="0">
+              <a:lnSpc>
+                <a:spcPct val="100000"/>
+              </a:lnSpc>
+              <a:spcBef>
+                <a:spcPct val="0"/>
+              </a:spcBef>
+              <a:spcAft>
+                <a:spcPct val="0"/>
+              </a:spcAft>
+              <a:buClrTx/>
+              <a:buSzTx/>
+              <a:buFontTx/>
+              <a:buNone/>
+              <a:tabLst/>
+            </a:pPr>
             <a:r>
               <a:rPr kumimoji="0" lang="en-US" altLang="en-US" sz="2000" b="0" i="0" u="none" strike="noStrike" cap="none" normalizeH="0" baseline="0" dirty="0" smtClean="0">
                 <a:ln>
@@ -11350,67 +14505,17 @@
               </a:rPr>
             </a:br>
             <a:r>
-              <a:rPr lang="en-US" altLang="en-US" sz="2000" dirty="0">
+              <a:rPr kumimoji="0" lang="en-US" altLang="en-US" sz="2000" b="0" i="0" u="none" strike="noStrike" cap="none" normalizeH="0" baseline="0" dirty="0" err="1" smtClean="0">
+                <a:ln>
+                  <a:noFill/>
+                </a:ln>
                 <a:solidFill>
                   <a:srgbClr val="000000"/>
                 </a:solidFill>
+                <a:effectLst/>
                 <a:latin typeface="Helvetica Neue"/>
               </a:rPr>
-              <a:t>Este </a:t>
-            </a:r>
-            <a:r>
-              <a:rPr lang="en-US" altLang="en-US" sz="2000" dirty="0" err="1">
-                <a:solidFill>
-                  <a:srgbClr val="000000"/>
-                </a:solidFill>
-                <a:latin typeface="Helvetica Neue"/>
-              </a:rPr>
-              <a:t>trabalho</a:t>
-            </a:r>
-            <a:r>
-              <a:rPr lang="en-US" altLang="en-US" sz="2000" dirty="0">
-                <a:solidFill>
-                  <a:srgbClr val="000000"/>
-                </a:solidFill>
-                <a:latin typeface="Helvetica Neue"/>
-              </a:rPr>
-              <a:t> é </a:t>
-            </a:r>
-            <a:r>
-              <a:rPr lang="en-US" altLang="en-US" sz="2000" dirty="0" err="1">
-                <a:solidFill>
-                  <a:srgbClr val="000000"/>
-                </a:solidFill>
-                <a:latin typeface="Helvetica Neue"/>
-              </a:rPr>
-              <a:t>licenciado</a:t>
-            </a:r>
-            <a:r>
-              <a:rPr lang="en-US" altLang="en-US" sz="2000" dirty="0">
-                <a:solidFill>
-                  <a:srgbClr val="000000"/>
-                </a:solidFill>
-                <a:latin typeface="Helvetica Neue"/>
-              </a:rPr>
-              <a:t> </a:t>
-            </a:r>
-            <a:r>
-              <a:rPr lang="en-US" altLang="en-US" sz="2000" dirty="0" err="1">
-                <a:solidFill>
-                  <a:srgbClr val="000000"/>
-                </a:solidFill>
-                <a:latin typeface="Helvetica Neue"/>
-              </a:rPr>
-              <a:t>por</a:t>
-            </a:r>
-            <a:r>
-              <a:rPr lang="en-US" altLang="en-US" sz="2000" dirty="0">
-                <a:solidFill>
-                  <a:srgbClr val="000000"/>
-                </a:solidFill>
-                <a:latin typeface="Helvetica Neue"/>
-              </a:rPr>
-              <a:t> </a:t>
+              <a:t>Esse</a:t>
             </a:r>
             <a:r>
               <a:rPr kumimoji="0" lang="en-US" altLang="en-US" sz="2000" b="0" i="0" u="none" strike="noStrike" cap="none" normalizeH="0" baseline="0" dirty="0" smtClean="0">
@@ -11423,7 +14528,20 @@
                 <a:effectLst/>
                 <a:latin typeface="Helvetica Neue"/>
               </a:rPr>
-              <a:t> </a:t>
+              <a:t> </a:t>
+            </a:r>
+            <a:r>
+              <a:rPr kumimoji="0" lang="en-US" altLang="en-US" sz="2000" b="0" i="0" u="none" strike="noStrike" cap="none" normalizeH="0" baseline="0" dirty="0" err="1" smtClean="0">
+                <a:ln>
+                  <a:noFill/>
+                </a:ln>
+                <a:solidFill>
+                  <a:srgbClr val="000000"/>
+                </a:solidFill>
+                <a:effectLst/>
+                <a:latin typeface="Helvetica Neue"/>
+              </a:rPr>
+              <a:t>trabalho</a:t>
             </a:r>
             <a:r>
               <a:rPr kumimoji="0" lang="en-US" altLang="en-US" sz="2000" b="0" i="0" u="none" strike="noStrike" cap="none" normalizeH="0" baseline="0" dirty="0" smtClean="0">
@@ -11431,13 +14549,12 @@
                   <a:noFill/>
                 </a:ln>
                 <a:solidFill>
-                  <a:srgbClr val="4374B7"/>
+                  <a:srgbClr val="000000"/>
                 </a:solidFill>
                 <a:effectLst/>
                 <a:latin typeface="Helvetica Neue"/>
-                <a:hlinkClick r:id="rId3"/>
               </a:rPr>
-              <a:t>Creative Commons Attribution-</a:t>
+              <a:t> </a:t>
             </a:r>
             <a:r>
               <a:rPr kumimoji="0" lang="en-US" altLang="en-US" sz="2000" b="0" i="0" u="none" strike="noStrike" cap="none" normalizeH="0" baseline="0" dirty="0" err="1" smtClean="0">
@@ -11445,13 +14562,12 @@
                   <a:noFill/>
                 </a:ln>
                 <a:solidFill>
-                  <a:srgbClr val="4374B7"/>
+                  <a:srgbClr val="000000"/>
                 </a:solidFill>
                 <a:effectLst/>
                 <a:latin typeface="Helvetica Neue"/>
-                <a:hlinkClick r:id="rId3"/>
               </a:rPr>
-              <a:t>NonCommercial</a:t>
+              <a:t>está</a:t>
             </a:r>
             <a:r>
               <a:rPr kumimoji="0" lang="en-US" altLang="en-US" sz="2000" b="0" i="0" u="none" strike="noStrike" cap="none" normalizeH="0" baseline="0" dirty="0" smtClean="0">
@@ -11459,13 +14575,12 @@
                   <a:noFill/>
                 </a:ln>
                 <a:solidFill>
-                  <a:srgbClr val="4374B7"/>
+                  <a:srgbClr val="000000"/>
                 </a:solidFill>
                 <a:effectLst/>
                 <a:latin typeface="Helvetica Neue"/>
-                <a:hlinkClick r:id="rId3"/>
               </a:rPr>
-              <a:t>-</a:t>
+              <a:t> </a:t>
             </a:r>
             <a:r>
               <a:rPr kumimoji="0" lang="en-US" altLang="en-US" sz="2000" b="0" i="0" u="none" strike="noStrike" cap="none" normalizeH="0" baseline="0" dirty="0" err="1" smtClean="0">
@@ -11473,13 +14588,12 @@
                   <a:noFill/>
                 </a:ln>
                 <a:solidFill>
-                  <a:srgbClr val="4374B7"/>
+                  <a:srgbClr val="000000"/>
                 </a:solidFill>
                 <a:effectLst/>
                 <a:latin typeface="Helvetica Neue"/>
-                <a:hlinkClick r:id="rId3"/>
               </a:rPr>
-              <a:t>ShareAlike</a:t>
+              <a:t>licensiado</a:t>
             </a:r>
             <a:r>
               <a:rPr kumimoji="0" lang="en-US" altLang="en-US" sz="2000" b="0" i="0" u="none" strike="noStrike" cap="none" normalizeH="0" baseline="0" dirty="0" smtClean="0">
@@ -11487,11 +14601,106 @@
                   <a:noFill/>
                 </a:ln>
                 <a:solidFill>
-                  <a:srgbClr val="4374B7"/>
+                  <a:srgbClr val="000000"/>
                 </a:solidFill>
                 <a:effectLst/>
                 <a:latin typeface="Helvetica Neue"/>
-                <a:hlinkClick r:id="rId3"/>
+              </a:rPr>
+              <a:t> </a:t>
+            </a:r>
+            <a:r>
+              <a:rPr kumimoji="0" lang="en-US" altLang="en-US" sz="2000" b="0" i="0" u="none" strike="noStrike" cap="none" normalizeH="0" baseline="0" dirty="0" err="1" smtClean="0">
+                <a:ln>
+                  <a:noFill/>
+                </a:ln>
+                <a:solidFill>
+                  <a:srgbClr val="000000"/>
+                </a:solidFill>
+                <a:effectLst/>
+                <a:latin typeface="Helvetica Neue"/>
+              </a:rPr>
+              <a:t>sobre</a:t>
+            </a:r>
+            <a:r>
+              <a:rPr kumimoji="0" lang="en-US" altLang="en-US" sz="2000" b="0" i="0" u="none" strike="noStrike" cap="none" normalizeH="0" baseline="0" dirty="0" smtClean="0">
+                <a:ln>
+                  <a:noFill/>
+                </a:ln>
+                <a:solidFill>
+                  <a:srgbClr val="000000"/>
+                </a:solidFill>
+                <a:effectLst/>
+                <a:latin typeface="Helvetica Neue"/>
+              </a:rPr>
+              <a:t> </a:t>
+            </a:r>
+            <a:r>
+              <a:rPr kumimoji="0" lang="en-US" altLang="en-US" sz="2000" b="0" i="0" u="none" strike="noStrike" cap="none" normalizeH="0" baseline="0" dirty="0" smtClean="0">
+                <a:ln>
+                  <a:noFill/>
+                </a:ln>
+                <a:solidFill>
+                  <a:srgbClr val="4374B7"/>
+                </a:solidFill>
+                <a:effectLst/>
+                <a:latin typeface="Helvetica Neue"/>
+                <a:hlinkClick r:id="rId4"/>
+              </a:rPr>
+              <a:t>Creative Commons Attribution-</a:t>
+            </a:r>
+            <a:r>
+              <a:rPr kumimoji="0" lang="en-US" altLang="en-US" sz="2000" b="0" i="0" u="none" strike="noStrike" cap="none" normalizeH="0" baseline="0" dirty="0" err="1" smtClean="0">
+                <a:ln>
+                  <a:noFill/>
+                </a:ln>
+                <a:solidFill>
+                  <a:srgbClr val="4374B7"/>
+                </a:solidFill>
+                <a:effectLst/>
+                <a:latin typeface="Helvetica Neue"/>
+                <a:hlinkClick r:id="rId4"/>
+              </a:rPr>
+              <a:t>NonCommercial</a:t>
+            </a:r>
+            <a:r>
+              <a:rPr kumimoji="0" lang="en-US" altLang="en-US" sz="2000" b="0" i="0" u="none" strike="noStrike" cap="none" normalizeH="0" baseline="0" dirty="0" smtClean="0">
+                <a:ln>
+                  <a:noFill/>
+                </a:ln>
+                <a:solidFill>
+                  <a:srgbClr val="4374B7"/>
+                </a:solidFill>
+                <a:effectLst/>
+                <a:latin typeface="Helvetica Neue"/>
+                <a:hlinkClick r:id="rId4"/>
+              </a:rPr>
+              <a:t>-</a:t>
+            </a:r>
+            <a:r>
+              <a:rPr kumimoji="0" lang="en-US" altLang="en-US" sz="2000" b="0" i="0" u="none" strike="noStrike" cap="none" normalizeH="0" baseline="0" dirty="0" err="1" smtClean="0">
+                <a:ln>
+                  <a:noFill/>
+                </a:ln>
+                <a:solidFill>
+                  <a:srgbClr val="4374B7"/>
+                </a:solidFill>
+                <a:effectLst/>
+                <a:latin typeface="Helvetica Neue"/>
+                <a:hlinkClick r:id="rId4"/>
+              </a:rPr>
+              <a:t>ShareAlike</a:t>
+            </a:r>
+            <a:r>
+              <a:rPr kumimoji="0" lang="en-US" altLang="en-US" sz="2000" b="0" i="0" u="none" strike="noStrike" cap="none" normalizeH="0" baseline="0" dirty="0" smtClean="0">
+                <a:ln>
+                  <a:noFill/>
+                </a:ln>
+                <a:solidFill>
+                  <a:srgbClr val="4374B7"/>
+                </a:solidFill>
+                <a:effectLst/>
+                <a:latin typeface="Helvetica Neue"/>
+                <a:hlinkClick r:id="rId4"/>
               </a:rPr>
               <a:t> 4.0 International License</a:t>
             </a:r>
@@ -11536,7 +14745,7 @@
       <p:pic>
         <p:nvPicPr>
           <p:cNvPr id="2050" name="Picture 2" descr="Creative Commons License">
-            <a:hlinkClick r:id="rId3"/>
+            <a:hlinkClick r:id="rId4"/>
           </p:cNvPr>
           <p:cNvPicPr>
             <a:picLocks noChangeAspect="1" noChangeArrowheads="1"/>
@@ -11544,10 +14753,10 @@
           <p:nvPr/>
         </p:nvPicPr>
         <p:blipFill>
-          <a:blip r:embed="rId4">
+          <a:blip r:embed="rId5">
             <a:extLst>
               <a:ext uri="{28A0092B-C50C-407E-A947-70E740481C1C}">
-                <a14:useLocalDpi xmlns:a14="http://schemas.microsoft.com/office/drawing/2010/main"/>
+                <a14:useLocalDpi xmlns:a14="http://schemas.microsoft.com/office/drawing/2010/main" val="0"/>
               </a:ext>
             </a:extLst>
           </a:blip>
@@ -11566,8 +14775,8 @@
           </a:prstGeom>
           <a:noFill/>
           <a:extLst>
-            <a:ext uri="{909E8E84-426E-40dd-AFC4-6F175D3DCCD1}">
-              <a14:hiddenFill xmlns:a14="http://schemas.microsoft.com/office/drawing/2010/main" xmlns="">
+            <a:ext uri="{909E8E84-426E-40DD-AFC4-6F175D3DCCD1}">
+              <a14:hiddenFill xmlns:a14="http://schemas.microsoft.com/office/drawing/2010/main">
                 <a:solidFill>
                   <a:srgbClr val="FFFFFF"/>
                 </a:solidFill>
@@ -11576,33 +14785,10 @@
           </a:extLst>
         </p:spPr>
       </p:pic>
-      <p:sp>
-        <p:nvSpPr>
-          <p:cNvPr id="9" name="Slide Number Placeholder 8"/>
-          <p:cNvSpPr>
-            <a:spLocks noGrp="1"/>
-          </p:cNvSpPr>
-          <p:nvPr>
-            <p:ph type="sldNum" sz="quarter" idx="12"/>
-          </p:nvPr>
-        </p:nvSpPr>
-        <p:spPr/>
-        <p:txBody>
-          <a:bodyPr/>
-          <a:lstStyle/>
-          <a:p>
-            <a:fld id="{4DBC7FC8-25FB-FC45-8177-2B991DA6778C}" type="slidenum">
-              <a:rPr lang="en-US" smtClean="0"/>
-              <a:t>9</a:t>
-            </a:fld>
-            <a:endParaRPr lang="en-US"/>
-          </a:p>
-        </p:txBody>
-      </p:sp>
     </p:spTree>
     <p:extLst>
       <p:ext uri="{BB962C8B-B14F-4D97-AF65-F5344CB8AC3E}">
-        <p14:creationId xmlns:p14="http://schemas.microsoft.com/office/powerpoint/2010/main" val="2351472469"/>
+        <p14:creationId xmlns:p14="http://schemas.microsoft.com/office/powerpoint/2010/main" val="1895061260"/>
       </p:ext>
     </p:extLst>
   </p:cSld>
@@ -11620,7 +14806,7 @@
 </file>
 
 <file path=ppt/theme/theme1.xml><?xml version="1.0" encoding="utf-8"?>
-<a:theme xmlns:a="http://schemas.openxmlformats.org/drawingml/2006/main" name="Essential">
+<a:theme xmlns:a="http://schemas.openxmlformats.org/drawingml/2006/main" name="beginner">
   <a:themeElements>
     <a:clrScheme name="Essential">
       <a:dk1>
@@ -11869,11 +15055,16 @@
   </a:themeElements>
   <a:objectDefaults/>
   <a:extraClrSchemeLst/>
+  <a:extLst>
+    <a:ext uri="{05A4C25C-085E-4340-85A3-A5531E510DB2}">
+      <thm15:themeFamily xmlns:thm15="http://schemas.microsoft.com/office/thememl/2012/main" name="beginner" id="{AEF29D72-34CC-C448-A679-08550D2D21D1}" vid="{04B54D62-7BE5-DF47-9F85-5B9FEF4E3E09}"/>
+    </a:ext>
+  </a:extLst>
 </a:theme>
 </file>
 
 <file path=ppt/theme/theme2.xml><?xml version="1.0" encoding="utf-8"?>
-<a:theme xmlns:a="http://schemas.openxmlformats.org/drawingml/2006/main" name="Office Theme">
+<a:theme xmlns:a="http://schemas.openxmlformats.org/drawingml/2006/main" name="Custom Design">
   <a:themeElements>
     <a:clrScheme name="Office">
       <a:dk1>
@@ -11883,39 +15074,39 @@
         <a:sysClr val="window" lastClr="FFFFFF"/>
       </a:lt1>
       <a:dk2>
-        <a:srgbClr val="1F497D"/>
+        <a:srgbClr val="44546A"/>
       </a:dk2>
       <a:lt2>
-        <a:srgbClr val="EEECE1"/>
+        <a:srgbClr val="E7E6E6"/>
       </a:lt2>
       <a:accent1>
-        <a:srgbClr val="4F81BD"/>
+        <a:srgbClr val="5B9BD5"/>
       </a:accent1>
       <a:accent2>
-        <a:srgbClr val="C0504D"/>
+        <a:srgbClr val="ED7D31"/>
       </a:accent2>
       <a:accent3>
-        <a:srgbClr val="9BBB59"/>
+        <a:srgbClr val="A5A5A5"/>
       </a:accent3>
       <a:accent4>
-        <a:srgbClr val="8064A2"/>
+        <a:srgbClr val="FFC000"/>
       </a:accent4>
       <a:accent5>
-        <a:srgbClr val="4BACC6"/>
+        <a:srgbClr val="4472C4"/>
       </a:accent5>
       <a:accent6>
-        <a:srgbClr val="F79646"/>
+        <a:srgbClr val="70AD47"/>
       </a:accent6>
       <a:hlink>
-        <a:srgbClr val="0000FF"/>
+        <a:srgbClr val="0563C1"/>
       </a:hlink>
       <a:folHlink>
-        <a:srgbClr val="800080"/>
+        <a:srgbClr val="954F72"/>
       </a:folHlink>
     </a:clrScheme>
     <a:fontScheme name="Office">
       <a:majorFont>
-        <a:latin typeface="Calibri"/>
+        <a:latin typeface="Calibri Light"/>
         <a:ea typeface=""/>
         <a:cs typeface=""/>
         <a:font script="Jpan" typeface="ＭＳ Ｐゴシック"/>
@@ -11994,201 +15185,142 @@
           <a:gsLst>
             <a:gs pos="0">
               <a:schemeClr val="phClr">
-                <a:tint val="50000"/>
-                <a:satMod val="300000"/>
+                <a:lumMod val="110000"/>
+                <a:satMod val="105000"/>
+                <a:tint val="67000"/>
               </a:schemeClr>
             </a:gs>
-            <a:gs pos="35000">
+            <a:gs pos="50000">
               <a:schemeClr val="phClr">
-                <a:tint val="37000"/>
-                <a:satMod val="300000"/>
+                <a:lumMod val="105000"/>
+                <a:satMod val="103000"/>
+                <a:tint val="73000"/>
               </a:schemeClr>
             </a:gs>
             <a:gs pos="100000">
               <a:schemeClr val="phClr">
-                <a:tint val="15000"/>
-                <a:satMod val="350000"/>
+                <a:lumMod val="105000"/>
+                <a:satMod val="109000"/>
+                <a:tint val="81000"/>
               </a:schemeClr>
             </a:gs>
           </a:gsLst>
-          <a:lin ang="16200000" scaled="1"/>
+          <a:lin ang="5400000" scaled="0"/>
         </a:gradFill>
         <a:gradFill rotWithShape="1">
           <a:gsLst>
             <a:gs pos="0">
               <a:schemeClr val="phClr">
-                <a:tint val="100000"/>
+                <a:satMod val="103000"/>
+                <a:lumMod val="102000"/>
+                <a:tint val="94000"/>
+              </a:schemeClr>
+            </a:gs>
+            <a:gs pos="50000">
+              <a:schemeClr val="phClr">
+                <a:satMod val="110000"/>
+                <a:lumMod val="100000"/>
                 <a:shade val="100000"/>
-                <a:satMod val="130000"/>
               </a:schemeClr>
             </a:gs>
             <a:gs pos="100000">
               <a:schemeClr val="phClr">
-                <a:tint val="50000"/>
-                <a:shade val="100000"/>
-                <a:satMod val="350000"/>
+                <a:lumMod val="99000"/>
+                <a:satMod val="120000"/>
+                <a:shade val="78000"/>
               </a:schemeClr>
             </a:gs>
           </a:gsLst>
-          <a:lin ang="16200000" scaled="0"/>
+          <a:lin ang="5400000" scaled="0"/>
         </a:gradFill>
       </a:fillStyleLst>
       <a:lnStyleLst>
-        <a:ln w="9525" cap="flat" cmpd="sng" algn="ctr">
-          <a:solidFill>
-            <a:schemeClr val="phClr">
-              <a:shade val="95000"/>
-              <a:satMod val="105000"/>
-            </a:schemeClr>
-          </a:solidFill>
-          <a:prstDash val="solid"/>
-        </a:ln>
-        <a:ln w="25400" cap="flat" cmpd="sng" algn="ctr">
+        <a:ln w="6350" cap="flat" cmpd="sng" algn="ctr">
           <a:solidFill>
             <a:schemeClr val="phClr"/>
           </a:solidFill>
           <a:prstDash val="solid"/>
+          <a:miter lim="800000"/>
         </a:ln>
-        <a:ln w="38100" cap="flat" cmpd="sng" algn="ctr">
+        <a:ln w="12700" cap="flat" cmpd="sng" algn="ctr">
           <a:solidFill>
             <a:schemeClr val="phClr"/>
           </a:solidFill>
           <a:prstDash val="solid"/>
+          <a:miter lim="800000"/>
+        </a:ln>
+        <a:ln w="19050" cap="flat" cmpd="sng" algn="ctr">
+          <a:solidFill>
+            <a:schemeClr val="phClr"/>
+          </a:solidFill>
+          <a:prstDash val="solid"/>
+          <a:miter lim="800000"/>
         </a:ln>
       </a:lnStyleLst>
       <a:effectStyleLst>
         <a:effectStyle>
+          <a:effectLst/>
+        </a:effectStyle>
+        <a:effectStyle>
+          <a:effectLst/>
+        </a:effectStyle>
+        <a:effectStyle>
           <a:effectLst>
-            <a:outerShdw blurRad="40000" dist="20000" dir="5400000" rotWithShape="0">
+            <a:outerShdw blurRad="57150" dist="19050" dir="5400000" algn="ctr" rotWithShape="0">
               <a:srgbClr val="000000">
-                <a:alpha val="38000"/>
+                <a:alpha val="63000"/>
               </a:srgbClr>
             </a:outerShdw>
           </a:effectLst>
-        </a:effectStyle>
-        <a:effectStyle>
-          <a:effectLst>
-            <a:outerShdw blurRad="40000" dist="23000" dir="5400000" rotWithShape="0">
-              <a:srgbClr val="000000">
-                <a:alpha val="35000"/>
-              </a:srgbClr>
-            </a:outerShdw>
-          </a:effectLst>
-        </a:effectStyle>
-        <a:effectStyle>
-          <a:effectLst>
-            <a:outerShdw blurRad="40000" dist="23000" dir="5400000" rotWithShape="0">
-              <a:srgbClr val="000000">
-                <a:alpha val="35000"/>
-              </a:srgbClr>
-            </a:outerShdw>
-          </a:effectLst>
-          <a:scene3d>
-            <a:camera prst="orthographicFront">
-              <a:rot lat="0" lon="0" rev="0"/>
-            </a:camera>
-            <a:lightRig rig="threePt" dir="t">
-              <a:rot lat="0" lon="0" rev="1200000"/>
-            </a:lightRig>
-          </a:scene3d>
-          <a:sp3d>
-            <a:bevelT w="63500" h="25400"/>
-          </a:sp3d>
         </a:effectStyle>
       </a:effectStyleLst>
       <a:bgFillStyleLst>
         <a:solidFill>
           <a:schemeClr val="phClr"/>
         </a:solidFill>
+        <a:solidFill>
+          <a:schemeClr val="phClr">
+            <a:tint val="95000"/>
+            <a:satMod val="170000"/>
+          </a:schemeClr>
+        </a:solidFill>
         <a:gradFill rotWithShape="1">
           <a:gsLst>
             <a:gs pos="0">
               <a:schemeClr val="phClr">
-                <a:tint val="40000"/>
-                <a:satMod val="350000"/>
+                <a:tint val="93000"/>
+                <a:satMod val="150000"/>
+                <a:shade val="98000"/>
+                <a:lumMod val="102000"/>
               </a:schemeClr>
             </a:gs>
-            <a:gs pos="40000">
+            <a:gs pos="50000">
               <a:schemeClr val="phClr">
-                <a:tint val="45000"/>
-                <a:shade val="99000"/>
-                <a:satMod val="350000"/>
+                <a:tint val="98000"/>
+                <a:satMod val="130000"/>
+                <a:shade val="90000"/>
+                <a:lumMod val="103000"/>
               </a:schemeClr>
             </a:gs>
             <a:gs pos="100000">
               <a:schemeClr val="phClr">
-                <a:shade val="20000"/>
-                <a:satMod val="255000"/>
+                <a:shade val="63000"/>
+                <a:satMod val="120000"/>
               </a:schemeClr>
             </a:gs>
           </a:gsLst>
-          <a:path path="circle">
-            <a:fillToRect l="50000" t="-80000" r="50000" b="180000"/>
-          </a:path>
-        </a:gradFill>
-        <a:gradFill rotWithShape="1">
-          <a:gsLst>
-            <a:gs pos="0">
-              <a:schemeClr val="phClr">
-                <a:tint val="80000"/>
-                <a:satMod val="300000"/>
-              </a:schemeClr>
-            </a:gs>
-            <a:gs pos="100000">
-              <a:schemeClr val="phClr">
-                <a:shade val="30000"/>
-                <a:satMod val="200000"/>
-              </a:schemeClr>
-            </a:gs>
-          </a:gsLst>
-          <a:path path="circle">
-            <a:fillToRect l="50000" t="50000" r="50000" b="50000"/>
-          </a:path>
+          <a:lin ang="5400000" scaled="0"/>
         </a:gradFill>
       </a:bgFillStyleLst>
     </a:fmtScheme>
   </a:themeElements>
-  <a:objectDefaults>
-    <a:spDef>
-      <a:spPr/>
-      <a:bodyPr/>
-      <a:lstStyle/>
-      <a:style>
-        <a:lnRef idx="1">
-          <a:schemeClr val="accent1"/>
-        </a:lnRef>
-        <a:fillRef idx="3">
-          <a:schemeClr val="accent1"/>
-        </a:fillRef>
-        <a:effectRef idx="2">
-          <a:schemeClr val="accent1"/>
-        </a:effectRef>
-        <a:fontRef idx="minor">
-          <a:schemeClr val="lt1"/>
-        </a:fontRef>
-      </a:style>
-    </a:spDef>
-    <a:lnDef>
-      <a:spPr/>
-      <a:bodyPr/>
-      <a:lstStyle/>
-      <a:style>
-        <a:lnRef idx="2">
-          <a:schemeClr val="accent1"/>
-        </a:lnRef>
-        <a:fillRef idx="0">
-          <a:schemeClr val="accent1"/>
-        </a:fillRef>
-        <a:effectRef idx="1">
-          <a:schemeClr val="accent1"/>
-        </a:effectRef>
-        <a:fontRef idx="minor">
-          <a:schemeClr val="tx1"/>
-        </a:fontRef>
-      </a:style>
-    </a:lnDef>
-  </a:objectDefaults>
+  <a:objectDefaults/>
   <a:extraClrSchemeLst/>
+  <a:extLst>
+    <a:ext uri="{05A4C25C-085E-4340-85A3-A5531E510DB2}">
+      <thm15:themeFamily xmlns:thm15="http://schemas.microsoft.com/office/thememl/2012/main" name="Office Theme" id="{62F939B6-93AF-4DB8-9C6B-D6C7DFDC589F}" vid="{4A3C46E8-61CC-4603-A589-7422A47A8E4A}"/>
+    </a:ext>
+  </a:extLst>
 </a:theme>
 </file>
 
@@ -12510,4 +15642,324 @@
   </a:objectDefaults>
   <a:extraClrSchemeLst/>
 </a:theme>
+</file>
+
+<file path=ppt/theme/theme4.xml><?xml version="1.0" encoding="utf-8"?>
+<a:theme xmlns:a="http://schemas.openxmlformats.org/drawingml/2006/main" name="Office Theme">
+  <a:themeElements>
+    <a:clrScheme name="Office">
+      <a:dk1>
+        <a:sysClr val="windowText" lastClr="000000"/>
+      </a:dk1>
+      <a:lt1>
+        <a:sysClr val="window" lastClr="FFFFFF"/>
+      </a:lt1>
+      <a:dk2>
+        <a:srgbClr val="1F497D"/>
+      </a:dk2>
+      <a:lt2>
+        <a:srgbClr val="EEECE1"/>
+      </a:lt2>
+      <a:accent1>
+        <a:srgbClr val="4F81BD"/>
+      </a:accent1>
+      <a:accent2>
+        <a:srgbClr val="C0504D"/>
+      </a:accent2>
+      <a:accent3>
+        <a:srgbClr val="9BBB59"/>
+      </a:accent3>
+      <a:accent4>
+        <a:srgbClr val="8064A2"/>
+      </a:accent4>
+      <a:accent5>
+        <a:srgbClr val="4BACC6"/>
+      </a:accent5>
+      <a:accent6>
+        <a:srgbClr val="F79646"/>
+      </a:accent6>
+      <a:hlink>
+        <a:srgbClr val="0000FF"/>
+      </a:hlink>
+      <a:folHlink>
+        <a:srgbClr val="800080"/>
+      </a:folHlink>
+    </a:clrScheme>
+    <a:fontScheme name="Office">
+      <a:majorFont>
+        <a:latin typeface="Calibri"/>
+        <a:ea typeface=""/>
+        <a:cs typeface=""/>
+        <a:font script="Jpan" typeface="ＭＳ Ｐゴシック"/>
+        <a:font script="Hang" typeface="맑은 고딕"/>
+        <a:font script="Hans" typeface="宋体"/>
+        <a:font script="Hant" typeface="新細明體"/>
+        <a:font script="Arab" typeface="Times New Roman"/>
+        <a:font script="Hebr" typeface="Times New Roman"/>
+        <a:font script="Thai" typeface="Angsana New"/>
+        <a:font script="Ethi" typeface="Nyala"/>
+        <a:font script="Beng" typeface="Vrinda"/>
+        <a:font script="Gujr" typeface="Shruti"/>
+        <a:font script="Khmr" typeface="MoolBoran"/>
+        <a:font script="Knda" typeface="Tunga"/>
+        <a:font script="Guru" typeface="Raavi"/>
+        <a:font script="Cans" typeface="Euphemia"/>
+        <a:font script="Cher" typeface="Plantagenet Cherokee"/>
+        <a:font script="Yiii" typeface="Microsoft Yi Baiti"/>
+        <a:font script="Tibt" typeface="Microsoft Himalaya"/>
+        <a:font script="Thaa" typeface="MV Boli"/>
+        <a:font script="Deva" typeface="Mangal"/>
+        <a:font script="Telu" typeface="Gautami"/>
+        <a:font script="Taml" typeface="Latha"/>
+        <a:font script="Syrc" typeface="Estrangelo Edessa"/>
+        <a:font script="Orya" typeface="Kalinga"/>
+        <a:font script="Mlym" typeface="Kartika"/>
+        <a:font script="Laoo" typeface="DokChampa"/>
+        <a:font script="Sinh" typeface="Iskoola Pota"/>
+        <a:font script="Mong" typeface="Mongolian Baiti"/>
+        <a:font script="Viet" typeface="Times New Roman"/>
+        <a:font script="Uigh" typeface="Microsoft Uighur"/>
+        <a:font script="Geor" typeface="Sylfaen"/>
+      </a:majorFont>
+      <a:minorFont>
+        <a:latin typeface="Calibri"/>
+        <a:ea typeface=""/>
+        <a:cs typeface=""/>
+        <a:font script="Jpan" typeface="ＭＳ Ｐゴシック"/>
+        <a:font script="Hang" typeface="맑은 고딕"/>
+        <a:font script="Hans" typeface="宋体"/>
+        <a:font script="Hant" typeface="新細明體"/>
+        <a:font script="Arab" typeface="Arial"/>
+        <a:font script="Hebr" typeface="Arial"/>
+        <a:font script="Thai" typeface="Cordia New"/>
+        <a:font script="Ethi" typeface="Nyala"/>
+        <a:font script="Beng" typeface="Vrinda"/>
+        <a:font script="Gujr" typeface="Shruti"/>
+        <a:font script="Khmr" typeface="DaunPenh"/>
+        <a:font script="Knda" typeface="Tunga"/>
+        <a:font script="Guru" typeface="Raavi"/>
+        <a:font script="Cans" typeface="Euphemia"/>
+        <a:font script="Cher" typeface="Plantagenet Cherokee"/>
+        <a:font script="Yiii" typeface="Microsoft Yi Baiti"/>
+        <a:font script="Tibt" typeface="Microsoft Himalaya"/>
+        <a:font script="Thaa" typeface="MV Boli"/>
+        <a:font script="Deva" typeface="Mangal"/>
+        <a:font script="Telu" typeface="Gautami"/>
+        <a:font script="Taml" typeface="Latha"/>
+        <a:font script="Syrc" typeface="Estrangelo Edessa"/>
+        <a:font script="Orya" typeface="Kalinga"/>
+        <a:font script="Mlym" typeface="Kartika"/>
+        <a:font script="Laoo" typeface="DokChampa"/>
+        <a:font script="Sinh" typeface="Iskoola Pota"/>
+        <a:font script="Mong" typeface="Mongolian Baiti"/>
+        <a:font script="Viet" typeface="Arial"/>
+        <a:font script="Uigh" typeface="Microsoft Uighur"/>
+        <a:font script="Geor" typeface="Sylfaen"/>
+      </a:minorFont>
+    </a:fontScheme>
+    <a:fmtScheme name="Office">
+      <a:fillStyleLst>
+        <a:solidFill>
+          <a:schemeClr val="phClr"/>
+        </a:solidFill>
+        <a:gradFill rotWithShape="1">
+          <a:gsLst>
+            <a:gs pos="0">
+              <a:schemeClr val="phClr">
+                <a:tint val="50000"/>
+                <a:satMod val="300000"/>
+              </a:schemeClr>
+            </a:gs>
+            <a:gs pos="35000">
+              <a:schemeClr val="phClr">
+                <a:tint val="37000"/>
+                <a:satMod val="300000"/>
+              </a:schemeClr>
+            </a:gs>
+            <a:gs pos="100000">
+              <a:schemeClr val="phClr">
+                <a:tint val="15000"/>
+                <a:satMod val="350000"/>
+              </a:schemeClr>
+            </a:gs>
+          </a:gsLst>
+          <a:lin ang="16200000" scaled="1"/>
+        </a:gradFill>
+        <a:gradFill rotWithShape="1">
+          <a:gsLst>
+            <a:gs pos="0">
+              <a:schemeClr val="phClr">
+                <a:tint val="100000"/>
+                <a:shade val="100000"/>
+                <a:satMod val="130000"/>
+              </a:schemeClr>
+            </a:gs>
+            <a:gs pos="100000">
+              <a:schemeClr val="phClr">
+                <a:tint val="50000"/>
+                <a:shade val="100000"/>
+                <a:satMod val="350000"/>
+              </a:schemeClr>
+            </a:gs>
+          </a:gsLst>
+          <a:lin ang="16200000" scaled="0"/>
+        </a:gradFill>
+      </a:fillStyleLst>
+      <a:lnStyleLst>
+        <a:ln w="9525" cap="flat" cmpd="sng" algn="ctr">
+          <a:solidFill>
+            <a:schemeClr val="phClr">
+              <a:shade val="95000"/>
+              <a:satMod val="105000"/>
+            </a:schemeClr>
+          </a:solidFill>
+          <a:prstDash val="solid"/>
+        </a:ln>
+        <a:ln w="25400" cap="flat" cmpd="sng" algn="ctr">
+          <a:solidFill>
+            <a:schemeClr val="phClr"/>
+          </a:solidFill>
+          <a:prstDash val="solid"/>
+        </a:ln>
+        <a:ln w="38100" cap="flat" cmpd="sng" algn="ctr">
+          <a:solidFill>
+            <a:schemeClr val="phClr"/>
+          </a:solidFill>
+          <a:prstDash val="solid"/>
+        </a:ln>
+      </a:lnStyleLst>
+      <a:effectStyleLst>
+        <a:effectStyle>
+          <a:effectLst>
+            <a:outerShdw blurRad="40000" dist="20000" dir="5400000" rotWithShape="0">
+              <a:srgbClr val="000000">
+                <a:alpha val="38000"/>
+              </a:srgbClr>
+            </a:outerShdw>
+          </a:effectLst>
+        </a:effectStyle>
+        <a:effectStyle>
+          <a:effectLst>
+            <a:outerShdw blurRad="40000" dist="23000" dir="5400000" rotWithShape="0">
+              <a:srgbClr val="000000">
+                <a:alpha val="35000"/>
+              </a:srgbClr>
+            </a:outerShdw>
+          </a:effectLst>
+        </a:effectStyle>
+        <a:effectStyle>
+          <a:effectLst>
+            <a:outerShdw blurRad="40000" dist="23000" dir="5400000" rotWithShape="0">
+              <a:srgbClr val="000000">
+                <a:alpha val="35000"/>
+              </a:srgbClr>
+            </a:outerShdw>
+          </a:effectLst>
+          <a:scene3d>
+            <a:camera prst="orthographicFront">
+              <a:rot lat="0" lon="0" rev="0"/>
+            </a:camera>
+            <a:lightRig rig="threePt" dir="t">
+              <a:rot lat="0" lon="0" rev="1200000"/>
+            </a:lightRig>
+          </a:scene3d>
+          <a:sp3d>
+            <a:bevelT w="63500" h="25400"/>
+          </a:sp3d>
+        </a:effectStyle>
+      </a:effectStyleLst>
+      <a:bgFillStyleLst>
+        <a:solidFill>
+          <a:schemeClr val="phClr"/>
+        </a:solidFill>
+        <a:gradFill rotWithShape="1">
+          <a:gsLst>
+            <a:gs pos="0">
+              <a:schemeClr val="phClr">
+                <a:tint val="40000"/>
+                <a:satMod val="350000"/>
+              </a:schemeClr>
+            </a:gs>
+            <a:gs pos="40000">
+              <a:schemeClr val="phClr">
+                <a:tint val="45000"/>
+                <a:shade val="99000"/>
+                <a:satMod val="350000"/>
+              </a:schemeClr>
+            </a:gs>
+            <a:gs pos="100000">
+              <a:schemeClr val="phClr">
+                <a:shade val="20000"/>
+                <a:satMod val="255000"/>
+              </a:schemeClr>
+            </a:gs>
+          </a:gsLst>
+          <a:path path="circle">
+            <a:fillToRect l="50000" t="-80000" r="50000" b="180000"/>
+          </a:path>
+        </a:gradFill>
+        <a:gradFill rotWithShape="1">
+          <a:gsLst>
+            <a:gs pos="0">
+              <a:schemeClr val="phClr">
+                <a:tint val="80000"/>
+                <a:satMod val="300000"/>
+              </a:schemeClr>
+            </a:gs>
+            <a:gs pos="100000">
+              <a:schemeClr val="phClr">
+                <a:shade val="30000"/>
+                <a:satMod val="200000"/>
+              </a:schemeClr>
+            </a:gs>
+          </a:gsLst>
+          <a:path path="circle">
+            <a:fillToRect l="50000" t="50000" r="50000" b="50000"/>
+          </a:path>
+        </a:gradFill>
+      </a:bgFillStyleLst>
+    </a:fmtScheme>
+  </a:themeElements>
+  <a:objectDefaults>
+    <a:spDef>
+      <a:spPr/>
+      <a:bodyPr/>
+      <a:lstStyle/>
+      <a:style>
+        <a:lnRef idx="1">
+          <a:schemeClr val="accent1"/>
+        </a:lnRef>
+        <a:fillRef idx="3">
+          <a:schemeClr val="accent1"/>
+        </a:fillRef>
+        <a:effectRef idx="2">
+          <a:schemeClr val="accent1"/>
+        </a:effectRef>
+        <a:fontRef idx="minor">
+          <a:schemeClr val="lt1"/>
+        </a:fontRef>
+      </a:style>
+    </a:spDef>
+    <a:lnDef>
+      <a:spPr/>
+      <a:bodyPr/>
+      <a:lstStyle/>
+      <a:style>
+        <a:lnRef idx="2">
+          <a:schemeClr val="accent1"/>
+        </a:lnRef>
+        <a:fillRef idx="0">
+          <a:schemeClr val="accent1"/>
+        </a:fillRef>
+        <a:effectRef idx="1">
+          <a:schemeClr val="accent1"/>
+        </a:effectRef>
+        <a:fontRef idx="minor">
+          <a:schemeClr val="tx1"/>
+        </a:fontRef>
+      </a:style>
+    </a:lnDef>
+  </a:objectDefaults>
+  <a:extraClrSchemeLst/>
+</a:theme>
 </file>